--- a/summary.pptx
+++ b/summary.pptx
@@ -13,9 +13,10 @@
     <p:sldId id="301" r:id="rId6"/>
     <p:sldId id="302" r:id="rId7"/>
     <p:sldId id="303" r:id="rId8"/>
-    <p:sldId id="304" r:id="rId9"/>
-    <p:sldId id="305" r:id="rId10"/>
+    <p:sldId id="305" r:id="rId9"/>
+    <p:sldId id="308" r:id="rId10"/>
     <p:sldId id="307" r:id="rId11"/>
+    <p:sldId id="309" r:id="rId12"/>
   </p:sldIdLst>
   <p:sldSz cx="12192000" cy="6858000"/>
   <p:notesSz cx="7103745" cy="10234295"/>
@@ -641,6 +642,182 @@
 </file>
 
 <file path=ppt/notesSlides/notesSlide5.xml><?xml version="1.0" encoding="utf-8"?>
+<p:notes xmlns:a="http://schemas.openxmlformats.org/drawingml/2006/main" xmlns:r="http://schemas.openxmlformats.org/officeDocument/2006/relationships" xmlns:p="http://schemas.openxmlformats.org/presentationml/2006/main">
+  <p:cSld>
+    <p:spTree>
+      <p:nvGrpSpPr>
+        <p:cNvPr id="1" name=""/>
+        <p:cNvGrpSpPr/>
+        <p:nvPr/>
+      </p:nvGrpSpPr>
+      <p:grpSpPr/>
+      <p:sp>
+        <p:nvSpPr>
+          <p:cNvPr id="2" name="幻灯片图像占位符 1"/>
+          <p:cNvSpPr/>
+          <p:nvPr>
+            <p:ph type="sldImg" idx="2"/>
+          </p:nvPr>
+        </p:nvSpPr>
+        <p:spPr/>
+      </p:sp>
+      <p:sp>
+        <p:nvSpPr>
+          <p:cNvPr id="3" name="文本占位符 2"/>
+          <p:cNvSpPr/>
+          <p:nvPr>
+            <p:ph type="body" idx="3"/>
+          </p:nvPr>
+        </p:nvSpPr>
+        <p:spPr/>
+        <p:txBody>
+          <a:bodyPr/>
+          <a:p>
+            <a:endParaRPr lang="zh-CN" altLang="en-US"/>
+          </a:p>
+        </p:txBody>
+      </p:sp>
+    </p:spTree>
+  </p:cSld>
+  <p:clrMapOvr>
+    <a:masterClrMapping/>
+  </p:clrMapOvr>
+</p:notes>
+</file>
+
+<file path=ppt/notesSlides/notesSlide6.xml><?xml version="1.0" encoding="utf-8"?>
+<p:notes xmlns:a="http://schemas.openxmlformats.org/drawingml/2006/main" xmlns:r="http://schemas.openxmlformats.org/officeDocument/2006/relationships" xmlns:p="http://schemas.openxmlformats.org/presentationml/2006/main">
+  <p:cSld>
+    <p:spTree>
+      <p:nvGrpSpPr>
+        <p:cNvPr id="1" name=""/>
+        <p:cNvGrpSpPr/>
+        <p:nvPr/>
+      </p:nvGrpSpPr>
+      <p:grpSpPr/>
+      <p:sp>
+        <p:nvSpPr>
+          <p:cNvPr id="2" name="幻灯片图像占位符 1"/>
+          <p:cNvSpPr/>
+          <p:nvPr>
+            <p:ph type="sldImg" idx="2"/>
+          </p:nvPr>
+        </p:nvSpPr>
+        <p:spPr/>
+      </p:sp>
+      <p:sp>
+        <p:nvSpPr>
+          <p:cNvPr id="3" name="文本占位符 2"/>
+          <p:cNvSpPr/>
+          <p:nvPr>
+            <p:ph type="body" idx="3"/>
+          </p:nvPr>
+        </p:nvSpPr>
+        <p:spPr/>
+        <p:txBody>
+          <a:bodyPr/>
+          <a:p>
+            <a:endParaRPr lang="zh-CN" altLang="en-US"/>
+          </a:p>
+        </p:txBody>
+      </p:sp>
+    </p:spTree>
+  </p:cSld>
+  <p:clrMapOvr>
+    <a:masterClrMapping/>
+  </p:clrMapOvr>
+</p:notes>
+</file>
+
+<file path=ppt/notesSlides/notesSlide7.xml><?xml version="1.0" encoding="utf-8"?>
+<p:notes xmlns:a="http://schemas.openxmlformats.org/drawingml/2006/main" xmlns:r="http://schemas.openxmlformats.org/officeDocument/2006/relationships" xmlns:p="http://schemas.openxmlformats.org/presentationml/2006/main">
+  <p:cSld>
+    <p:spTree>
+      <p:nvGrpSpPr>
+        <p:cNvPr id="1" name=""/>
+        <p:cNvGrpSpPr/>
+        <p:nvPr/>
+      </p:nvGrpSpPr>
+      <p:grpSpPr/>
+      <p:sp>
+        <p:nvSpPr>
+          <p:cNvPr id="2" name="幻灯片图像占位符 1"/>
+          <p:cNvSpPr/>
+          <p:nvPr>
+            <p:ph type="sldImg" idx="2"/>
+          </p:nvPr>
+        </p:nvSpPr>
+        <p:spPr/>
+      </p:sp>
+      <p:sp>
+        <p:nvSpPr>
+          <p:cNvPr id="3" name="文本占位符 2"/>
+          <p:cNvSpPr/>
+          <p:nvPr>
+            <p:ph type="body" idx="3"/>
+          </p:nvPr>
+        </p:nvSpPr>
+        <p:spPr/>
+        <p:txBody>
+          <a:bodyPr/>
+          <a:p>
+            <a:endParaRPr lang="zh-CN" altLang="en-US"/>
+          </a:p>
+        </p:txBody>
+      </p:sp>
+    </p:spTree>
+  </p:cSld>
+  <p:clrMapOvr>
+    <a:masterClrMapping/>
+  </p:clrMapOvr>
+</p:notes>
+</file>
+
+<file path=ppt/notesSlides/notesSlide8.xml><?xml version="1.0" encoding="utf-8"?>
+<p:notes xmlns:a="http://schemas.openxmlformats.org/drawingml/2006/main" xmlns:r="http://schemas.openxmlformats.org/officeDocument/2006/relationships" xmlns:p="http://schemas.openxmlformats.org/presentationml/2006/main">
+  <p:cSld>
+    <p:spTree>
+      <p:nvGrpSpPr>
+        <p:cNvPr id="1" name=""/>
+        <p:cNvGrpSpPr/>
+        <p:nvPr/>
+      </p:nvGrpSpPr>
+      <p:grpSpPr/>
+      <p:sp>
+        <p:nvSpPr>
+          <p:cNvPr id="2" name="幻灯片图像占位符 1"/>
+          <p:cNvSpPr/>
+          <p:nvPr>
+            <p:ph type="sldImg" idx="2"/>
+          </p:nvPr>
+        </p:nvSpPr>
+        <p:spPr/>
+      </p:sp>
+      <p:sp>
+        <p:nvSpPr>
+          <p:cNvPr id="3" name="文本占位符 2"/>
+          <p:cNvSpPr/>
+          <p:nvPr>
+            <p:ph type="body" idx="3"/>
+          </p:nvPr>
+        </p:nvSpPr>
+        <p:spPr/>
+        <p:txBody>
+          <a:bodyPr/>
+          <a:p>
+            <a:endParaRPr lang="zh-CN" altLang="en-US"/>
+          </a:p>
+        </p:txBody>
+      </p:sp>
+    </p:spTree>
+  </p:cSld>
+  <p:clrMapOvr>
+    <a:masterClrMapping/>
+  </p:clrMapOvr>
+</p:notes>
+</file>
+
+<file path=ppt/notesSlides/notesSlide9.xml><?xml version="1.0" encoding="utf-8"?>
 <p:notes xmlns:a="http://schemas.openxmlformats.org/drawingml/2006/main" xmlns:r="http://schemas.openxmlformats.org/officeDocument/2006/relationships" xmlns:p="http://schemas.openxmlformats.org/presentationml/2006/main">
   <p:cSld>
     <p:spTree>
@@ -3211,7 +3388,7 @@
         </p:nvSpPr>
         <p:spPr>
           <a:xfrm>
-            <a:off x="1548765" y="926465"/>
+            <a:off x="1548765" y="1583690"/>
             <a:ext cx="9093835" cy="2061210"/>
           </a:xfrm>
           <a:prstGeom prst="rect">
@@ -3239,7 +3416,7 @@
             <a:pPr algn="ctr"/>
             <a:r>
               <a:rPr lang="en-US" altLang="zh-CN" sz="3200"/>
-              <a:t>summary</a:t>
+              <a:t>Summary</a:t>
             </a:r>
             <a:endParaRPr lang="en-US" altLang="zh-CN" sz="3200"/>
           </a:p>
@@ -3871,7 +4048,7 @@
                 </a:solidFill>
                 <a:sym typeface="+mn-ea"/>
               </a:rPr>
-              <a:t>ensemble </a:t>
+              <a:t>averaging </a:t>
             </a:r>
             <a:r>
               <a:rPr lang="en-US" altLang="zh-CN" sz="2000">
@@ -3923,7 +4100,7 @@
                 </a:solidFill>
                 <a:sym typeface="+mn-ea"/>
               </a:rPr>
-              <a:t>Ensemble</a:t>
+              <a:t>Averaging</a:t>
             </a:r>
             <a:r>
               <a:rPr lang="en-US" altLang="zh-CN" sz="2000">
@@ -3932,7 +4109,7 @@
                 </a:solidFill>
                 <a:sym typeface="+mn-ea"/>
               </a:rPr>
-              <a:t>: 1. we ensemble the model by averaging the predictions of the 5 model runs </a:t>
+              <a:t>: 1. we average the predictions of the 5 model runs </a:t>
             </a:r>
             <a:r>
               <a:rPr lang="en-US" altLang="zh-CN" sz="2000">
@@ -3941,7 +4118,7 @@
                 </a:solidFill>
                 <a:sym typeface="+mn-ea"/>
               </a:rPr>
-              <a:t>for 	     each image modality</a:t>
+              <a:t>for each image modality</a:t>
             </a:r>
             <a:r>
               <a:rPr lang="en-US" altLang="zh-CN" sz="2000">
@@ -3950,7 +4127,7 @@
                 </a:solidFill>
                 <a:sym typeface="+mn-ea"/>
               </a:rPr>
-              <a:t>, resulting in one ensembled model for each modality. </a:t>
+              <a:t>,     resulting in one ensembled model for each modality. </a:t>
             </a:r>
             <a:endParaRPr lang="en-US" altLang="zh-CN" sz="2000">
               <a:solidFill>
@@ -3985,7 +4162,7 @@
                 </a:solidFill>
                 <a:sym typeface="+mn-ea"/>
               </a:rPr>
-              <a:t>, we average model predictions for all image 	       	     modalities, resulting in 5 ensembled models. (DONE)</a:t>
+              <a:t>, we average model predictions for all image 	     modalities, resulting in 5 ensembled models. (DONE)</a:t>
             </a:r>
             <a:endParaRPr lang="en-US" altLang="zh-CN" sz="2000">
               <a:solidFill>
@@ -4202,7 +4379,7 @@
                       </a:pPr>
                       <a:r>
                         <a:rPr lang="en-US" altLang="zh-CN"/>
-                        <a:t>Ensemble</a:t>
+                        <a:t>Averaging</a:t>
                       </a:r>
                       <a:endParaRPr lang="en-US" altLang="zh-CN"/>
                     </a:p>
@@ -5010,7 +5187,7 @@
                       </a:pPr>
                       <a:r>
                         <a:rPr lang="en-US" altLang="zh-CN"/>
-                        <a:t>Modality Ensemble</a:t>
+                        <a:t>Modality Averaging</a:t>
                       </a:r>
                       <a:endParaRPr lang="en-US" altLang="zh-CN"/>
                     </a:p>
@@ -5212,7 +5389,7 @@
           <a:p>
             <a:r>
               <a:rPr lang="en-US" altLang="zh-CN" sz="3200"/>
-              <a:t>Ensemble model performance (03/11/2023) </a:t>
+              <a:t>Averaging model performance (03/11/2023) </a:t>
             </a:r>
             <a:endParaRPr lang="en-US" altLang="zh-CN" sz="3200"/>
           </a:p>
@@ -5259,1121 +5436,176 @@
           <a:p>
             <a:r>
               <a:rPr lang="en-US" altLang="zh-CN" sz="3200"/>
-              <a:t>Stacking model performance (03/11/2023) </a:t>
+              <a:t>Few-shot-learning (IN_P) </a:t>
             </a:r>
             <a:endParaRPr lang="en-US" altLang="zh-CN" sz="3200"/>
           </a:p>
         </p:txBody>
       </p:sp>
-      <p:graphicFrame>
-        <p:nvGraphicFramePr>
-          <p:cNvPr id="4" name="表格 3"/>
-          <p:cNvGraphicFramePr/>
-          <p:nvPr>
-            <p:custDataLst>
-              <p:tags r:id="rId1"/>
-            </p:custDataLst>
-          </p:nvPr>
-        </p:nvGraphicFramePr>
-        <p:xfrm>
-          <a:off x="803910" y="1214755"/>
-          <a:ext cx="10372725" cy="3810000"/>
-        </p:xfrm>
-        <a:graphic>
-          <a:graphicData uri="http://schemas.openxmlformats.org/drawingml/2006/table">
-            <a:tbl>
-              <a:tblPr firstRow="1" bandRow="1">
-                <a:tableStyleId>{5C22544A-7EE6-4342-B048-85BDC9FD1C3A}</a:tableStyleId>
-              </a:tblPr>
-              <a:tblGrid>
-                <a:gridCol w="2233295"/>
-                <a:gridCol w="1293495"/>
-                <a:gridCol w="1326515"/>
-                <a:gridCol w="1326515"/>
-                <a:gridCol w="1325880"/>
-                <a:gridCol w="1326515"/>
-                <a:gridCol w="1540510"/>
-              </a:tblGrid>
-              <a:tr h="476250">
-                <a:tc>
-                  <a:txBody>
-                    <a:bodyPr/>
-                    <a:p>
-                      <a:pPr algn="ctr">
-                        <a:buNone/>
-                      </a:pPr>
-                      <a:r>
-                        <a:rPr lang="en-US" altLang="zh-CN"/>
-                        <a:t>DenseNet</a:t>
-                      </a:r>
-                      <a:endParaRPr lang="en-US" altLang="zh-CN"/>
-                    </a:p>
-                  </a:txBody>
-                  <a:tcPr anchor="ctr" anchorCtr="1"/>
-                </a:tc>
-                <a:tc>
-                  <a:txBody>
-                    <a:bodyPr/>
-                    <a:p>
-                      <a:pPr algn="ctr">
-                        <a:buNone/>
-                      </a:pPr>
-                      <a:r>
-                        <a:rPr lang="en-US" altLang="zh-CN"/>
-                        <a:t>Run 1</a:t>
-                      </a:r>
-                      <a:endParaRPr lang="en-US" altLang="zh-CN"/>
-                    </a:p>
-                  </a:txBody>
-                  <a:tcPr anchor="ctr" anchorCtr="1"/>
-                </a:tc>
-                <a:tc>
-                  <a:txBody>
-                    <a:bodyPr/>
-                    <a:p>
-                      <a:pPr algn="ctr">
-                        <a:buNone/>
-                      </a:pPr>
-                      <a:r>
-                        <a:rPr lang="en-US" altLang="zh-CN"/>
-                        <a:t>Run 2</a:t>
-                      </a:r>
-                      <a:endParaRPr lang="en-US" altLang="zh-CN"/>
-                    </a:p>
-                  </a:txBody>
-                  <a:tcPr anchor="ctr" anchorCtr="1"/>
-                </a:tc>
-                <a:tc>
-                  <a:txBody>
-                    <a:bodyPr/>
-                    <a:p>
-                      <a:pPr algn="ctr">
-                        <a:buNone/>
-                      </a:pPr>
-                      <a:r>
-                        <a:rPr lang="en-US" altLang="zh-CN" sz="1800">
-                          <a:sym typeface="+mn-ea"/>
-                        </a:rPr>
-                        <a:t>Run </a:t>
-                      </a:r>
-                      <a:r>
-                        <a:rPr lang="en-US" altLang="zh-CN"/>
-                        <a:t>3</a:t>
-                      </a:r>
-                      <a:endParaRPr lang="en-US" altLang="zh-CN"/>
-                    </a:p>
-                  </a:txBody>
-                  <a:tcPr anchor="ctr" anchorCtr="1"/>
-                </a:tc>
-                <a:tc>
-                  <a:txBody>
-                    <a:bodyPr/>
-                    <a:p>
-                      <a:pPr algn="ctr">
-                        <a:buNone/>
-                      </a:pPr>
-                      <a:r>
-                        <a:rPr lang="en-US" altLang="zh-CN" sz="1800">
-                          <a:sym typeface="+mn-ea"/>
-                        </a:rPr>
-                        <a:t>Run </a:t>
-                      </a:r>
-                      <a:r>
-                        <a:rPr lang="en-US" altLang="zh-CN"/>
-                        <a:t>4</a:t>
-                      </a:r>
-                      <a:endParaRPr lang="en-US" altLang="zh-CN"/>
-                    </a:p>
-                  </a:txBody>
-                  <a:tcPr anchor="ctr" anchorCtr="1"/>
-                </a:tc>
-                <a:tc>
-                  <a:txBody>
-                    <a:bodyPr/>
-                    <a:p>
-                      <a:pPr algn="ctr">
-                        <a:buNone/>
-                      </a:pPr>
-                      <a:r>
-                        <a:rPr lang="en-US" altLang="zh-CN" sz="1800">
-                          <a:sym typeface="+mn-ea"/>
-                        </a:rPr>
-                        <a:t>Run </a:t>
-                      </a:r>
-                      <a:r>
-                        <a:rPr lang="en-US" altLang="zh-CN"/>
-                        <a:t>5</a:t>
-                      </a:r>
-                      <a:endParaRPr lang="en-US" altLang="zh-CN"/>
-                    </a:p>
-                  </a:txBody>
-                  <a:tcPr anchor="ctr" anchorCtr="1"/>
-                </a:tc>
-                <a:tc>
-                  <a:txBody>
-                    <a:bodyPr/>
-                    <a:p>
-                      <a:pPr algn="ctr">
-                        <a:buNone/>
-                      </a:pPr>
-                      <a:r>
-                        <a:rPr lang="en-US" altLang="zh-CN"/>
-                        <a:t>Ensemble</a:t>
-                      </a:r>
-                      <a:endParaRPr lang="en-US" altLang="zh-CN"/>
-                    </a:p>
-                  </a:txBody>
-                  <a:tcPr anchor="ctr" anchorCtr="1"/>
-                </a:tc>
-              </a:tr>
-              <a:tr h="476250">
-                <a:tc>
-                  <a:txBody>
-                    <a:bodyPr/>
-                    <a:p>
-                      <a:pPr algn="ctr">
-                        <a:buNone/>
-                      </a:pPr>
-                      <a:r>
-                        <a:rPr lang="en-US" altLang="zh-CN"/>
-                        <a:t>KFA_DKI</a:t>
-                      </a:r>
-                      <a:endParaRPr lang="en-US" altLang="zh-CN"/>
-                    </a:p>
-                  </a:txBody>
-                  <a:tcPr anchor="ctr" anchorCtr="1"/>
-                </a:tc>
-                <a:tc>
-                  <a:txBody>
-                    <a:bodyPr/>
-                    <a:p>
-                      <a:pPr algn="ctr">
-                        <a:buNone/>
-                      </a:pPr>
-                      <a:r>
-                        <a:rPr lang="en-US" altLang="zh-CN"/>
-                        <a:t>6.65</a:t>
-                      </a:r>
-                      <a:endParaRPr lang="en-US" altLang="zh-CN"/>
-                    </a:p>
-                  </a:txBody>
-                  <a:tcPr anchor="ctr" anchorCtr="1"/>
-                </a:tc>
-                <a:tc>
-                  <a:txBody>
-                    <a:bodyPr/>
-                    <a:p>
-                      <a:pPr algn="ctr">
-                        <a:buNone/>
-                      </a:pPr>
-                      <a:r>
-                        <a:rPr lang="en-US" altLang="zh-CN"/>
-                        <a:t>5.67</a:t>
-                      </a:r>
-                      <a:endParaRPr lang="en-US" altLang="zh-CN"/>
-                    </a:p>
-                  </a:txBody>
-                  <a:tcPr anchor="ctr" anchorCtr="1"/>
-                </a:tc>
-                <a:tc>
-                  <a:txBody>
-                    <a:bodyPr/>
-                    <a:p>
-                      <a:pPr algn="ctr">
-                        <a:buNone/>
-                      </a:pPr>
-                      <a:r>
-                        <a:rPr lang="en-US" altLang="zh-CN">
-                          <a:solidFill>
-                            <a:schemeClr val="tx1"/>
-                          </a:solidFill>
-                        </a:rPr>
-                        <a:t>5.42</a:t>
-                      </a:r>
-                      <a:endParaRPr lang="en-US" altLang="zh-CN">
-                        <a:solidFill>
-                          <a:schemeClr val="tx1"/>
-                        </a:solidFill>
-                      </a:endParaRPr>
-                    </a:p>
-                  </a:txBody>
-                  <a:tcPr anchor="ctr" anchorCtr="1"/>
-                </a:tc>
-                <a:tc>
-                  <a:txBody>
-                    <a:bodyPr/>
-                    <a:p>
-                      <a:pPr algn="ctr">
-                        <a:buNone/>
-                      </a:pPr>
-                      <a:r>
-                        <a:rPr lang="en-US" altLang="zh-CN"/>
-                        <a:t>5.57</a:t>
-                      </a:r>
-                      <a:endParaRPr lang="en-US" altLang="zh-CN"/>
-                    </a:p>
-                  </a:txBody>
-                  <a:tcPr anchor="ctr" anchorCtr="1"/>
-                </a:tc>
-                <a:tc>
-                  <a:txBody>
-                    <a:bodyPr/>
-                    <a:p>
-                      <a:pPr algn="ctr">
-                        <a:buNone/>
-                      </a:pPr>
-                      <a:r>
-                        <a:rPr lang="en-US" altLang="zh-CN"/>
-                        <a:t>6.58</a:t>
-                      </a:r>
-                      <a:endParaRPr lang="en-US" altLang="zh-CN"/>
-                    </a:p>
-                  </a:txBody>
-                  <a:tcPr anchor="ctr" anchorCtr="1"/>
-                </a:tc>
-                <a:tc>
-                  <a:txBody>
-                    <a:bodyPr/>
-                    <a:p>
-                      <a:pPr algn="ctr">
-                        <a:buNone/>
-                      </a:pPr>
-                      <a:r>
-                        <a:rPr lang="en-US" altLang="zh-CN">
-                          <a:solidFill>
-                            <a:srgbClr val="00B050"/>
-                          </a:solidFill>
-                        </a:rPr>
-                        <a:t>4.91</a:t>
-                      </a:r>
-                      <a:endParaRPr lang="en-US" altLang="zh-CN">
-                        <a:solidFill>
-                          <a:srgbClr val="00B050"/>
-                        </a:solidFill>
-                      </a:endParaRPr>
-                    </a:p>
-                  </a:txBody>
-                  <a:tcPr anchor="ctr" anchorCtr="1"/>
-                </a:tc>
-              </a:tr>
-              <a:tr h="476250">
-                <a:tc>
-                  <a:txBody>
-                    <a:bodyPr/>
-                    <a:p>
-                      <a:pPr algn="ctr">
-                        <a:buNone/>
-                      </a:pPr>
-                      <a:r>
-                        <a:rPr lang="en-US" altLang="zh-CN" sz="1800">
-                          <a:sym typeface="+mn-ea"/>
-                        </a:rPr>
-                        <a:t>FA_CHARMED</a:t>
-                      </a:r>
-                      <a:endParaRPr lang="zh-CN" altLang="en-US"/>
-                    </a:p>
-                  </a:txBody>
-                  <a:tcPr anchor="ctr" anchorCtr="1"/>
-                </a:tc>
-                <a:tc>
-                  <a:txBody>
-                    <a:bodyPr/>
-                    <a:p>
-                      <a:pPr algn="ctr">
-                        <a:buNone/>
-                      </a:pPr>
-                      <a:r>
-                        <a:rPr lang="en-US" altLang="zh-CN"/>
-                        <a:t>8.02</a:t>
-                      </a:r>
-                      <a:endParaRPr lang="en-US" altLang="zh-CN"/>
-                    </a:p>
-                  </a:txBody>
-                  <a:tcPr anchor="ctr" anchorCtr="1"/>
-                </a:tc>
-                <a:tc>
-                  <a:txBody>
-                    <a:bodyPr/>
-                    <a:p>
-                      <a:pPr algn="ctr">
-                        <a:buNone/>
-                      </a:pPr>
-                      <a:r>
-                        <a:rPr lang="en-US" altLang="zh-CN"/>
-                        <a:t>7.08</a:t>
-                      </a:r>
-                      <a:endParaRPr lang="en-US" altLang="zh-CN"/>
-                    </a:p>
-                  </a:txBody>
-                  <a:tcPr anchor="ctr" anchorCtr="1"/>
-                </a:tc>
-                <a:tc>
-                  <a:txBody>
-                    <a:bodyPr/>
-                    <a:p>
-                      <a:pPr algn="ctr">
-                        <a:buNone/>
-                      </a:pPr>
-                      <a:r>
-                        <a:rPr lang="en-US" altLang="zh-CN">
-                          <a:solidFill>
-                            <a:schemeClr val="tx1"/>
-                          </a:solidFill>
-                        </a:rPr>
-                        <a:t>6.12</a:t>
-                      </a:r>
-                      <a:endParaRPr lang="en-US" altLang="zh-CN">
-                        <a:solidFill>
-                          <a:schemeClr val="tx1"/>
-                        </a:solidFill>
-                      </a:endParaRPr>
-                    </a:p>
-                  </a:txBody>
-                  <a:tcPr anchor="ctr" anchorCtr="1"/>
-                </a:tc>
-                <a:tc>
-                  <a:txBody>
-                    <a:bodyPr/>
-                    <a:p>
-                      <a:pPr algn="ctr">
-                        <a:buNone/>
-                      </a:pPr>
-                      <a:r>
-                        <a:rPr lang="en-US" altLang="zh-CN"/>
-                        <a:t>6.1</a:t>
-                      </a:r>
-                      <a:endParaRPr lang="en-US" altLang="zh-CN"/>
-                    </a:p>
-                  </a:txBody>
-                  <a:tcPr anchor="ctr" anchorCtr="1"/>
-                </a:tc>
-                <a:tc>
-                  <a:txBody>
-                    <a:bodyPr/>
-                    <a:p>
-                      <a:pPr algn="ctr">
-                        <a:buNone/>
-                      </a:pPr>
-                      <a:r>
-                        <a:rPr lang="en-US" altLang="zh-CN"/>
-                        <a:t>6.32</a:t>
-                      </a:r>
-                      <a:endParaRPr lang="en-US" altLang="zh-CN"/>
-                    </a:p>
-                  </a:txBody>
-                  <a:tcPr anchor="ctr" anchorCtr="1"/>
-                </a:tc>
-                <a:tc>
-                  <a:txBody>
-                    <a:bodyPr/>
-                    <a:p>
-                      <a:pPr algn="ctr">
-                        <a:buNone/>
-                      </a:pPr>
-                      <a:r>
-                        <a:rPr lang="en-US" altLang="zh-CN">
-                          <a:solidFill>
-                            <a:srgbClr val="00B050"/>
-                          </a:solidFill>
-                        </a:rPr>
-                        <a:t>5.62</a:t>
-                      </a:r>
-                      <a:endParaRPr lang="en-US" altLang="zh-CN">
-                        <a:solidFill>
-                          <a:srgbClr val="00B050"/>
-                        </a:solidFill>
-                      </a:endParaRPr>
-                    </a:p>
-                  </a:txBody>
-                  <a:tcPr anchor="ctr" anchorCtr="1"/>
-                </a:tc>
-              </a:tr>
-              <a:tr h="476250">
-                <a:tc>
-                  <a:txBody>
-                    <a:bodyPr/>
-                    <a:p>
-                      <a:pPr algn="ctr">
-                        <a:buNone/>
-                      </a:pPr>
-                      <a:r>
-                        <a:rPr lang="en-US" altLang="zh-CN" sz="1800">
-                          <a:sym typeface="+mn-ea"/>
-                        </a:rPr>
-                        <a:t>RD_CHARMED</a:t>
-                      </a:r>
-                      <a:endParaRPr lang="zh-CN" altLang="en-US"/>
-                    </a:p>
-                  </a:txBody>
-                  <a:tcPr anchor="ctr" anchorCtr="1"/>
-                </a:tc>
-                <a:tc>
-                  <a:txBody>
-                    <a:bodyPr/>
-                    <a:p>
-                      <a:pPr algn="ctr">
-                        <a:buNone/>
-                      </a:pPr>
-                      <a:r>
-                        <a:rPr lang="en-US" altLang="zh-CN">
-                          <a:solidFill>
-                            <a:schemeClr val="tx1"/>
-                          </a:solidFill>
-                        </a:rPr>
-                        <a:t>6.44</a:t>
-                      </a:r>
-                      <a:endParaRPr lang="en-US" altLang="zh-CN">
-                        <a:solidFill>
-                          <a:schemeClr val="tx1"/>
-                        </a:solidFill>
-                      </a:endParaRPr>
-                    </a:p>
-                  </a:txBody>
-                  <a:tcPr anchor="ctr" anchorCtr="1"/>
-                </a:tc>
-                <a:tc>
-                  <a:txBody>
-                    <a:bodyPr/>
-                    <a:p>
-                      <a:pPr algn="ctr">
-                        <a:buNone/>
-                      </a:pPr>
-                      <a:r>
-                        <a:rPr lang="en-US" altLang="zh-CN"/>
-                        <a:t>5.95</a:t>
-                      </a:r>
-                      <a:endParaRPr lang="en-US" altLang="zh-CN"/>
-                    </a:p>
-                  </a:txBody>
-                  <a:tcPr anchor="ctr" anchorCtr="1"/>
-                </a:tc>
-                <a:tc>
-                  <a:txBody>
-                    <a:bodyPr/>
-                    <a:p>
-                      <a:pPr algn="ctr">
-                        <a:buNone/>
-                      </a:pPr>
-                      <a:r>
-                        <a:rPr lang="en-US" altLang="zh-CN"/>
-                        <a:t>8.01</a:t>
-                      </a:r>
-                      <a:endParaRPr lang="en-US" altLang="zh-CN"/>
-                    </a:p>
-                  </a:txBody>
-                  <a:tcPr anchor="ctr" anchorCtr="1"/>
-                </a:tc>
-                <a:tc>
-                  <a:txBody>
-                    <a:bodyPr/>
-                    <a:p>
-                      <a:pPr algn="ctr">
-                        <a:buNone/>
-                      </a:pPr>
-                      <a:r>
-                        <a:rPr lang="en-US" altLang="zh-CN"/>
-                        <a:t>6.06</a:t>
-                      </a:r>
-                      <a:endParaRPr lang="en-US" altLang="zh-CN"/>
-                    </a:p>
-                  </a:txBody>
-                  <a:tcPr anchor="ctr" anchorCtr="1"/>
-                </a:tc>
-                <a:tc>
-                  <a:txBody>
-                    <a:bodyPr/>
-                    <a:p>
-                      <a:pPr algn="ctr">
-                        <a:buNone/>
-                      </a:pPr>
-                      <a:r>
-                        <a:rPr lang="en-US" altLang="zh-CN"/>
-                        <a:t>7.28</a:t>
-                      </a:r>
-                      <a:endParaRPr lang="en-US" altLang="zh-CN"/>
-                    </a:p>
-                  </a:txBody>
-                  <a:tcPr anchor="ctr" anchorCtr="1"/>
-                </a:tc>
-                <a:tc>
-                  <a:txBody>
-                    <a:bodyPr/>
-                    <a:p>
-                      <a:pPr algn="ctr">
-                        <a:buNone/>
-                      </a:pPr>
-                      <a:r>
-                        <a:rPr lang="en-US" altLang="zh-CN">
-                          <a:solidFill>
-                            <a:srgbClr val="00B050"/>
-                          </a:solidFill>
-                        </a:rPr>
-                        <a:t>6.28</a:t>
-                      </a:r>
-                      <a:endParaRPr lang="en-US" altLang="zh-CN">
-                        <a:solidFill>
-                          <a:srgbClr val="00B050"/>
-                        </a:solidFill>
-                      </a:endParaRPr>
-                    </a:p>
-                  </a:txBody>
-                  <a:tcPr anchor="ctr" anchorCtr="1"/>
-                </a:tc>
-              </a:tr>
-              <a:tr h="476250">
-                <a:tc>
-                  <a:txBody>
-                    <a:bodyPr/>
-                    <a:p>
-                      <a:pPr algn="ctr">
-                        <a:buNone/>
-                      </a:pPr>
-                      <a:r>
-                        <a:rPr lang="en-US" altLang="zh-CN" sz="1800">
-                          <a:sym typeface="+mn-ea"/>
-                        </a:rPr>
-                        <a:t>MD_CHARMED</a:t>
-                      </a:r>
-                      <a:endParaRPr lang="zh-CN" altLang="en-US"/>
-                    </a:p>
-                  </a:txBody>
-                  <a:tcPr anchor="ctr" anchorCtr="1"/>
-                </a:tc>
-                <a:tc>
-                  <a:txBody>
-                    <a:bodyPr/>
-                    <a:p>
-                      <a:pPr algn="ctr">
-                        <a:buNone/>
-                      </a:pPr>
-                      <a:r>
-                        <a:rPr lang="en-US" altLang="zh-CN"/>
-                        <a:t>6.5</a:t>
-                      </a:r>
-                      <a:endParaRPr lang="en-US" altLang="zh-CN"/>
-                    </a:p>
-                  </a:txBody>
-                  <a:tcPr anchor="ctr" anchorCtr="1"/>
-                </a:tc>
-                <a:tc>
-                  <a:txBody>
-                    <a:bodyPr/>
-                    <a:p>
-                      <a:pPr algn="ctr">
-                        <a:buNone/>
-                      </a:pPr>
-                      <a:r>
-                        <a:rPr lang="en-US" altLang="zh-CN"/>
-                        <a:t>8.23</a:t>
-                      </a:r>
-                      <a:endParaRPr lang="en-US" altLang="zh-CN"/>
-                    </a:p>
-                  </a:txBody>
-                  <a:tcPr anchor="ctr" anchorCtr="1"/>
-                </a:tc>
-                <a:tc>
-                  <a:txBody>
-                    <a:bodyPr/>
-                    <a:p>
-                      <a:pPr algn="ctr">
-                        <a:buNone/>
-                      </a:pPr>
-                      <a:r>
-                        <a:rPr lang="en-US" altLang="zh-CN">
-                          <a:solidFill>
-                            <a:schemeClr val="tx1"/>
-                          </a:solidFill>
-                        </a:rPr>
-                        <a:t>6.65</a:t>
-                      </a:r>
-                      <a:endParaRPr lang="en-US" altLang="zh-CN">
-                        <a:solidFill>
-                          <a:schemeClr val="tx1"/>
-                        </a:solidFill>
-                      </a:endParaRPr>
-                    </a:p>
-                  </a:txBody>
-                  <a:tcPr anchor="ctr" anchorCtr="1"/>
-                </a:tc>
-                <a:tc>
-                  <a:txBody>
-                    <a:bodyPr/>
-                    <a:p>
-                      <a:pPr algn="ctr">
-                        <a:buNone/>
-                      </a:pPr>
-                      <a:r>
-                        <a:rPr lang="en-US" altLang="zh-CN"/>
-                        <a:t>7.78</a:t>
-                      </a:r>
-                      <a:endParaRPr lang="en-US" altLang="zh-CN"/>
-                    </a:p>
-                  </a:txBody>
-                  <a:tcPr anchor="ctr" anchorCtr="1"/>
-                </a:tc>
-                <a:tc>
-                  <a:txBody>
-                    <a:bodyPr/>
-                    <a:p>
-                      <a:pPr algn="ctr">
-                        <a:buNone/>
-                      </a:pPr>
-                      <a:r>
-                        <a:rPr lang="en-US" altLang="zh-CN"/>
-                        <a:t>6.65</a:t>
-                      </a:r>
-                      <a:endParaRPr lang="en-US" altLang="zh-CN"/>
-                    </a:p>
-                  </a:txBody>
-                  <a:tcPr anchor="ctr" anchorCtr="1"/>
-                </a:tc>
-                <a:tc>
-                  <a:txBody>
-                    <a:bodyPr/>
-                    <a:p>
-                      <a:pPr algn="ctr">
-                        <a:buNone/>
-                      </a:pPr>
-                      <a:r>
-                        <a:rPr lang="en-US" altLang="zh-CN">
-                          <a:solidFill>
-                            <a:srgbClr val="00B050"/>
-                          </a:solidFill>
-                        </a:rPr>
-                        <a:t>6.51</a:t>
-                      </a:r>
-                      <a:endParaRPr lang="en-US" altLang="zh-CN">
-                        <a:solidFill>
-                          <a:srgbClr val="00B050"/>
-                        </a:solidFill>
-                      </a:endParaRPr>
-                    </a:p>
-                  </a:txBody>
-                  <a:tcPr anchor="ctr" anchorCtr="1"/>
-                </a:tc>
-              </a:tr>
-              <a:tr h="476250">
-                <a:tc>
-                  <a:txBody>
-                    <a:bodyPr/>
-                    <a:p>
-                      <a:pPr algn="ctr">
-                        <a:buNone/>
-                      </a:pPr>
-                      <a:r>
-                        <a:rPr lang="en-US" altLang="zh-CN" sz="1800">
-                          <a:sym typeface="+mn-ea"/>
-                        </a:rPr>
-                        <a:t>FRtot_CHARMED</a:t>
-                      </a:r>
-                      <a:endParaRPr lang="zh-CN" altLang="en-US"/>
-                    </a:p>
-                  </a:txBody>
-                  <a:tcPr anchor="ctr" anchorCtr="1"/>
-                </a:tc>
-                <a:tc>
-                  <a:txBody>
-                    <a:bodyPr/>
-                    <a:p>
-                      <a:pPr algn="ctr">
-                        <a:buNone/>
-                      </a:pPr>
-                      <a:r>
-                        <a:rPr lang="en-US" altLang="zh-CN"/>
-                        <a:t>7.81</a:t>
-                      </a:r>
-                      <a:endParaRPr lang="en-US" altLang="zh-CN"/>
-                    </a:p>
-                  </a:txBody>
-                  <a:tcPr anchor="ctr" anchorCtr="1"/>
-                </a:tc>
-                <a:tc>
-                  <a:txBody>
-                    <a:bodyPr/>
-                    <a:p>
-                      <a:pPr algn="ctr">
-                        <a:buNone/>
-                      </a:pPr>
-                      <a:r>
-                        <a:rPr lang="en-US" altLang="zh-CN">
-                          <a:solidFill>
-                            <a:schemeClr val="tx1"/>
-                          </a:solidFill>
-                        </a:rPr>
-                        <a:t>6.53</a:t>
-                      </a:r>
-                      <a:endParaRPr lang="en-US" altLang="zh-CN">
-                        <a:solidFill>
-                          <a:schemeClr val="tx1"/>
-                        </a:solidFill>
-                      </a:endParaRPr>
-                    </a:p>
-                  </a:txBody>
-                  <a:tcPr anchor="ctr" anchorCtr="1"/>
-                </a:tc>
-                <a:tc>
-                  <a:txBody>
-                    <a:bodyPr/>
-                    <a:p>
-                      <a:pPr algn="ctr">
-                        <a:buNone/>
-                      </a:pPr>
-                      <a:r>
-                        <a:rPr lang="en-US" altLang="zh-CN"/>
-                        <a:t>7.89</a:t>
-                      </a:r>
-                      <a:endParaRPr lang="en-US" altLang="zh-CN"/>
-                    </a:p>
-                  </a:txBody>
-                  <a:tcPr anchor="ctr" anchorCtr="1"/>
-                </a:tc>
-                <a:tc>
-                  <a:txBody>
-                    <a:bodyPr/>
-                    <a:p>
-                      <a:pPr algn="ctr">
-                        <a:buNone/>
-                      </a:pPr>
-                      <a:r>
-                        <a:rPr lang="en-US" altLang="zh-CN"/>
-                        <a:t>7.81</a:t>
-                      </a:r>
-                      <a:endParaRPr lang="en-US" altLang="zh-CN"/>
-                    </a:p>
-                  </a:txBody>
-                  <a:tcPr anchor="ctr" anchorCtr="1"/>
-                </a:tc>
-                <a:tc>
-                  <a:txBody>
-                    <a:bodyPr/>
-                    <a:p>
-                      <a:pPr algn="ctr">
-                        <a:buNone/>
-                      </a:pPr>
-                      <a:r>
-                        <a:rPr lang="en-US" altLang="zh-CN"/>
-                        <a:t>6.66</a:t>
-                      </a:r>
-                      <a:endParaRPr lang="en-US" altLang="zh-CN"/>
-                    </a:p>
-                  </a:txBody>
-                  <a:tcPr anchor="ctr" anchorCtr="1"/>
-                </a:tc>
-                <a:tc>
-                  <a:txBody>
-                    <a:bodyPr/>
-                    <a:p>
-                      <a:pPr algn="ctr">
-                        <a:buNone/>
-                      </a:pPr>
-                      <a:r>
-                        <a:rPr lang="en-US" altLang="zh-CN">
-                          <a:solidFill>
-                            <a:srgbClr val="00B050"/>
-                          </a:solidFill>
-                        </a:rPr>
-                        <a:t>6.39</a:t>
-                      </a:r>
-                      <a:endParaRPr lang="en-US" altLang="zh-CN">
-                        <a:solidFill>
-                          <a:srgbClr val="00B050"/>
-                        </a:solidFill>
-                      </a:endParaRPr>
-                    </a:p>
-                  </a:txBody>
-                  <a:tcPr anchor="ctr" anchorCtr="1"/>
-                </a:tc>
-              </a:tr>
-              <a:tr h="476250">
-                <a:tc>
-                  <a:txBody>
-                    <a:bodyPr/>
-                    <a:p>
-                      <a:pPr algn="ctr">
-                        <a:buNone/>
-                      </a:pPr>
-                      <a:r>
-                        <a:rPr lang="en-US" altLang="zh-CN" sz="1800">
-                          <a:sym typeface="+mn-ea"/>
-                        </a:rPr>
-                        <a:t>ICVF_NODDI</a:t>
-                      </a:r>
-                      <a:endParaRPr lang="zh-CN" altLang="en-US"/>
-                    </a:p>
-                  </a:txBody>
-                  <a:tcPr anchor="ctr" anchorCtr="1"/>
-                </a:tc>
-                <a:tc>
-                  <a:txBody>
-                    <a:bodyPr/>
-                    <a:p>
-                      <a:pPr algn="ctr">
-                        <a:buNone/>
-                      </a:pPr>
-                      <a:r>
-                        <a:rPr lang="en-US" altLang="zh-CN"/>
-                        <a:t>4.44</a:t>
-                      </a:r>
-                      <a:endParaRPr lang="en-US" altLang="zh-CN"/>
-                    </a:p>
-                  </a:txBody>
-                  <a:tcPr anchor="ctr" anchorCtr="1"/>
-                </a:tc>
-                <a:tc>
-                  <a:txBody>
-                    <a:bodyPr/>
-                    <a:p>
-                      <a:pPr algn="ctr">
-                        <a:buNone/>
-                      </a:pPr>
-                      <a:r>
-                        <a:rPr lang="en-US" altLang="zh-CN">
-                          <a:solidFill>
-                            <a:schemeClr val="tx1"/>
-                          </a:solidFill>
-                        </a:rPr>
-                        <a:t>4.68</a:t>
-                      </a:r>
-                      <a:endParaRPr lang="en-US" altLang="zh-CN">
-                        <a:solidFill>
-                          <a:schemeClr val="tx1"/>
-                        </a:solidFill>
-                      </a:endParaRPr>
-                    </a:p>
-                  </a:txBody>
-                  <a:tcPr anchor="ctr" anchorCtr="1"/>
-                </a:tc>
-                <a:tc>
-                  <a:txBody>
-                    <a:bodyPr/>
-                    <a:p>
-                      <a:pPr algn="ctr">
-                        <a:buNone/>
-                      </a:pPr>
-                      <a:r>
-                        <a:rPr lang="en-US" altLang="zh-CN"/>
-                        <a:t>7.08</a:t>
-                      </a:r>
-                      <a:endParaRPr lang="en-US" altLang="zh-CN"/>
-                    </a:p>
-                  </a:txBody>
-                  <a:tcPr anchor="ctr" anchorCtr="1"/>
-                </a:tc>
-                <a:tc>
-                  <a:txBody>
-                    <a:bodyPr/>
-                    <a:p>
-                      <a:pPr algn="ctr">
-                        <a:buNone/>
-                      </a:pPr>
-                      <a:r>
-                        <a:rPr lang="en-US" altLang="zh-CN"/>
-                        <a:t>6.69</a:t>
-                      </a:r>
-                      <a:endParaRPr lang="en-US" altLang="zh-CN"/>
-                    </a:p>
-                  </a:txBody>
-                  <a:tcPr anchor="ctr" anchorCtr="1"/>
-                </a:tc>
-                <a:tc>
-                  <a:txBody>
-                    <a:bodyPr/>
-                    <a:p>
-                      <a:pPr algn="ctr">
-                        <a:buNone/>
-                      </a:pPr>
-                      <a:r>
-                        <a:rPr lang="en-US" altLang="zh-CN"/>
-                        <a:t>4.65</a:t>
-                      </a:r>
-                      <a:endParaRPr lang="en-US" altLang="zh-CN"/>
-                    </a:p>
-                  </a:txBody>
-                  <a:tcPr anchor="ctr" anchorCtr="1"/>
-                </a:tc>
-                <a:tc>
-                  <a:txBody>
-                    <a:bodyPr/>
-                    <a:p>
-                      <a:pPr algn="ctr">
-                        <a:buNone/>
-                      </a:pPr>
-                      <a:r>
-                        <a:rPr lang="en-US" altLang="zh-CN">
-                          <a:solidFill>
-                            <a:srgbClr val="00B050"/>
-                          </a:solidFill>
-                        </a:rPr>
-                        <a:t>4.17</a:t>
-                      </a:r>
-                      <a:endParaRPr lang="en-US" altLang="zh-CN">
-                        <a:solidFill>
-                          <a:srgbClr val="00B050"/>
-                        </a:solidFill>
-                      </a:endParaRPr>
-                    </a:p>
-                  </a:txBody>
-                  <a:tcPr anchor="ctr" anchorCtr="1"/>
-                </a:tc>
-              </a:tr>
-              <a:tr h="476250">
-                <a:tc>
-                  <a:txBody>
-                    <a:bodyPr/>
-                    <a:p>
-                      <a:pPr algn="ctr">
-                        <a:buNone/>
-                      </a:pPr>
-                      <a:r>
-                        <a:rPr lang="en-US" altLang="zh-CN"/>
-                        <a:t>Modality Ensemble</a:t>
-                      </a:r>
-                      <a:endParaRPr lang="en-US" altLang="zh-CN"/>
-                    </a:p>
-                  </a:txBody>
-                  <a:tcPr anchor="ctr" anchorCtr="1"/>
-                </a:tc>
-                <a:tc>
-                  <a:txBody>
-                    <a:bodyPr/>
-                    <a:p>
-                      <a:pPr algn="ctr">
-                        <a:buNone/>
-                      </a:pPr>
-                      <a:r>
-                        <a:rPr lang="en-US" altLang="zh-CN">
-                          <a:solidFill>
-                            <a:srgbClr val="00B050"/>
-                          </a:solidFill>
-                        </a:rPr>
-                        <a:t>5.56</a:t>
-                      </a:r>
-                      <a:endParaRPr lang="en-US" altLang="zh-CN">
-                        <a:solidFill>
-                          <a:srgbClr val="00B050"/>
-                        </a:solidFill>
-                      </a:endParaRPr>
-                    </a:p>
-                  </a:txBody>
-                  <a:tcPr anchor="ctr" anchorCtr="1"/>
-                </a:tc>
-                <a:tc>
-                  <a:txBody>
-                    <a:bodyPr/>
-                    <a:p>
-                      <a:pPr algn="ctr">
-                        <a:buNone/>
-                      </a:pPr>
-                      <a:r>
-                        <a:rPr lang="en-US" altLang="zh-CN">
-                          <a:solidFill>
-                            <a:srgbClr val="00B050"/>
-                          </a:solidFill>
-                        </a:rPr>
-                        <a:t>5.28</a:t>
-                      </a:r>
-                      <a:endParaRPr lang="en-US" altLang="zh-CN">
-                        <a:solidFill>
-                          <a:srgbClr val="00B050"/>
-                        </a:solidFill>
-                      </a:endParaRPr>
-                    </a:p>
-                  </a:txBody>
-                  <a:tcPr anchor="ctr" anchorCtr="1"/>
-                </a:tc>
-                <a:tc>
-                  <a:txBody>
-                    <a:bodyPr/>
-                    <a:p>
-                      <a:pPr algn="ctr">
-                        <a:buNone/>
-                      </a:pPr>
-                      <a:r>
-                        <a:rPr lang="en-US" altLang="zh-CN">
-                          <a:solidFill>
-                            <a:srgbClr val="00B050"/>
-                          </a:solidFill>
-                        </a:rPr>
-                        <a:t>5.63</a:t>
-                      </a:r>
-                      <a:endParaRPr lang="en-US" altLang="zh-CN">
-                        <a:solidFill>
-                          <a:srgbClr val="00B050"/>
-                        </a:solidFill>
-                      </a:endParaRPr>
-                    </a:p>
-                  </a:txBody>
-                  <a:tcPr anchor="ctr" anchorCtr="1"/>
-                </a:tc>
-                <a:tc>
-                  <a:txBody>
-                    <a:bodyPr/>
-                    <a:p>
-                      <a:pPr algn="ctr">
-                        <a:buNone/>
-                      </a:pPr>
-                      <a:r>
-                        <a:rPr lang="en-US" altLang="zh-CN">
-                          <a:solidFill>
-                            <a:srgbClr val="00B050"/>
-                          </a:solidFill>
-                        </a:rPr>
-                        <a:t>4.92</a:t>
-                      </a:r>
-                      <a:endParaRPr lang="en-US" altLang="zh-CN">
-                        <a:solidFill>
-                          <a:srgbClr val="00B050"/>
-                        </a:solidFill>
-                      </a:endParaRPr>
-                    </a:p>
-                  </a:txBody>
-                  <a:tcPr anchor="ctr" anchorCtr="1"/>
-                </a:tc>
-                <a:tc>
-                  <a:txBody>
-                    <a:bodyPr/>
-                    <a:p>
-                      <a:pPr algn="ctr">
-                        <a:buNone/>
-                      </a:pPr>
-                      <a:r>
-                        <a:rPr lang="en-US" altLang="zh-CN">
-                          <a:solidFill>
-                            <a:srgbClr val="00B050"/>
-                          </a:solidFill>
-                        </a:rPr>
-                        <a:t>5.31</a:t>
-                      </a:r>
-                      <a:endParaRPr lang="en-US" altLang="zh-CN">
-                        <a:solidFill>
-                          <a:srgbClr val="00B050"/>
-                        </a:solidFill>
-                      </a:endParaRPr>
-                    </a:p>
-                  </a:txBody>
-                  <a:tcPr anchor="ctr" anchorCtr="1"/>
-                </a:tc>
-                <a:tc>
-                  <a:txBody>
-                    <a:bodyPr/>
-                    <a:p>
-                      <a:pPr algn="ctr">
-                        <a:buNone/>
-                      </a:pPr>
-                      <a:endParaRPr lang="en-US" altLang="zh-CN">
-                        <a:solidFill>
-                          <a:srgbClr val="00B050"/>
-                        </a:solidFill>
-                      </a:endParaRPr>
-                    </a:p>
-                  </a:txBody>
-                  <a:tcPr anchor="ctr" anchorCtr="1"/>
-                </a:tc>
-              </a:tr>
-            </a:tbl>
-          </a:graphicData>
-        </a:graphic>
-      </p:graphicFrame>
+      <p:sp>
+        <p:nvSpPr>
+          <p:cNvPr id="10" name="文本框 9"/>
+          <p:cNvSpPr txBox="1"/>
+          <p:nvPr/>
+        </p:nvSpPr>
+        <p:spPr>
+          <a:xfrm>
+            <a:off x="877570" y="1097280"/>
+            <a:ext cx="10897870" cy="5015865"/>
+          </a:xfrm>
+          <a:prstGeom prst="rect">
+            <a:avLst/>
+          </a:prstGeom>
+          <a:noFill/>
+        </p:spPr>
+        <p:txBody>
+          <a:bodyPr wrap="square" rtlCol="0">
+            <a:spAutoFit/>
+          </a:bodyPr>
+          <a:p>
+            <a:r>
+              <a:rPr lang="en-US" altLang="zh-CN" sz="2000">
+                <a:solidFill>
+                  <a:schemeClr val="tx1"/>
+                </a:solidFill>
+                <a:sym typeface="+mn-ea"/>
+              </a:rPr>
+              <a:t>We use prototypical network as a backbone for regression framework. We would like to perform a </a:t>
+            </a:r>
+            <a:r>
+              <a:rPr lang="en-US" altLang="zh-CN" sz="2000">
+                <a:solidFill>
+                  <a:srgbClr val="FF0000"/>
+                </a:solidFill>
+                <a:sym typeface="+mn-ea"/>
+              </a:rPr>
+              <a:t>Nearest Neighbor Regression</a:t>
+            </a:r>
+            <a:r>
+              <a:rPr lang="en-US" altLang="zh-CN" sz="2000">
+                <a:solidFill>
+                  <a:schemeClr val="tx1"/>
+                </a:solidFill>
+                <a:sym typeface="+mn-ea"/>
+              </a:rPr>
+              <a:t> given the support set and use Mean-squared error as the loss function forthe query set.</a:t>
+            </a:r>
+            <a:endParaRPr lang="en-US" altLang="zh-CN" sz="2000">
+              <a:solidFill>
+                <a:schemeClr val="tx1"/>
+              </a:solidFill>
+              <a:sym typeface="+mn-ea"/>
+            </a:endParaRPr>
+          </a:p>
+          <a:p>
+            <a:endParaRPr lang="en-US" altLang="zh-CN" sz="2000">
+              <a:solidFill>
+                <a:schemeClr val="tx1"/>
+              </a:solidFill>
+              <a:sym typeface="+mn-ea"/>
+            </a:endParaRPr>
+          </a:p>
+          <a:p>
+            <a:r>
+              <a:rPr lang="en-US" altLang="zh-CN" sz="2000">
+                <a:solidFill>
+                  <a:schemeClr val="tx1"/>
+                </a:solidFill>
+                <a:sym typeface="+mn-ea"/>
+              </a:rPr>
+              <a:t>Some notes:</a:t>
+            </a:r>
+            <a:endParaRPr lang="en-US" altLang="zh-CN" sz="2000">
+              <a:solidFill>
+                <a:schemeClr val="tx1"/>
+              </a:solidFill>
+              <a:sym typeface="+mn-ea"/>
+            </a:endParaRPr>
+          </a:p>
+          <a:p>
+            <a:r>
+              <a:rPr lang="en-US" altLang="zh-CN" sz="2000">
+                <a:solidFill>
+                  <a:schemeClr val="tx1"/>
+                </a:solidFill>
+                <a:sym typeface="+mn-ea"/>
+              </a:rPr>
+              <a:t>1. We apply classical training rather than episodic training (DONE)</a:t>
+            </a:r>
+            <a:endParaRPr lang="en-US" altLang="zh-CN" sz="2000">
+              <a:solidFill>
+                <a:schemeClr val="tx1"/>
+              </a:solidFill>
+              <a:sym typeface="+mn-ea"/>
+            </a:endParaRPr>
+          </a:p>
+          <a:p>
+            <a:r>
+              <a:rPr lang="en-US" altLang="zh-CN" sz="2000">
+                <a:solidFill>
+                  <a:schemeClr val="tx1"/>
+                </a:solidFill>
+                <a:sym typeface="+mn-ea"/>
+              </a:rPr>
+              <a:t>2. In evaluation time, we randomly divide the test set as support set and query set. Each support set point will serve as the prototype and their label will be visible to perform NNR for all points from the query set. </a:t>
+            </a:r>
+            <a:r>
+              <a:rPr lang="en-US" altLang="zh-CN" sz="2000">
+                <a:solidFill>
+                  <a:srgbClr val="FF0000"/>
+                </a:solidFill>
+                <a:sym typeface="+mn-ea"/>
+              </a:rPr>
+              <a:t>This process will be performed several times until all points in the test set are assigned with at least one prediction.</a:t>
+            </a:r>
+            <a:r>
+              <a:rPr lang="en-US" altLang="zh-CN" sz="2000">
+                <a:solidFill>
+                  <a:schemeClr val="tx1"/>
+                </a:solidFill>
+                <a:sym typeface="+mn-ea"/>
+              </a:rPr>
+              <a:t> The final prediciton is the average value of all previous predictions during the sampling process. (IN_P)</a:t>
+            </a:r>
+            <a:endParaRPr lang="en-US" altLang="zh-CN" sz="2000">
+              <a:solidFill>
+                <a:schemeClr val="tx1"/>
+              </a:solidFill>
+              <a:sym typeface="+mn-ea"/>
+            </a:endParaRPr>
+          </a:p>
+          <a:p>
+            <a:r>
+              <a:rPr lang="en-US" altLang="zh-CN" sz="2000">
+                <a:solidFill>
+                  <a:schemeClr val="tx1"/>
+                </a:solidFill>
+                <a:sym typeface="+mn-ea"/>
+              </a:rPr>
+              <a:t>3. For validation set, we may perform the same operation in 2. (IN_P)</a:t>
+            </a:r>
+            <a:endParaRPr lang="en-US" altLang="zh-CN" sz="2000">
+              <a:solidFill>
+                <a:schemeClr val="tx1"/>
+              </a:solidFill>
+              <a:sym typeface="+mn-ea"/>
+            </a:endParaRPr>
+          </a:p>
+          <a:p>
+            <a:r>
+              <a:rPr lang="en-US" altLang="zh-CN" sz="2000"/>
+              <a:t>4. As the backbone network, we choose to use the same baseline network (DenseNet) or a different one (DONE).</a:t>
+            </a:r>
+            <a:endParaRPr lang="en-US" altLang="zh-CN" sz="2000"/>
+          </a:p>
+          <a:p>
+            <a:endParaRPr lang="en-US" altLang="zh-CN" sz="2000"/>
+          </a:p>
+          <a:p>
+            <a:endParaRPr lang="en-US" altLang="zh-CN" sz="2000"/>
+          </a:p>
+        </p:txBody>
+      </p:sp>
     </p:spTree>
   </p:cSld>
   <p:clrMapOvr>
@@ -6400,7 +5632,7 @@
         </p:nvSpPr>
         <p:spPr>
           <a:xfrm>
-            <a:off x="433705" y="421640"/>
+            <a:off x="441960" y="429895"/>
             <a:ext cx="8645525" cy="583565"/>
           </a:xfrm>
           <a:prstGeom prst="rect">
@@ -6415,7 +5647,7 @@
           <a:p>
             <a:r>
               <a:rPr lang="en-US" altLang="zh-CN" sz="3200"/>
-              <a:t>Few-shot-learning (IN_P) </a:t>
+              <a:t>Some other ideas (IN_P) </a:t>
             </a:r>
             <a:endParaRPr lang="en-US" altLang="zh-CN" sz="3200"/>
           </a:p>
@@ -6429,8 +5661,8 @@
         </p:nvSpPr>
         <p:spPr>
           <a:xfrm>
-            <a:off x="877570" y="1097280"/>
-            <a:ext cx="10897870" cy="5015865"/>
+            <a:off x="885825" y="1510665"/>
+            <a:ext cx="10897870" cy="2861310"/>
           </a:xfrm>
           <a:prstGeom prst="rect">
             <a:avLst/>
@@ -6449,17 +5681,16 @@
                 </a:solidFill>
                 <a:sym typeface="+mn-ea"/>
               </a:rPr>
-              <a:t>We use prototypical network as a backbone for regression framework. We would like to perform a </a:t>
-            </a:r>
-            <a:r>
-              <a:rPr lang="en-US" altLang="zh-CN" sz="2000">
-                <a:solidFill>
-                  <a:srgbClr val="FF0000"/>
-                </a:solidFill>
-                <a:sym typeface="+mn-ea"/>
-              </a:rPr>
-              <a:t>Nearest Neighbor Regression</a:t>
-            </a:r>
+              <a:t>1. Remove KFA_DKI modality -&gt; increase around 30 images (170+) </a:t>
+            </a:r>
+            <a:endParaRPr lang="en-US" altLang="zh-CN" sz="2000">
+              <a:solidFill>
+                <a:schemeClr val="tx1"/>
+              </a:solidFill>
+              <a:sym typeface="+mn-ea"/>
+            </a:endParaRPr>
+          </a:p>
+          <a:p>
             <a:r>
               <a:rPr lang="en-US" altLang="zh-CN" sz="2000">
                 <a:solidFill>
@@ -6467,7 +5698,7 @@
                 </a:solidFill>
                 <a:sym typeface="+mn-ea"/>
               </a:rPr>
-              <a:t> given the support set and use Mean-squared error as the loss function forthe query set.</a:t>
+              <a:t> </a:t>
             </a:r>
             <a:endParaRPr lang="en-US" altLang="zh-CN" sz="2000">
               <a:solidFill>
@@ -6477,6 +5708,15 @@
             </a:endParaRPr>
           </a:p>
           <a:p>
+            <a:r>
+              <a:rPr lang="en-US" altLang="zh-CN" sz="2000">
+                <a:solidFill>
+                  <a:schemeClr val="tx1"/>
+                </a:solidFill>
+                <a:sym typeface="+mn-ea"/>
+              </a:rPr>
+              <a:t>2. Feed all image modalities together in a single training process -&gt; 1000+ images</a:t>
+            </a:r>
             <a:endParaRPr lang="en-US" altLang="zh-CN" sz="2000">
               <a:solidFill>
                 <a:schemeClr val="tx1"/>
@@ -6485,6 +5725,14 @@
             </a:endParaRPr>
           </a:p>
           <a:p>
+            <a:endParaRPr lang="en-US" altLang="zh-CN" sz="2000">
+              <a:solidFill>
+                <a:schemeClr val="tx1"/>
+              </a:solidFill>
+              <a:sym typeface="+mn-ea"/>
+            </a:endParaRPr>
+          </a:p>
+          <a:p>
             <a:r>
               <a:rPr lang="en-US" altLang="zh-CN" sz="2000">
                 <a:solidFill>
@@ -6492,7 +5740,7 @@
                 </a:solidFill>
                 <a:sym typeface="+mn-ea"/>
               </a:rPr>
-              <a:t>Some thoughts:</a:t>
+              <a:t>3. Try MAML, cosine-similarity based classifier, </a:t>
             </a:r>
             <a:endParaRPr lang="en-US" altLang="zh-CN" sz="2000">
               <a:solidFill>
@@ -6502,78 +5750,12 @@
             </a:endParaRPr>
           </a:p>
           <a:p>
-            <a:r>
-              <a:rPr lang="en-US" altLang="zh-CN" sz="2000">
-                <a:solidFill>
-                  <a:schemeClr val="tx1"/>
-                </a:solidFill>
-                <a:sym typeface="+mn-ea"/>
-              </a:rPr>
-              <a:t>1. We apply classical training rather than episodic training (DONE)</a:t>
-            </a:r>
-            <a:endParaRPr lang="en-US" altLang="zh-CN" sz="2000">
-              <a:solidFill>
-                <a:schemeClr val="tx1"/>
-              </a:solidFill>
-              <a:sym typeface="+mn-ea"/>
-            </a:endParaRPr>
-          </a:p>
-          <a:p>
-            <a:r>
-              <a:rPr lang="en-US" altLang="zh-CN" sz="2000">
-                <a:solidFill>
-                  <a:schemeClr val="tx1"/>
-                </a:solidFill>
-                <a:sym typeface="+mn-ea"/>
-              </a:rPr>
-              <a:t>2. In evaluation time, we randomly divide the test set as support set and query set. Each support set point will serve as the prototype and their label will be visible to perform NNR for all points from the query set. </a:t>
-            </a:r>
-            <a:r>
-              <a:rPr lang="en-US" altLang="zh-CN" sz="2000">
-                <a:solidFill>
-                  <a:srgbClr val="FF0000"/>
-                </a:solidFill>
-                <a:sym typeface="+mn-ea"/>
-              </a:rPr>
-              <a:t>This process will be performed several times until all points in the test set are assigned with at least one prediction.</a:t>
-            </a:r>
-            <a:r>
-              <a:rPr lang="en-US" altLang="zh-CN" sz="2000">
-                <a:solidFill>
-                  <a:schemeClr val="tx1"/>
-                </a:solidFill>
-                <a:sym typeface="+mn-ea"/>
-              </a:rPr>
-              <a:t> The final prediciton is the average value of all previous predictions during the sampling process. (IN_P)</a:t>
-            </a:r>
-            <a:endParaRPr lang="en-US" altLang="zh-CN" sz="2000">
-              <a:solidFill>
-                <a:schemeClr val="tx1"/>
-              </a:solidFill>
-              <a:sym typeface="+mn-ea"/>
-            </a:endParaRPr>
-          </a:p>
-          <a:p>
-            <a:r>
-              <a:rPr lang="en-US" altLang="zh-CN" sz="2000">
-                <a:solidFill>
-                  <a:schemeClr val="tx1"/>
-                </a:solidFill>
-                <a:sym typeface="+mn-ea"/>
-              </a:rPr>
-              <a:t>3. For validation set, we may perform the same operation in 2. (TODO)</a:t>
-            </a:r>
-            <a:endParaRPr lang="en-US" altLang="zh-CN" sz="2000">
-              <a:solidFill>
-                <a:schemeClr val="tx1"/>
-              </a:solidFill>
-              <a:sym typeface="+mn-ea"/>
-            </a:endParaRPr>
+            <a:endParaRPr lang="en-US" altLang="zh-CN" sz="2000"/>
           </a:p>
           <a:p>
             <a:r>
               <a:rPr lang="en-US" altLang="zh-CN" sz="2000"/>
-              <a:t>4. As the backbone network, we choose to use the same baseline network (DenseNet) or a different one (IN_P).</a:t>
+              <a:t>4. Use tract metric correlation data -&gt; currently we only work on images </a:t>
             </a:r>
             <a:endParaRPr lang="en-US" altLang="zh-CN" sz="2000"/>
           </a:p>
@@ -6581,6 +5763,10 @@
             <a:endParaRPr lang="en-US" altLang="zh-CN" sz="2000"/>
           </a:p>
           <a:p>
+            <a:r>
+              <a:rPr lang="en-US" altLang="zh-CN" sz="2000"/>
+              <a:t>5. </a:t>
+            </a:r>
             <a:endParaRPr lang="en-US" altLang="zh-CN" sz="2000"/>
           </a:p>
         </p:txBody>
@@ -6716,7 +5902,7 @@
                       </a:pPr>
                       <a:r>
                         <a:rPr lang="en-US" altLang="zh-CN"/>
-                        <a:t>NNR-based few shot framework code finished</a:t>
+                        <a:t>NNR-based few shot framework code test finished</a:t>
                       </a:r>
                       <a:endParaRPr lang="en-US" altLang="zh-CN"/>
                     </a:p>
@@ -6786,7 +5972,7 @@
                         <a:rPr lang="en-US" altLang="zh-CN" sz="1800">
                           <a:sym typeface="+mn-ea"/>
                         </a:rPr>
-                        <a:t>Some initial results </a:t>
+                        <a:t>Some initial results + differnet ideas</a:t>
                       </a:r>
                       <a:endParaRPr lang="zh-CN" altLang="en-US"/>
                     </a:p>
@@ -6936,6 +6122,152 @@
           </a:graphicData>
         </a:graphic>
       </p:graphicFrame>
+    </p:spTree>
+  </p:cSld>
+  <p:clrMapOvr>
+    <a:masterClrMapping/>
+  </p:clrMapOvr>
+</p:sld>
+</file>
+
+<file path=ppt/slides/slide9.xml><?xml version="1.0" encoding="utf-8"?>
+<p:sld xmlns:a="http://schemas.openxmlformats.org/drawingml/2006/main" xmlns:r="http://schemas.openxmlformats.org/officeDocument/2006/relationships" xmlns:p="http://schemas.openxmlformats.org/presentationml/2006/main">
+  <p:cSld>
+    <p:spTree>
+      <p:nvGrpSpPr>
+        <p:cNvPr id="1" name=""/>
+        <p:cNvGrpSpPr/>
+        <p:nvPr/>
+      </p:nvGrpSpPr>
+      <p:grpSpPr/>
+      <p:sp>
+        <p:nvSpPr>
+          <p:cNvPr id="6" name="文本框 5"/>
+          <p:cNvSpPr txBox="1"/>
+          <p:nvPr/>
+        </p:nvSpPr>
+        <p:spPr>
+          <a:xfrm>
+            <a:off x="433705" y="421640"/>
+            <a:ext cx="8645525" cy="583565"/>
+          </a:xfrm>
+          <a:prstGeom prst="rect">
+            <a:avLst/>
+          </a:prstGeom>
+          <a:noFill/>
+        </p:spPr>
+        <p:txBody>
+          <a:bodyPr wrap="square" rtlCol="0">
+            <a:spAutoFit/>
+          </a:bodyPr>
+          <a:p>
+            <a:r>
+              <a:rPr lang="en-US" altLang="zh-CN" sz="3200"/>
+              <a:t>08/11/2023</a:t>
+            </a:r>
+            <a:endParaRPr lang="en-US" altLang="zh-CN" sz="3200"/>
+          </a:p>
+        </p:txBody>
+      </p:sp>
+      <p:sp>
+        <p:nvSpPr>
+          <p:cNvPr id="10" name="文本框 9"/>
+          <p:cNvSpPr txBox="1"/>
+          <p:nvPr/>
+        </p:nvSpPr>
+        <p:spPr>
+          <a:xfrm>
+            <a:off x="885825" y="1510665"/>
+            <a:ext cx="10897870" cy="2245360"/>
+          </a:xfrm>
+          <a:prstGeom prst="rect">
+            <a:avLst/>
+          </a:prstGeom>
+          <a:noFill/>
+        </p:spPr>
+        <p:txBody>
+          <a:bodyPr wrap="square" rtlCol="0">
+            <a:spAutoFit/>
+          </a:bodyPr>
+          <a:p>
+            <a:r>
+              <a:rPr lang="en-US" altLang="zh-CN" sz="2000">
+                <a:solidFill>
+                  <a:schemeClr val="tx1"/>
+                </a:solidFill>
+                <a:sym typeface="+mn-ea"/>
+              </a:rPr>
+              <a:t>1. fsl regression evaluation code test</a:t>
+            </a:r>
+            <a:endParaRPr lang="en-US" altLang="zh-CN" sz="2000">
+              <a:solidFill>
+                <a:schemeClr val="tx1"/>
+              </a:solidFill>
+              <a:sym typeface="+mn-ea"/>
+            </a:endParaRPr>
+          </a:p>
+          <a:p>
+            <a:endParaRPr lang="en-US" altLang="zh-CN" sz="2000">
+              <a:solidFill>
+                <a:schemeClr val="tx1"/>
+              </a:solidFill>
+              <a:sym typeface="+mn-ea"/>
+            </a:endParaRPr>
+          </a:p>
+          <a:p>
+            <a:r>
+              <a:rPr lang="en-US" altLang="zh-CN" sz="2000">
+                <a:solidFill>
+                  <a:schemeClr val="tx1"/>
+                </a:solidFill>
+                <a:sym typeface="+mn-ea"/>
+              </a:rPr>
+              <a:t>2. previous code cleanup (ensemble part should be taken out of the main pipeline)</a:t>
+            </a:r>
+            <a:endParaRPr lang="en-US" altLang="zh-CN" sz="2000">
+              <a:solidFill>
+                <a:schemeClr val="tx1"/>
+              </a:solidFill>
+              <a:sym typeface="+mn-ea"/>
+            </a:endParaRPr>
+          </a:p>
+          <a:p>
+            <a:endParaRPr lang="en-US" altLang="zh-CN" sz="2000">
+              <a:solidFill>
+                <a:schemeClr val="tx1"/>
+              </a:solidFill>
+              <a:sym typeface="+mn-ea"/>
+            </a:endParaRPr>
+          </a:p>
+          <a:p>
+            <a:r>
+              <a:rPr lang="en-US" altLang="zh-CN" sz="2000">
+                <a:solidFill>
+                  <a:schemeClr val="tx1"/>
+                </a:solidFill>
+                <a:sym typeface="+mn-ea"/>
+              </a:rPr>
+              <a:t>3. Paper “Prototype Rectification for Few-Shot Learning”</a:t>
+            </a:r>
+            <a:endParaRPr lang="en-US" altLang="zh-CN" sz="2000">
+              <a:solidFill>
+                <a:schemeClr val="tx1"/>
+              </a:solidFill>
+              <a:sym typeface="+mn-ea"/>
+            </a:endParaRPr>
+          </a:p>
+          <a:p>
+            <a:endParaRPr lang="en-US" altLang="zh-CN" sz="2000"/>
+          </a:p>
+          <a:p>
+            <a:r>
+              <a:rPr lang="en-US" altLang="zh-CN" sz="2000"/>
+              <a:t>4. Vlunch in abacws (medical image segmentation 12:00)</a:t>
+            </a:r>
+            <a:endParaRPr lang="en-US" altLang="zh-CN" sz="2000"/>
+          </a:p>
+        </p:txBody>
+      </p:sp>
     </p:spTree>
   </p:cSld>
   <p:clrMapOvr>
@@ -6953,14 +6285,6 @@
 </file>
 
 <file path=ppt/tags/tag2.xml><?xml version="1.0" encoding="utf-8"?>
-<p:tagLst xmlns:p="http://schemas.openxmlformats.org/presentationml/2006/main">
-  <p:tag name="KSO_WM_UNIT_TABLE_BEAUTIFY" val="smartTable{5dd4f8f7-80b8-4fa7-8a89-99edd8132bf7}"/>
-  <p:tag name="TABLE_ENDDRAG_ORIGIN_RECT" val="816*262"/>
-  <p:tag name="TABLE_ENDDRAG_RECT" val="87*126*816*262"/>
-</p:tagLst>
-</file>
-
-<file path=ppt/tags/tag3.xml><?xml version="1.0" encoding="utf-8"?>
 <p:tagLst xmlns:p="http://schemas.openxmlformats.org/presentationml/2006/main">
   <p:tag name="KSO_WM_UNIT_TABLE_BEAUTIFY" val="smartTable{5d865ecf-558b-4fe8-a9ef-bfbe3a09a7e0}"/>
 </p:tagLst>

--- a/summary.pptx
+++ b/summary.pptx
@@ -14,9 +14,11 @@
     <p:sldId id="302" r:id="rId7"/>
     <p:sldId id="303" r:id="rId8"/>
     <p:sldId id="305" r:id="rId9"/>
-    <p:sldId id="308" r:id="rId10"/>
-    <p:sldId id="307" r:id="rId11"/>
-    <p:sldId id="309" r:id="rId12"/>
+    <p:sldId id="313" r:id="rId10"/>
+    <p:sldId id="311" r:id="rId11"/>
+    <p:sldId id="312" r:id="rId12"/>
+    <p:sldId id="314" r:id="rId13"/>
+    <p:sldId id="315" r:id="rId14"/>
   </p:sldIdLst>
   <p:sldSz cx="12192000" cy="6858000"/>
   <p:notesSz cx="7103745" cy="10234295"/>
@@ -686,138 +688,6 @@
 </file>
 
 <file path=ppt/notesSlides/notesSlide6.xml><?xml version="1.0" encoding="utf-8"?>
-<p:notes xmlns:a="http://schemas.openxmlformats.org/drawingml/2006/main" xmlns:r="http://schemas.openxmlformats.org/officeDocument/2006/relationships" xmlns:p="http://schemas.openxmlformats.org/presentationml/2006/main">
-  <p:cSld>
-    <p:spTree>
-      <p:nvGrpSpPr>
-        <p:cNvPr id="1" name=""/>
-        <p:cNvGrpSpPr/>
-        <p:nvPr/>
-      </p:nvGrpSpPr>
-      <p:grpSpPr/>
-      <p:sp>
-        <p:nvSpPr>
-          <p:cNvPr id="2" name="幻灯片图像占位符 1"/>
-          <p:cNvSpPr/>
-          <p:nvPr>
-            <p:ph type="sldImg" idx="2"/>
-          </p:nvPr>
-        </p:nvSpPr>
-        <p:spPr/>
-      </p:sp>
-      <p:sp>
-        <p:nvSpPr>
-          <p:cNvPr id="3" name="文本占位符 2"/>
-          <p:cNvSpPr/>
-          <p:nvPr>
-            <p:ph type="body" idx="3"/>
-          </p:nvPr>
-        </p:nvSpPr>
-        <p:spPr/>
-        <p:txBody>
-          <a:bodyPr/>
-          <a:p>
-            <a:endParaRPr lang="zh-CN" altLang="en-US"/>
-          </a:p>
-        </p:txBody>
-      </p:sp>
-    </p:spTree>
-  </p:cSld>
-  <p:clrMapOvr>
-    <a:masterClrMapping/>
-  </p:clrMapOvr>
-</p:notes>
-</file>
-
-<file path=ppt/notesSlides/notesSlide7.xml><?xml version="1.0" encoding="utf-8"?>
-<p:notes xmlns:a="http://schemas.openxmlformats.org/drawingml/2006/main" xmlns:r="http://schemas.openxmlformats.org/officeDocument/2006/relationships" xmlns:p="http://schemas.openxmlformats.org/presentationml/2006/main">
-  <p:cSld>
-    <p:spTree>
-      <p:nvGrpSpPr>
-        <p:cNvPr id="1" name=""/>
-        <p:cNvGrpSpPr/>
-        <p:nvPr/>
-      </p:nvGrpSpPr>
-      <p:grpSpPr/>
-      <p:sp>
-        <p:nvSpPr>
-          <p:cNvPr id="2" name="幻灯片图像占位符 1"/>
-          <p:cNvSpPr/>
-          <p:nvPr>
-            <p:ph type="sldImg" idx="2"/>
-          </p:nvPr>
-        </p:nvSpPr>
-        <p:spPr/>
-      </p:sp>
-      <p:sp>
-        <p:nvSpPr>
-          <p:cNvPr id="3" name="文本占位符 2"/>
-          <p:cNvSpPr/>
-          <p:nvPr>
-            <p:ph type="body" idx="3"/>
-          </p:nvPr>
-        </p:nvSpPr>
-        <p:spPr/>
-        <p:txBody>
-          <a:bodyPr/>
-          <a:p>
-            <a:endParaRPr lang="zh-CN" altLang="en-US"/>
-          </a:p>
-        </p:txBody>
-      </p:sp>
-    </p:spTree>
-  </p:cSld>
-  <p:clrMapOvr>
-    <a:masterClrMapping/>
-  </p:clrMapOvr>
-</p:notes>
-</file>
-
-<file path=ppt/notesSlides/notesSlide8.xml><?xml version="1.0" encoding="utf-8"?>
-<p:notes xmlns:a="http://schemas.openxmlformats.org/drawingml/2006/main" xmlns:r="http://schemas.openxmlformats.org/officeDocument/2006/relationships" xmlns:p="http://schemas.openxmlformats.org/presentationml/2006/main">
-  <p:cSld>
-    <p:spTree>
-      <p:nvGrpSpPr>
-        <p:cNvPr id="1" name=""/>
-        <p:cNvGrpSpPr/>
-        <p:nvPr/>
-      </p:nvGrpSpPr>
-      <p:grpSpPr/>
-      <p:sp>
-        <p:nvSpPr>
-          <p:cNvPr id="2" name="幻灯片图像占位符 1"/>
-          <p:cNvSpPr/>
-          <p:nvPr>
-            <p:ph type="sldImg" idx="2"/>
-          </p:nvPr>
-        </p:nvSpPr>
-        <p:spPr/>
-      </p:sp>
-      <p:sp>
-        <p:nvSpPr>
-          <p:cNvPr id="3" name="文本占位符 2"/>
-          <p:cNvSpPr/>
-          <p:nvPr>
-            <p:ph type="body" idx="3"/>
-          </p:nvPr>
-        </p:nvSpPr>
-        <p:spPr/>
-        <p:txBody>
-          <a:bodyPr/>
-          <a:p>
-            <a:endParaRPr lang="zh-CN" altLang="en-US"/>
-          </a:p>
-        </p:txBody>
-      </p:sp>
-    </p:spTree>
-  </p:cSld>
-  <p:clrMapOvr>
-    <a:masterClrMapping/>
-  </p:clrMapOvr>
-</p:notes>
-</file>
-
-<file path=ppt/notesSlides/notesSlide9.xml><?xml version="1.0" encoding="utf-8"?>
 <p:notes xmlns:a="http://schemas.openxmlformats.org/drawingml/2006/main" xmlns:r="http://schemas.openxmlformats.org/officeDocument/2006/relationships" xmlns:p="http://schemas.openxmlformats.org/presentationml/2006/main">
   <p:cSld>
     <p:spTree>
@@ -3434,6 +3304,337 @@
 </p:sld>
 </file>
 
+<file path=ppt/slides/slide10.xml><?xml version="1.0" encoding="utf-8"?>
+<p:sld xmlns:a="http://schemas.openxmlformats.org/drawingml/2006/main" xmlns:r="http://schemas.openxmlformats.org/officeDocument/2006/relationships" xmlns:p="http://schemas.openxmlformats.org/presentationml/2006/main">
+  <p:cSld>
+    <p:spTree>
+      <p:nvGrpSpPr>
+        <p:cNvPr id="1" name=""/>
+        <p:cNvGrpSpPr/>
+        <p:nvPr/>
+      </p:nvGrpSpPr>
+      <p:grpSpPr/>
+      <p:sp>
+        <p:nvSpPr>
+          <p:cNvPr id="6" name="文本框 5"/>
+          <p:cNvSpPr txBox="1"/>
+          <p:nvPr/>
+        </p:nvSpPr>
+        <p:spPr>
+          <a:xfrm>
+            <a:off x="433705" y="429895"/>
+            <a:ext cx="8645525" cy="583565"/>
+          </a:xfrm>
+          <a:prstGeom prst="rect">
+            <a:avLst/>
+          </a:prstGeom>
+          <a:noFill/>
+        </p:spPr>
+        <p:txBody>
+          <a:bodyPr wrap="square" rtlCol="0">
+            <a:spAutoFit/>
+          </a:bodyPr>
+          <a:p>
+            <a:r>
+              <a:rPr lang="en-US" altLang="zh-CN" sz="3200"/>
+              <a:t>Prediction Summary </a:t>
+            </a:r>
+            <a:endParaRPr lang="en-US" altLang="zh-CN" sz="3200"/>
+          </a:p>
+        </p:txBody>
+      </p:sp>
+      <p:pic>
+        <p:nvPicPr>
+          <p:cNvPr id="7" name="图片 6" descr="scatter_test_performance"/>
+          <p:cNvPicPr>
+            <a:picLocks noChangeAspect="1"/>
+          </p:cNvPicPr>
+          <p:nvPr/>
+        </p:nvPicPr>
+        <p:blipFill>
+          <a:blip r:embed="rId1"/>
+          <a:stretch>
+            <a:fillRect/>
+          </a:stretch>
+        </p:blipFill>
+        <p:spPr>
+          <a:xfrm>
+            <a:off x="368300" y="1156970"/>
+            <a:ext cx="3929380" cy="3535680"/>
+          </a:xfrm>
+          <a:prstGeom prst="rect">
+            <a:avLst/>
+          </a:prstGeom>
+        </p:spPr>
+      </p:pic>
+      <p:pic>
+        <p:nvPicPr>
+          <p:cNvPr id="8" name="图片 7" descr="ensemble_scatter_test_performance_5"/>
+          <p:cNvPicPr>
+            <a:picLocks noChangeAspect="1"/>
+          </p:cNvPicPr>
+          <p:nvPr/>
+        </p:nvPicPr>
+        <p:blipFill>
+          <a:blip r:embed="rId2"/>
+          <a:stretch>
+            <a:fillRect/>
+          </a:stretch>
+        </p:blipFill>
+        <p:spPr>
+          <a:xfrm>
+            <a:off x="4297680" y="1156970"/>
+            <a:ext cx="3966845" cy="3535680"/>
+          </a:xfrm>
+          <a:prstGeom prst="rect">
+            <a:avLst/>
+          </a:prstGeom>
+        </p:spPr>
+      </p:pic>
+      <p:pic>
+        <p:nvPicPr>
+          <p:cNvPr id="9" name="图片 8" descr="ensemble_scatter_test_performance_12"/>
+          <p:cNvPicPr>
+            <a:picLocks noChangeAspect="1"/>
+          </p:cNvPicPr>
+          <p:nvPr/>
+        </p:nvPicPr>
+        <p:blipFill>
+          <a:blip r:embed="rId3"/>
+          <a:stretch>
+            <a:fillRect/>
+          </a:stretch>
+        </p:blipFill>
+        <p:spPr>
+          <a:xfrm>
+            <a:off x="8264525" y="1147445"/>
+            <a:ext cx="3482975" cy="3554095"/>
+          </a:xfrm>
+          <a:prstGeom prst="rect">
+            <a:avLst/>
+          </a:prstGeom>
+        </p:spPr>
+      </p:pic>
+      <p:sp>
+        <p:nvSpPr>
+          <p:cNvPr id="10" name="文本框 9"/>
+          <p:cNvSpPr txBox="1"/>
+          <p:nvPr/>
+        </p:nvSpPr>
+        <p:spPr>
+          <a:xfrm>
+            <a:off x="1861820" y="5332095"/>
+            <a:ext cx="7451090" cy="645160"/>
+          </a:xfrm>
+          <a:prstGeom prst="rect">
+            <a:avLst/>
+          </a:prstGeom>
+          <a:noFill/>
+        </p:spPr>
+        <p:txBody>
+          <a:bodyPr wrap="square" rtlCol="0" anchor="t">
+            <a:spAutoFit/>
+          </a:bodyPr>
+          <a:p>
+            <a:r>
+              <a:rPr lang="zh-CN" altLang="en-US">
+                <a:hlinkClick r:id="rId4" tooltip="" action="ppaction://hlinkfile"/>
+              </a:rPr>
+              <a:t>https://docs.google.com/document/d/11vDyRdQbgV6F9NzTO3vFWuZgWCkflZoJfW_MsFqTmY4/edit</a:t>
+            </a:r>
+            <a:endParaRPr lang="zh-CN" altLang="en-US"/>
+          </a:p>
+        </p:txBody>
+      </p:sp>
+    </p:spTree>
+  </p:cSld>
+  <p:clrMapOvr>
+    <a:masterClrMapping/>
+  </p:clrMapOvr>
+</p:sld>
+</file>
+
+<file path=ppt/slides/slide11.xml><?xml version="1.0" encoding="utf-8"?>
+<p:sld xmlns:a="http://schemas.openxmlformats.org/drawingml/2006/main" xmlns:r="http://schemas.openxmlformats.org/officeDocument/2006/relationships" xmlns:p="http://schemas.openxmlformats.org/presentationml/2006/main">
+  <p:cSld>
+    <p:spTree>
+      <p:nvGrpSpPr>
+        <p:cNvPr id="1" name=""/>
+        <p:cNvGrpSpPr/>
+        <p:nvPr/>
+      </p:nvGrpSpPr>
+      <p:grpSpPr/>
+      <p:sp>
+        <p:nvSpPr>
+          <p:cNvPr id="6" name="文本框 5"/>
+          <p:cNvSpPr txBox="1"/>
+          <p:nvPr/>
+        </p:nvSpPr>
+        <p:spPr>
+          <a:xfrm>
+            <a:off x="433705" y="429895"/>
+            <a:ext cx="8645525" cy="583565"/>
+          </a:xfrm>
+          <a:prstGeom prst="rect">
+            <a:avLst/>
+          </a:prstGeom>
+          <a:noFill/>
+        </p:spPr>
+        <p:txBody>
+          <a:bodyPr wrap="square" rtlCol="0">
+            <a:spAutoFit/>
+          </a:bodyPr>
+          <a:p>
+            <a:r>
+              <a:rPr lang="en-US" altLang="zh-CN" sz="3200"/>
+              <a:t>Image training Pipeline </a:t>
+            </a:r>
+            <a:endParaRPr lang="en-US" altLang="zh-CN" sz="3200"/>
+          </a:p>
+        </p:txBody>
+      </p:sp>
+      <p:sp>
+        <p:nvSpPr>
+          <p:cNvPr id="10" name="文本框 9"/>
+          <p:cNvSpPr txBox="1"/>
+          <p:nvPr/>
+        </p:nvSpPr>
+        <p:spPr>
+          <a:xfrm>
+            <a:off x="877570" y="1097280"/>
+            <a:ext cx="10897870" cy="2861310"/>
+          </a:xfrm>
+          <a:prstGeom prst="rect">
+            <a:avLst/>
+          </a:prstGeom>
+          <a:noFill/>
+        </p:spPr>
+        <p:txBody>
+          <a:bodyPr wrap="square" rtlCol="0">
+            <a:spAutoFit/>
+          </a:bodyPr>
+          <a:p>
+            <a:r>
+              <a:rPr lang="en-US" altLang="zh-CN" sz="2000"/>
+              <a:t>1. Raw T1 weighted images from /</a:t>
+            </a:r>
+            <a:r>
+              <a:rPr lang="en-US" altLang="zh-CN" sz="2000">
+                <a:sym typeface="+mn-ea"/>
+              </a:rPr>
+              <a:t>cubric/collab/314_wand/bids/rawdata/. </a:t>
+            </a:r>
+            <a:endParaRPr lang="en-US" altLang="zh-CN" sz="2000">
+              <a:sym typeface="+mn-ea"/>
+            </a:endParaRPr>
+          </a:p>
+          <a:p>
+            <a:r>
+              <a:rPr lang="en-US" altLang="zh-CN" sz="2000">
+                <a:sym typeface="+mn-ea"/>
+              </a:rPr>
+              <a:t>Preprocessing: skull-stripping, FLIRT registration to MNI152, intensity normalization (z-score), background removal.</a:t>
+            </a:r>
+            <a:endParaRPr lang="en-US" altLang="zh-CN" sz="2000">
+              <a:sym typeface="+mn-ea"/>
+            </a:endParaRPr>
+          </a:p>
+          <a:p>
+            <a:endParaRPr lang="en-US" altLang="zh-CN" sz="2000">
+              <a:sym typeface="+mn-ea"/>
+            </a:endParaRPr>
+          </a:p>
+          <a:p>
+            <a:r>
+              <a:rPr lang="en-US" altLang="zh-CN" sz="2000">
+                <a:sym typeface="+mn-ea"/>
+              </a:rPr>
+              <a:t>2. Dataset shape: (123, 152, 191, 161)</a:t>
+            </a:r>
+            <a:endParaRPr lang="en-US" altLang="zh-CN" sz="2000"/>
+          </a:p>
+          <a:p>
+            <a:endParaRPr lang="en-US" altLang="zh-CN" sz="2000"/>
+          </a:p>
+          <a:p>
+            <a:r>
+              <a:rPr lang="en-US" altLang="zh-CN" sz="2000">
+                <a:solidFill>
+                  <a:schemeClr val="tx1"/>
+                </a:solidFill>
+              </a:rPr>
+              <a:t>3. DenseNet, ResNet, Fully-convolutional Net are trained. Model averaging is applied. </a:t>
+            </a:r>
+            <a:endParaRPr lang="en-US" altLang="zh-CN" sz="2000">
+              <a:solidFill>
+                <a:schemeClr val="tx1"/>
+              </a:solidFill>
+            </a:endParaRPr>
+          </a:p>
+          <a:p>
+            <a:endParaRPr lang="en-US" altLang="zh-CN" sz="2000">
+              <a:solidFill>
+                <a:schemeClr val="tx1"/>
+              </a:solidFill>
+            </a:endParaRPr>
+          </a:p>
+          <a:p>
+            <a:r>
+              <a:rPr lang="en-US" altLang="zh-CN" sz="2000">
+                <a:solidFill>
+                  <a:schemeClr val="tx1"/>
+                </a:solidFill>
+              </a:rPr>
+              <a:t>4.  In total, we have </a:t>
+            </a:r>
+            <a:r>
+              <a:rPr lang="en-US" altLang="zh-CN" sz="2000">
+                <a:solidFill>
+                  <a:srgbClr val="FF0000"/>
+                </a:solidFill>
+              </a:rPr>
+              <a:t>20 different random states</a:t>
+            </a:r>
+            <a:r>
+              <a:rPr lang="en-US" altLang="zh-CN" sz="2000">
+                <a:solidFill>
+                  <a:schemeClr val="tx1"/>
+                </a:solidFill>
+              </a:rPr>
+              <a:t> and for each state, we repeat models </a:t>
+            </a:r>
+            <a:r>
+              <a:rPr lang="en-US" altLang="zh-CN" sz="2000">
+                <a:solidFill>
+                  <a:srgbClr val="FF0000"/>
+                </a:solidFill>
+              </a:rPr>
+              <a:t>3 times</a:t>
+            </a:r>
+            <a:r>
+              <a:rPr lang="en-US" altLang="zh-CN" sz="2000">
+                <a:solidFill>
+                  <a:schemeClr val="tx1"/>
+                </a:solidFill>
+              </a:rPr>
+              <a:t>.</a:t>
+            </a:r>
+            <a:endParaRPr lang="en-US" altLang="zh-CN" sz="2000">
+              <a:solidFill>
+                <a:schemeClr val="tx1"/>
+              </a:solidFill>
+            </a:endParaRPr>
+          </a:p>
+        </p:txBody>
+      </p:sp>
+    </p:spTree>
+  </p:cSld>
+  <p:clrMapOvr>
+    <a:masterClrMapping/>
+  </p:clrMapOvr>
+</p:sld>
+</file>
+
 <file path=ppt/slides/slide2.xml><?xml version="1.0" encoding="utf-8"?>
 <p:sld xmlns:a="http://schemas.openxmlformats.org/drawingml/2006/main" xmlns:r="http://schemas.openxmlformats.org/officeDocument/2006/relationships" xmlns:p="http://schemas.openxmlformats.org/presentationml/2006/main">
   <p:cSld>
@@ -5624,153 +5825,6 @@
         <p:nvPr/>
       </p:nvGrpSpPr>
       <p:grpSpPr/>
-      <p:sp>
-        <p:nvSpPr>
-          <p:cNvPr id="6" name="文本框 5"/>
-          <p:cNvSpPr txBox="1"/>
-          <p:nvPr/>
-        </p:nvSpPr>
-        <p:spPr>
-          <a:xfrm>
-            <a:off x="441960" y="429895"/>
-            <a:ext cx="8645525" cy="583565"/>
-          </a:xfrm>
-          <a:prstGeom prst="rect">
-            <a:avLst/>
-          </a:prstGeom>
-          <a:noFill/>
-        </p:spPr>
-        <p:txBody>
-          <a:bodyPr wrap="square" rtlCol="0">
-            <a:spAutoFit/>
-          </a:bodyPr>
-          <a:p>
-            <a:r>
-              <a:rPr lang="en-US" altLang="zh-CN" sz="3200"/>
-              <a:t>Some other ideas (IN_P) </a:t>
-            </a:r>
-            <a:endParaRPr lang="en-US" altLang="zh-CN" sz="3200"/>
-          </a:p>
-        </p:txBody>
-      </p:sp>
-      <p:sp>
-        <p:nvSpPr>
-          <p:cNvPr id="10" name="文本框 9"/>
-          <p:cNvSpPr txBox="1"/>
-          <p:nvPr/>
-        </p:nvSpPr>
-        <p:spPr>
-          <a:xfrm>
-            <a:off x="885825" y="1510665"/>
-            <a:ext cx="10897870" cy="2861310"/>
-          </a:xfrm>
-          <a:prstGeom prst="rect">
-            <a:avLst/>
-          </a:prstGeom>
-          <a:noFill/>
-        </p:spPr>
-        <p:txBody>
-          <a:bodyPr wrap="square" rtlCol="0">
-            <a:spAutoFit/>
-          </a:bodyPr>
-          <a:p>
-            <a:r>
-              <a:rPr lang="en-US" altLang="zh-CN" sz="2000">
-                <a:solidFill>
-                  <a:schemeClr val="tx1"/>
-                </a:solidFill>
-                <a:sym typeface="+mn-ea"/>
-              </a:rPr>
-              <a:t>1. Remove KFA_DKI modality -&gt; increase around 30 images (170+) </a:t>
-            </a:r>
-            <a:endParaRPr lang="en-US" altLang="zh-CN" sz="2000">
-              <a:solidFill>
-                <a:schemeClr val="tx1"/>
-              </a:solidFill>
-              <a:sym typeface="+mn-ea"/>
-            </a:endParaRPr>
-          </a:p>
-          <a:p>
-            <a:r>
-              <a:rPr lang="en-US" altLang="zh-CN" sz="2000">
-                <a:solidFill>
-                  <a:schemeClr val="tx1"/>
-                </a:solidFill>
-                <a:sym typeface="+mn-ea"/>
-              </a:rPr>
-              <a:t> </a:t>
-            </a:r>
-            <a:endParaRPr lang="en-US" altLang="zh-CN" sz="2000">
-              <a:solidFill>
-                <a:schemeClr val="tx1"/>
-              </a:solidFill>
-              <a:sym typeface="+mn-ea"/>
-            </a:endParaRPr>
-          </a:p>
-          <a:p>
-            <a:r>
-              <a:rPr lang="en-US" altLang="zh-CN" sz="2000">
-                <a:solidFill>
-                  <a:schemeClr val="tx1"/>
-                </a:solidFill>
-                <a:sym typeface="+mn-ea"/>
-              </a:rPr>
-              <a:t>2. Feed all image modalities together in a single training process -&gt; 1000+ images</a:t>
-            </a:r>
-            <a:endParaRPr lang="en-US" altLang="zh-CN" sz="2000">
-              <a:solidFill>
-                <a:schemeClr val="tx1"/>
-              </a:solidFill>
-              <a:sym typeface="+mn-ea"/>
-            </a:endParaRPr>
-          </a:p>
-          <a:p>
-            <a:endParaRPr lang="en-US" altLang="zh-CN" sz="2000">
-              <a:solidFill>
-                <a:schemeClr val="tx1"/>
-              </a:solidFill>
-              <a:sym typeface="+mn-ea"/>
-            </a:endParaRPr>
-          </a:p>
-          <a:p>
-            <a:r>
-              <a:rPr lang="en-US" altLang="zh-CN" sz="2000">
-                <a:solidFill>
-                  <a:schemeClr val="tx1"/>
-                </a:solidFill>
-                <a:sym typeface="+mn-ea"/>
-              </a:rPr>
-              <a:t>3. Try MAML, cosine-similarity based classifier, </a:t>
-            </a:r>
-            <a:endParaRPr lang="en-US" altLang="zh-CN" sz="2000">
-              <a:solidFill>
-                <a:schemeClr val="tx1"/>
-              </a:solidFill>
-              <a:sym typeface="+mn-ea"/>
-            </a:endParaRPr>
-          </a:p>
-          <a:p>
-            <a:endParaRPr lang="en-US" altLang="zh-CN" sz="2000"/>
-          </a:p>
-          <a:p>
-            <a:r>
-              <a:rPr lang="en-US" altLang="zh-CN" sz="2000"/>
-              <a:t>4. Use tract metric correlation data -&gt; currently we only work on images </a:t>
-            </a:r>
-            <a:endParaRPr lang="en-US" altLang="zh-CN" sz="2000"/>
-          </a:p>
-          <a:p>
-            <a:endParaRPr lang="en-US" altLang="zh-CN" sz="2000"/>
-          </a:p>
-          <a:p>
-            <a:r>
-              <a:rPr lang="en-US" altLang="zh-CN" sz="2000"/>
-              <a:t>5. </a:t>
-            </a:r>
-            <a:endParaRPr lang="en-US" altLang="zh-CN" sz="2000"/>
-          </a:p>
-        </p:txBody>
-      </p:sp>
     </p:spTree>
   </p:cSld>
   <p:clrMapOvr>
@@ -5797,7 +5851,7 @@
         </p:nvSpPr>
         <p:spPr>
           <a:xfrm>
-            <a:off x="433705" y="421640"/>
+            <a:off x="433705" y="429895"/>
             <a:ext cx="8645525" cy="583565"/>
           </a:xfrm>
           <a:prstGeom prst="rect">
@@ -5812,316 +5866,295 @@
           <a:p>
             <a:r>
               <a:rPr lang="en-US" altLang="zh-CN" sz="3200"/>
-              <a:t>Expected timeline</a:t>
+              <a:t>Tract Metrics training Pipeline </a:t>
             </a:r>
             <a:endParaRPr lang="en-US" altLang="zh-CN" sz="3200"/>
           </a:p>
         </p:txBody>
       </p:sp>
-      <p:graphicFrame>
-        <p:nvGraphicFramePr>
-          <p:cNvPr id="4" name="表格 3"/>
-          <p:cNvGraphicFramePr/>
-          <p:nvPr>
-            <p:custDataLst>
-              <p:tags r:id="rId1"/>
-            </p:custDataLst>
-          </p:nvPr>
-        </p:nvGraphicFramePr>
-        <p:xfrm>
-          <a:off x="1828800" y="2095500"/>
-          <a:ext cx="8534400" cy="3048000"/>
-        </p:xfrm>
-        <a:graphic>
-          <a:graphicData uri="http://schemas.openxmlformats.org/drawingml/2006/table">
-            <a:tbl>
-              <a:tblPr firstRow="1" bandRow="1">
-                <a:tableStyleId>{5C22544A-7EE6-4342-B048-85BDC9FD1C3A}</a:tableStyleId>
-              </a:tblPr>
-              <a:tblGrid>
-                <a:gridCol w="1714500"/>
-                <a:gridCol w="6819900"/>
-              </a:tblGrid>
-              <a:tr h="381000">
-                <a:tc>
-                  <a:txBody>
-                    <a:bodyPr/>
-                    <a:p>
-                      <a:pPr>
-                        <a:buNone/>
-                      </a:pPr>
-                      <a:r>
-                        <a:rPr lang="en-US" altLang="zh-CN"/>
-                        <a:t>Date</a:t>
-                      </a:r>
-                      <a:endParaRPr lang="en-US" altLang="zh-CN"/>
-                    </a:p>
-                  </a:txBody>
-                  <a:tcPr/>
-                </a:tc>
-                <a:tc>
-                  <a:txBody>
-                    <a:bodyPr/>
-                    <a:p>
-                      <a:pPr>
-                        <a:buNone/>
-                      </a:pPr>
-                      <a:r>
-                        <a:rPr lang="en-US" altLang="zh-CN"/>
-                        <a:t>Milestone</a:t>
-                      </a:r>
-                      <a:endParaRPr lang="en-US" altLang="zh-CN"/>
-                    </a:p>
-                  </a:txBody>
-                  <a:tcPr/>
-                </a:tc>
-              </a:tr>
-              <a:tr h="381000">
-                <a:tc>
-                  <a:txBody>
-                    <a:bodyPr/>
-                    <a:p>
-                      <a:pPr>
-                        <a:buNone/>
-                      </a:pPr>
-                      <a:r>
-                        <a:rPr lang="en-US" altLang="zh-CN"/>
-                        <a:t>12/11/2023</a:t>
-                      </a:r>
-                      <a:endParaRPr lang="en-US" altLang="zh-CN"/>
-                    </a:p>
-                  </a:txBody>
-                  <a:tcPr/>
-                </a:tc>
-                <a:tc>
-                  <a:txBody>
-                    <a:bodyPr/>
-                    <a:p>
-                      <a:pPr>
-                        <a:buNone/>
-                      </a:pPr>
-                      <a:r>
-                        <a:rPr lang="en-US" altLang="zh-CN"/>
-                        <a:t>NNR-based few shot framework code test finished</a:t>
-                      </a:r>
-                      <a:endParaRPr lang="en-US" altLang="zh-CN"/>
-                    </a:p>
-                  </a:txBody>
-                  <a:tcPr/>
-                </a:tc>
-              </a:tr>
-              <a:tr h="381000">
-                <a:tc>
-                  <a:txBody>
-                    <a:bodyPr/>
-                    <a:p>
-                      <a:pPr>
-                        <a:buNone/>
-                      </a:pPr>
-                      <a:r>
-                        <a:rPr lang="en-US" altLang="zh-CN"/>
-                        <a:t>19/11/2023</a:t>
-                      </a:r>
-                      <a:endParaRPr lang="en-US" altLang="zh-CN"/>
-                    </a:p>
-                  </a:txBody>
-                  <a:tcPr/>
-                </a:tc>
-                <a:tc>
-                  <a:txBody>
-                    <a:bodyPr/>
-                    <a:p>
-                      <a:pPr>
-                        <a:buNone/>
-                      </a:pPr>
-                      <a:r>
-                        <a:rPr lang="en-US" altLang="zh-CN"/>
-                        <a:t>code and some initial results </a:t>
-                      </a:r>
-                      <a:endParaRPr lang="en-US" altLang="zh-CN"/>
-                    </a:p>
-                  </a:txBody>
-                  <a:tcPr/>
-                </a:tc>
-              </a:tr>
-              <a:tr h="381000">
-                <a:tc>
-                  <a:txBody>
-                    <a:bodyPr/>
-                    <a:p>
-                      <a:pPr>
-                        <a:buNone/>
-                      </a:pPr>
-                      <a:r>
-                        <a:rPr lang="en-US" altLang="zh-CN"/>
-                        <a:t>26/11/2023</a:t>
-                      </a:r>
-                      <a:endParaRPr lang="en-US" altLang="zh-CN"/>
-                    </a:p>
-                  </a:txBody>
-                  <a:tcPr/>
-                </a:tc>
-                <a:tc>
-                  <a:txBody>
-                    <a:bodyPr/>
-                    <a:p>
-                      <a:pPr>
-                        <a:buNone/>
-                      </a:pPr>
-                      <a:r>
-                        <a:rPr lang="en-US" altLang="zh-CN" sz="1800">
-                          <a:sym typeface="+mn-ea"/>
-                        </a:rPr>
-                        <a:t>Some initial results + differnet ideas</a:t>
-                      </a:r>
-                      <a:endParaRPr lang="zh-CN" altLang="en-US"/>
-                    </a:p>
-                  </a:txBody>
-                  <a:tcPr/>
-                </a:tc>
-              </a:tr>
-              <a:tr h="381000">
-                <a:tc>
-                  <a:txBody>
-                    <a:bodyPr/>
-                    <a:p>
-                      <a:pPr>
-                        <a:buNone/>
-                      </a:pPr>
-                      <a:r>
-                        <a:rPr lang="en-US" altLang="zh-CN"/>
-                        <a:t>03/12/2023</a:t>
-                      </a:r>
-                      <a:endParaRPr lang="en-US" altLang="zh-CN"/>
-                    </a:p>
-                  </a:txBody>
-                  <a:tcPr/>
-                </a:tc>
-                <a:tc>
-                  <a:txBody>
-                    <a:bodyPr/>
-                    <a:p>
-                      <a:pPr>
-                        <a:buNone/>
-                      </a:pPr>
-                      <a:r>
-                        <a:rPr lang="en-US" altLang="zh-CN"/>
-                        <a:t>Gather all results and re-train all models for draft (all modalities)</a:t>
-                      </a:r>
-                      <a:endParaRPr lang="en-US" altLang="zh-CN"/>
-                    </a:p>
-                  </a:txBody>
-                  <a:tcPr/>
-                </a:tc>
-              </a:tr>
-              <a:tr h="381000">
-                <a:tc>
-                  <a:txBody>
-                    <a:bodyPr/>
-                    <a:p>
-                      <a:pPr>
-                        <a:buNone/>
-                      </a:pPr>
-                      <a:r>
-                        <a:rPr lang="en-US" altLang="zh-CN"/>
-                        <a:t>10/12/2023</a:t>
-                      </a:r>
-                      <a:endParaRPr lang="en-US" altLang="zh-CN"/>
-                    </a:p>
-                  </a:txBody>
-                  <a:tcPr/>
-                </a:tc>
-                <a:tc>
-                  <a:txBody>
-                    <a:bodyPr/>
-                    <a:p>
-                      <a:pPr>
-                        <a:buNone/>
-                      </a:pPr>
-                      <a:r>
-                        <a:rPr lang="en-US" altLang="zh-CN"/>
-                        <a:t>paper writing</a:t>
-                      </a:r>
-                      <a:endParaRPr lang="en-US" altLang="zh-CN"/>
-                    </a:p>
-                  </a:txBody>
-                  <a:tcPr/>
-                </a:tc>
-              </a:tr>
-              <a:tr h="381000">
-                <a:tc>
-                  <a:txBody>
-                    <a:bodyPr/>
-                    <a:p>
-                      <a:pPr>
-                        <a:buNone/>
-                      </a:pPr>
-                      <a:r>
-                        <a:rPr lang="en-US" altLang="zh-CN"/>
-                        <a:t>17/12/2023</a:t>
-                      </a:r>
-                      <a:endParaRPr lang="en-US" altLang="zh-CN"/>
-                    </a:p>
-                  </a:txBody>
-                  <a:tcPr/>
-                </a:tc>
-                <a:tc>
-                  <a:txBody>
-                    <a:bodyPr/>
-                    <a:p>
-                      <a:pPr>
-                        <a:buNone/>
-                      </a:pPr>
-                      <a:r>
-                        <a:rPr lang="en-US" altLang="zh-CN" sz="1800">
-                          <a:sym typeface="+mn-ea"/>
-                        </a:rPr>
-                        <a:t>paper writing</a:t>
-                      </a:r>
-                      <a:endParaRPr lang="en-US" altLang="zh-CN"/>
-                    </a:p>
-                  </a:txBody>
-                  <a:tcPr/>
-                </a:tc>
-              </a:tr>
-              <a:tr h="381000">
-                <a:tc>
-                  <a:txBody>
-                    <a:bodyPr/>
-                    <a:p>
-                      <a:pPr>
-                        <a:buNone/>
-                      </a:pPr>
-                      <a:r>
-                        <a:rPr lang="en-US" altLang="zh-CN"/>
-                        <a:t>24/12/2023</a:t>
-                      </a:r>
-                      <a:endParaRPr lang="en-US" altLang="zh-CN"/>
-                    </a:p>
-                  </a:txBody>
-                  <a:tcPr/>
-                </a:tc>
-                <a:tc>
-                  <a:txBody>
-                    <a:bodyPr/>
-                    <a:p>
-                      <a:pPr>
-                        <a:buNone/>
-                      </a:pPr>
-                      <a:r>
-                        <a:rPr lang="en-US" altLang="zh-CN"/>
-                        <a:t>Draft paper</a:t>
-                      </a:r>
-                      <a:endParaRPr lang="en-US" altLang="zh-CN"/>
-                    </a:p>
-                  </a:txBody>
-                  <a:tcPr/>
-                </a:tc>
-              </a:tr>
-            </a:tbl>
-          </a:graphicData>
-        </a:graphic>
-      </p:graphicFrame>
+      <p:sp>
+        <p:nvSpPr>
+          <p:cNvPr id="10" name="文本框 9"/>
+          <p:cNvSpPr txBox="1"/>
+          <p:nvPr/>
+        </p:nvSpPr>
+        <p:spPr>
+          <a:xfrm>
+            <a:off x="877570" y="1097280"/>
+            <a:ext cx="10897870" cy="4092575"/>
+          </a:xfrm>
+          <a:prstGeom prst="rect">
+            <a:avLst/>
+          </a:prstGeom>
+          <a:noFill/>
+        </p:spPr>
+        <p:txBody>
+          <a:bodyPr wrap="square" rtlCol="0">
+            <a:spAutoFit/>
+          </a:bodyPr>
+          <a:p>
+            <a:r>
+              <a:rPr lang="en-US" altLang="zh-CN" sz="2000"/>
+              <a:t>1. Dataset: </a:t>
+            </a:r>
+            <a:r>
+              <a:rPr lang="en-US" altLang="zh-CN" sz="2000">
+                <a:solidFill>
+                  <a:srgbClr val="FF0000"/>
+                </a:solidFill>
+              </a:rPr>
+              <a:t>(123, 29, 8)</a:t>
+            </a:r>
+            <a:r>
+              <a:rPr lang="en-US" altLang="zh-CN" sz="2000"/>
+              <a:t> -&gt; (num_subjects, num_tract_regions, num_d_measures) </a:t>
+            </a:r>
+            <a:endParaRPr lang="en-US" altLang="zh-CN" sz="2000"/>
+          </a:p>
+          <a:p>
+            <a:endParaRPr lang="en-US" altLang="zh-CN" sz="2000"/>
+          </a:p>
+          <a:p>
+            <a:r>
+              <a:rPr lang="en-US" altLang="zh-CN" sz="2000"/>
+              <a:t>2. Train-validation-test split using random state</a:t>
+            </a:r>
+            <a:r>
+              <a:rPr lang="en-US" altLang="zh-CN" sz="2000">
+                <a:solidFill>
+                  <a:srgbClr val="FF0000"/>
+                </a:solidFill>
+              </a:rPr>
+              <a:t> i </a:t>
+            </a:r>
+            <a:endParaRPr lang="en-US" altLang="zh-CN" sz="2000">
+              <a:solidFill>
+                <a:srgbClr val="FF0000"/>
+              </a:solidFill>
+            </a:endParaRPr>
+          </a:p>
+          <a:p>
+            <a:endParaRPr lang="en-US" altLang="zh-CN" sz="2000">
+              <a:solidFill>
+                <a:srgbClr val="FF0000"/>
+              </a:solidFill>
+            </a:endParaRPr>
+          </a:p>
+          <a:p>
+            <a:r>
+              <a:rPr lang="en-US" altLang="zh-CN" sz="2000">
+                <a:solidFill>
+                  <a:schemeClr val="tx1"/>
+                </a:solidFill>
+              </a:rPr>
+              <a:t>3. Preprocessing: </a:t>
+            </a:r>
+            <a:r>
+              <a:rPr lang="en-US" altLang="zh-CN" sz="2000">
+                <a:solidFill>
+                  <a:srgbClr val="FF0000"/>
+                </a:solidFill>
+              </a:rPr>
+              <a:t>Robust Scaler</a:t>
+            </a:r>
+            <a:r>
+              <a:rPr lang="en-US" altLang="zh-CN" sz="2000">
+                <a:solidFill>
+                  <a:schemeClr val="tx1"/>
+                </a:solidFill>
+              </a:rPr>
+              <a:t> and </a:t>
+            </a:r>
+            <a:r>
+              <a:rPr lang="en-US" altLang="zh-CN" sz="2000">
+                <a:solidFill>
+                  <a:srgbClr val="FF0000"/>
+                </a:solidFill>
+              </a:rPr>
+              <a:t>PCA</a:t>
+            </a:r>
+            <a:r>
+              <a:rPr lang="en-US" altLang="zh-CN" sz="2000">
+                <a:solidFill>
+                  <a:schemeClr val="tx1"/>
+                </a:solidFill>
+              </a:rPr>
+              <a:t> (for each tract regions instead of all regions)</a:t>
+            </a:r>
+            <a:endParaRPr lang="en-US" altLang="zh-CN" sz="2000">
+              <a:solidFill>
+                <a:schemeClr val="tx1"/>
+              </a:solidFill>
+            </a:endParaRPr>
+          </a:p>
+          <a:p>
+            <a:endParaRPr lang="en-US" altLang="zh-CN" sz="2000">
+              <a:solidFill>
+                <a:schemeClr val="tx1"/>
+              </a:solidFill>
+            </a:endParaRPr>
+          </a:p>
+          <a:p>
+            <a:r>
+              <a:rPr lang="en-US" altLang="zh-CN" sz="2000">
+                <a:solidFill>
+                  <a:schemeClr val="tx1"/>
+                </a:solidFill>
+              </a:rPr>
+              <a:t>4. Apply </a:t>
+            </a:r>
+            <a:r>
+              <a:rPr lang="en-US" altLang="zh-CN" sz="2000">
+                <a:solidFill>
+                  <a:srgbClr val="FF0000"/>
+                </a:solidFill>
+              </a:rPr>
+              <a:t>SMOTE</a:t>
+            </a:r>
+            <a:r>
+              <a:rPr lang="en-US" altLang="zh-CN" sz="2000">
+                <a:solidFill>
+                  <a:schemeClr val="tx1"/>
+                </a:solidFill>
+              </a:rPr>
+              <a:t> to generate synthetic training data (almost double the training set)</a:t>
+            </a:r>
+            <a:endParaRPr lang="en-US" altLang="zh-CN" sz="2000">
+              <a:solidFill>
+                <a:schemeClr val="tx1"/>
+              </a:solidFill>
+            </a:endParaRPr>
+          </a:p>
+          <a:p>
+            <a:endParaRPr lang="en-US" altLang="zh-CN" sz="2000">
+              <a:solidFill>
+                <a:schemeClr val="tx1"/>
+              </a:solidFill>
+            </a:endParaRPr>
+          </a:p>
+          <a:p>
+            <a:r>
+              <a:rPr lang="en-US" altLang="zh-CN" sz="2000">
+                <a:solidFill>
+                  <a:schemeClr val="tx1"/>
+                </a:solidFill>
+              </a:rPr>
+              <a:t>5. Train SVR, Xgboost and stacking model (svr-xgb) for each tract regions. -&gt; 29 models</a:t>
+            </a:r>
+            <a:endParaRPr lang="en-US" altLang="zh-CN" sz="2000">
+              <a:solidFill>
+                <a:schemeClr val="tx1"/>
+              </a:solidFill>
+            </a:endParaRPr>
+          </a:p>
+          <a:p>
+            <a:endParaRPr lang="en-US" altLang="zh-CN" sz="2000">
+              <a:solidFill>
+                <a:schemeClr val="tx1"/>
+              </a:solidFill>
+            </a:endParaRPr>
+          </a:p>
+          <a:p>
+            <a:r>
+              <a:rPr lang="en-US" altLang="zh-CN" sz="2000">
+                <a:solidFill>
+                  <a:schemeClr val="tx1"/>
+                </a:solidFill>
+              </a:rPr>
+              <a:t>6. Select tracts with the best </a:t>
+            </a:r>
+            <a:r>
+              <a:rPr lang="en-US" altLang="zh-CN" sz="2000">
+                <a:sym typeface="+mn-ea"/>
+              </a:rPr>
+              <a:t>performance on </a:t>
+            </a:r>
+            <a:r>
+              <a:rPr lang="en-US" altLang="zh-CN" sz="2000">
+                <a:solidFill>
+                  <a:schemeClr val="tx1"/>
+                </a:solidFill>
+              </a:rPr>
+              <a:t>validation set </a:t>
+            </a:r>
+            <a:r>
+              <a:rPr lang="en-US" altLang="zh-CN" sz="2000">
+                <a:solidFill>
+                  <a:srgbClr val="FF0000"/>
+                </a:solidFill>
+              </a:rPr>
+              <a:t>(top3)</a:t>
+            </a:r>
+            <a:r>
+              <a:rPr lang="en-US" altLang="zh-CN" sz="2000">
+                <a:solidFill>
+                  <a:schemeClr val="tx1"/>
+                </a:solidFill>
+              </a:rPr>
+              <a:t> and test on the test set.</a:t>
+            </a:r>
+            <a:endParaRPr lang="en-US" altLang="zh-CN" sz="2000">
+              <a:solidFill>
+                <a:schemeClr val="tx1"/>
+              </a:solidFill>
+            </a:endParaRPr>
+          </a:p>
+          <a:p>
+            <a:endParaRPr lang="en-US" altLang="zh-CN" sz="2000">
+              <a:solidFill>
+                <a:schemeClr val="tx1"/>
+              </a:solidFill>
+            </a:endParaRPr>
+          </a:p>
+          <a:p>
+            <a:r>
+              <a:rPr lang="en-US" altLang="zh-CN" sz="2000">
+                <a:solidFill>
+                  <a:schemeClr val="tx1"/>
+                </a:solidFill>
+              </a:rPr>
+              <a:t>7.  In total, we have </a:t>
+            </a:r>
+            <a:r>
+              <a:rPr lang="en-US" altLang="zh-CN" sz="2000">
+                <a:solidFill>
+                  <a:srgbClr val="FF0000"/>
+                </a:solidFill>
+              </a:rPr>
+              <a:t>20 different random states</a:t>
+            </a:r>
+            <a:r>
+              <a:rPr lang="en-US" altLang="zh-CN" sz="2000">
+                <a:solidFill>
+                  <a:schemeClr val="tx1"/>
+                </a:solidFill>
+              </a:rPr>
+              <a:t> and for each state, we repeat models </a:t>
+            </a:r>
+            <a:r>
+              <a:rPr lang="en-US" altLang="zh-CN" sz="2000">
+                <a:solidFill>
+                  <a:srgbClr val="FF0000"/>
+                </a:solidFill>
+              </a:rPr>
+              <a:t>3 times</a:t>
+            </a:r>
+            <a:r>
+              <a:rPr lang="en-US" altLang="zh-CN" sz="2000">
+                <a:solidFill>
+                  <a:schemeClr val="tx1"/>
+                </a:solidFill>
+              </a:rPr>
+              <a:t>.</a:t>
+            </a:r>
+            <a:endParaRPr lang="en-US" altLang="zh-CN" sz="2000">
+              <a:solidFill>
+                <a:schemeClr val="tx1"/>
+              </a:solidFill>
+            </a:endParaRPr>
+          </a:p>
+        </p:txBody>
+      </p:sp>
     </p:spTree>
   </p:cSld>
   <p:clrMapOvr>
@@ -6148,7 +6181,7 @@
         </p:nvSpPr>
         <p:spPr>
           <a:xfrm>
-            <a:off x="433705" y="421640"/>
+            <a:off x="433705" y="429895"/>
             <a:ext cx="8645525" cy="583565"/>
           </a:xfrm>
           <a:prstGeom prst="rect">
@@ -6163,111 +6196,961 @@
           <a:p>
             <a:r>
               <a:rPr lang="en-US" altLang="zh-CN" sz="3200"/>
-              <a:t>08/11/2023</a:t>
+              <a:t>Result Summary </a:t>
             </a:r>
             <a:endParaRPr lang="en-US" altLang="zh-CN" sz="3200"/>
           </a:p>
         </p:txBody>
       </p:sp>
-      <p:sp>
-        <p:nvSpPr>
-          <p:cNvPr id="10" name="文本框 9"/>
-          <p:cNvSpPr txBox="1"/>
-          <p:nvPr/>
-        </p:nvSpPr>
-        <p:spPr>
-          <a:xfrm>
-            <a:off x="885825" y="1510665"/>
-            <a:ext cx="10897870" cy="2245360"/>
-          </a:xfrm>
-          <a:prstGeom prst="rect">
-            <a:avLst/>
-          </a:prstGeom>
-          <a:noFill/>
-        </p:spPr>
-        <p:txBody>
-          <a:bodyPr wrap="square" rtlCol="0">
-            <a:spAutoFit/>
-          </a:bodyPr>
-          <a:p>
-            <a:r>
-              <a:rPr lang="en-US" altLang="zh-CN" sz="2000">
-                <a:solidFill>
-                  <a:schemeClr val="tx1"/>
-                </a:solidFill>
-                <a:sym typeface="+mn-ea"/>
-              </a:rPr>
-              <a:t>1. fsl regression evaluation code test</a:t>
-            </a:r>
-            <a:endParaRPr lang="en-US" altLang="zh-CN" sz="2000">
-              <a:solidFill>
-                <a:schemeClr val="tx1"/>
-              </a:solidFill>
-              <a:sym typeface="+mn-ea"/>
-            </a:endParaRPr>
-          </a:p>
-          <a:p>
-            <a:endParaRPr lang="en-US" altLang="zh-CN" sz="2000">
-              <a:solidFill>
-                <a:schemeClr val="tx1"/>
-              </a:solidFill>
-              <a:sym typeface="+mn-ea"/>
-            </a:endParaRPr>
-          </a:p>
-          <a:p>
-            <a:r>
-              <a:rPr lang="en-US" altLang="zh-CN" sz="2000">
-                <a:solidFill>
-                  <a:schemeClr val="tx1"/>
-                </a:solidFill>
-                <a:sym typeface="+mn-ea"/>
-              </a:rPr>
-              <a:t>2. previous code cleanup (ensemble part should be taken out of the main pipeline)</a:t>
-            </a:r>
-            <a:endParaRPr lang="en-US" altLang="zh-CN" sz="2000">
-              <a:solidFill>
-                <a:schemeClr val="tx1"/>
-              </a:solidFill>
-              <a:sym typeface="+mn-ea"/>
-            </a:endParaRPr>
-          </a:p>
-          <a:p>
-            <a:endParaRPr lang="en-US" altLang="zh-CN" sz="2000">
-              <a:solidFill>
-                <a:schemeClr val="tx1"/>
-              </a:solidFill>
-              <a:sym typeface="+mn-ea"/>
-            </a:endParaRPr>
-          </a:p>
-          <a:p>
-            <a:r>
-              <a:rPr lang="en-US" altLang="zh-CN" sz="2000">
-                <a:solidFill>
-                  <a:schemeClr val="tx1"/>
-                </a:solidFill>
-                <a:sym typeface="+mn-ea"/>
-              </a:rPr>
-              <a:t>3. Paper “Prototype Rectification for Few-Shot Learning”</a:t>
-            </a:r>
-            <a:endParaRPr lang="en-US" altLang="zh-CN" sz="2000">
-              <a:solidFill>
-                <a:schemeClr val="tx1"/>
-              </a:solidFill>
-              <a:sym typeface="+mn-ea"/>
-            </a:endParaRPr>
-          </a:p>
-          <a:p>
-            <a:endParaRPr lang="en-US" altLang="zh-CN" sz="2000"/>
-          </a:p>
-          <a:p>
-            <a:r>
-              <a:rPr lang="en-US" altLang="zh-CN" sz="2000"/>
-              <a:t>4. Vlunch in abacws (medical image segmentation 12:00)</a:t>
-            </a:r>
-            <a:endParaRPr lang="en-US" altLang="zh-CN" sz="2000"/>
-          </a:p>
-        </p:txBody>
-      </p:sp>
+      <p:graphicFrame>
+        <p:nvGraphicFramePr>
+          <p:cNvPr id="4" name="表格 3"/>
+          <p:cNvGraphicFramePr/>
+          <p:nvPr>
+            <p:custDataLst>
+              <p:tags r:id="rId1"/>
+            </p:custDataLst>
+          </p:nvPr>
+        </p:nvGraphicFramePr>
+        <p:xfrm>
+          <a:off x="1428750" y="1214755"/>
+          <a:ext cx="8194040" cy="4286250"/>
+        </p:xfrm>
+        <a:graphic>
+          <a:graphicData uri="http://schemas.openxmlformats.org/drawingml/2006/table">
+            <a:tbl>
+              <a:tblPr firstRow="1" bandRow="1">
+                <a:tableStyleId>{5C22544A-7EE6-4342-B048-85BDC9FD1C3A}</a:tableStyleId>
+              </a:tblPr>
+              <a:tblGrid>
+                <a:gridCol w="2921635"/>
+                <a:gridCol w="1293495"/>
+                <a:gridCol w="1326515"/>
+                <a:gridCol w="1326515"/>
+                <a:gridCol w="1325880"/>
+              </a:tblGrid>
+              <a:tr h="476250">
+                <a:tc>
+                  <a:txBody>
+                    <a:bodyPr/>
+                    <a:p>
+                      <a:pPr algn="ctr">
+                        <a:buNone/>
+                      </a:pPr>
+                      <a:r>
+                        <a:rPr lang="en-US" altLang="zh-CN"/>
+                        <a:t>Mean Absolute Error</a:t>
+                      </a:r>
+                      <a:endParaRPr lang="en-US" altLang="zh-CN"/>
+                    </a:p>
+                    <a:p>
+                      <a:pPr algn="ctr">
+                        <a:buNone/>
+                      </a:pPr>
+                      <a:r>
+                        <a:rPr lang="en-US" altLang="zh-CN"/>
+                        <a:t>(20 random states)</a:t>
+                      </a:r>
+                      <a:endParaRPr lang="en-US" altLang="zh-CN"/>
+                    </a:p>
+                  </a:txBody>
+                  <a:tcPr anchor="ctr" anchorCtr="1"/>
+                </a:tc>
+                <a:tc>
+                  <a:txBody>
+                    <a:bodyPr/>
+                    <a:p>
+                      <a:pPr algn="ctr">
+                        <a:buNone/>
+                      </a:pPr>
+                      <a:r>
+                        <a:rPr lang="en-US" altLang="zh-CN"/>
+                        <a:t>Mean</a:t>
+                      </a:r>
+                      <a:endParaRPr lang="en-US" altLang="zh-CN"/>
+                    </a:p>
+                  </a:txBody>
+                  <a:tcPr anchor="ctr" anchorCtr="1"/>
+                </a:tc>
+                <a:tc>
+                  <a:txBody>
+                    <a:bodyPr/>
+                    <a:p>
+                      <a:pPr algn="ctr">
+                        <a:buNone/>
+                      </a:pPr>
+                      <a:r>
+                        <a:rPr lang="en-US" altLang="zh-CN"/>
+                        <a:t>Std</a:t>
+                      </a:r>
+                      <a:endParaRPr lang="en-US" altLang="zh-CN"/>
+                    </a:p>
+                  </a:txBody>
+                  <a:tcPr anchor="ctr" anchorCtr="1"/>
+                </a:tc>
+                <a:tc>
+                  <a:txBody>
+                    <a:bodyPr/>
+                    <a:p>
+                      <a:pPr algn="ctr">
+                        <a:buNone/>
+                      </a:pPr>
+                      <a:r>
+                        <a:rPr lang="en-US" altLang="zh-CN" sz="1800">
+                          <a:sym typeface="+mn-ea"/>
+                        </a:rPr>
+                        <a:t>Min</a:t>
+                      </a:r>
+                      <a:endParaRPr lang="en-US" altLang="zh-CN"/>
+                    </a:p>
+                  </a:txBody>
+                  <a:tcPr anchor="ctr" anchorCtr="1"/>
+                </a:tc>
+                <a:tc>
+                  <a:txBody>
+                    <a:bodyPr/>
+                    <a:p>
+                      <a:pPr algn="ctr">
+                        <a:buNone/>
+                      </a:pPr>
+                      <a:r>
+                        <a:rPr lang="en-US" altLang="zh-CN" sz="1800">
+                          <a:sym typeface="+mn-ea"/>
+                        </a:rPr>
+                        <a:t>Max</a:t>
+                      </a:r>
+                      <a:endParaRPr lang="en-US" altLang="zh-CN"/>
+                    </a:p>
+                  </a:txBody>
+                  <a:tcPr anchor="ctr" anchorCtr="1"/>
+                </a:tc>
+              </a:tr>
+              <a:tr h="476250">
+                <a:tc>
+                  <a:txBody>
+                    <a:bodyPr/>
+                    <a:p>
+                      <a:pPr algn="ctr">
+                        <a:buNone/>
+                      </a:pPr>
+                      <a:r>
+                        <a:rPr lang="en-US" altLang="zh-CN"/>
+                        <a:t>SVR_single</a:t>
+                      </a:r>
+                      <a:endParaRPr lang="en-US" altLang="zh-CN"/>
+                    </a:p>
+                  </a:txBody>
+                  <a:tcPr anchor="ctr" anchorCtr="1"/>
+                </a:tc>
+                <a:tc>
+                  <a:txBody>
+                    <a:bodyPr/>
+                    <a:p>
+                      <a:pPr algn="ctr">
+                        <a:buNone/>
+                      </a:pPr>
+                      <a:r>
+                        <a:rPr lang="en-US" altLang="zh-CN"/>
+                        <a:t>4.52</a:t>
+                      </a:r>
+                      <a:endParaRPr lang="en-US" altLang="zh-CN"/>
+                    </a:p>
+                  </a:txBody>
+                  <a:tcPr anchor="ctr" anchorCtr="1"/>
+                </a:tc>
+                <a:tc>
+                  <a:txBody>
+                    <a:bodyPr/>
+                    <a:p>
+                      <a:pPr algn="ctr">
+                        <a:buNone/>
+                      </a:pPr>
+                      <a:r>
+                        <a:rPr lang="en-US" altLang="zh-CN"/>
+                        <a:t>0.71</a:t>
+                      </a:r>
+                      <a:endParaRPr lang="en-US" altLang="zh-CN"/>
+                    </a:p>
+                  </a:txBody>
+                  <a:tcPr anchor="ctr" anchorCtr="1"/>
+                </a:tc>
+                <a:tc>
+                  <a:txBody>
+                    <a:bodyPr/>
+                    <a:p>
+                      <a:pPr algn="ctr">
+                        <a:buNone/>
+                      </a:pPr>
+                      <a:r>
+                        <a:rPr lang="en-US" altLang="zh-CN">
+                          <a:solidFill>
+                            <a:schemeClr val="tx1"/>
+                          </a:solidFill>
+                        </a:rPr>
+                        <a:t>2.33</a:t>
+                      </a:r>
+                      <a:endParaRPr lang="en-US" altLang="zh-CN">
+                        <a:solidFill>
+                          <a:schemeClr val="tx1"/>
+                        </a:solidFill>
+                      </a:endParaRPr>
+                    </a:p>
+                  </a:txBody>
+                  <a:tcPr anchor="ctr" anchorCtr="1"/>
+                </a:tc>
+                <a:tc>
+                  <a:txBody>
+                    <a:bodyPr/>
+                    <a:p>
+                      <a:pPr algn="ctr">
+                        <a:buNone/>
+                      </a:pPr>
+                      <a:r>
+                        <a:rPr lang="en-US" altLang="zh-CN"/>
+                        <a:t>5.93</a:t>
+                      </a:r>
+                      <a:endParaRPr lang="en-US" altLang="zh-CN"/>
+                    </a:p>
+                  </a:txBody>
+                  <a:tcPr anchor="ctr" anchorCtr="1"/>
+                </a:tc>
+              </a:tr>
+              <a:tr h="476250">
+                <a:tc>
+                  <a:txBody>
+                    <a:bodyPr/>
+                    <a:p>
+                      <a:pPr algn="ctr">
+                        <a:buNone/>
+                      </a:pPr>
+                      <a:r>
+                        <a:rPr lang="en-US" altLang="zh-CN" sz="1800">
+                          <a:sym typeface="+mn-ea"/>
+                        </a:rPr>
+                        <a:t>XGBoost</a:t>
+                      </a:r>
+                      <a:r>
+                        <a:rPr lang="en-US" altLang="zh-CN" sz="1800">
+                          <a:sym typeface="+mn-ea"/>
+                        </a:rPr>
+                        <a:t>_single</a:t>
+                      </a:r>
+                      <a:endParaRPr lang="zh-CN" altLang="en-US"/>
+                    </a:p>
+                  </a:txBody>
+                  <a:tcPr anchor="ctr" anchorCtr="1"/>
+                </a:tc>
+                <a:tc>
+                  <a:txBody>
+                    <a:bodyPr/>
+                    <a:p>
+                      <a:pPr algn="ctr">
+                        <a:buNone/>
+                      </a:pPr>
+                      <a:r>
+                        <a:rPr lang="en-US" altLang="zh-CN"/>
+                        <a:t>4.72</a:t>
+                      </a:r>
+                      <a:endParaRPr lang="en-US" altLang="zh-CN"/>
+                    </a:p>
+                  </a:txBody>
+                  <a:tcPr anchor="ctr" anchorCtr="1"/>
+                </a:tc>
+                <a:tc>
+                  <a:txBody>
+                    <a:bodyPr/>
+                    <a:p>
+                      <a:pPr algn="ctr">
+                        <a:buNone/>
+                      </a:pPr>
+                      <a:r>
+                        <a:rPr lang="en-US" altLang="zh-CN"/>
+                        <a:t>0.84</a:t>
+                      </a:r>
+                      <a:endParaRPr lang="en-US" altLang="zh-CN"/>
+                    </a:p>
+                  </a:txBody>
+                  <a:tcPr anchor="ctr" anchorCtr="1"/>
+                </a:tc>
+                <a:tc>
+                  <a:txBody>
+                    <a:bodyPr/>
+                    <a:p>
+                      <a:pPr algn="ctr">
+                        <a:buNone/>
+                      </a:pPr>
+                      <a:r>
+                        <a:rPr lang="en-US" altLang="zh-CN">
+                          <a:solidFill>
+                            <a:schemeClr val="tx1"/>
+                          </a:solidFill>
+                        </a:rPr>
+                        <a:t>2.68</a:t>
+                      </a:r>
+                      <a:endParaRPr lang="en-US" altLang="zh-CN">
+                        <a:solidFill>
+                          <a:schemeClr val="tx1"/>
+                        </a:solidFill>
+                      </a:endParaRPr>
+                    </a:p>
+                  </a:txBody>
+                  <a:tcPr anchor="ctr" anchorCtr="1"/>
+                </a:tc>
+                <a:tc>
+                  <a:txBody>
+                    <a:bodyPr/>
+                    <a:p>
+                      <a:pPr algn="ctr">
+                        <a:buNone/>
+                      </a:pPr>
+                      <a:r>
+                        <a:rPr lang="en-US" altLang="zh-CN"/>
+                        <a:t>6.73</a:t>
+                      </a:r>
+                      <a:endParaRPr lang="en-US" altLang="zh-CN"/>
+                    </a:p>
+                  </a:txBody>
+                  <a:tcPr anchor="ctr" anchorCtr="1"/>
+                </a:tc>
+              </a:tr>
+              <a:tr h="476250">
+                <a:tc>
+                  <a:txBody>
+                    <a:bodyPr/>
+                    <a:p>
+                      <a:pPr algn="ctr">
+                        <a:buNone/>
+                      </a:pPr>
+                      <a:r>
+                        <a:rPr lang="en-US" altLang="zh-CN" sz="1800">
+                          <a:sym typeface="+mn-ea"/>
+                        </a:rPr>
+                        <a:t>Stacking</a:t>
+                      </a:r>
+                      <a:r>
+                        <a:rPr lang="en-US" altLang="zh-CN" sz="1800">
+                          <a:sym typeface="+mn-ea"/>
+                        </a:rPr>
+                        <a:t>_single</a:t>
+                      </a:r>
+                      <a:endParaRPr lang="zh-CN" altLang="en-US"/>
+                    </a:p>
+                  </a:txBody>
+                  <a:tcPr anchor="ctr" anchorCtr="1"/>
+                </a:tc>
+                <a:tc>
+                  <a:txBody>
+                    <a:bodyPr/>
+                    <a:p>
+                      <a:pPr algn="ctr">
+                        <a:buNone/>
+                      </a:pPr>
+                      <a:r>
+                        <a:rPr lang="en-US" altLang="zh-CN">
+                          <a:solidFill>
+                            <a:schemeClr val="tx1"/>
+                          </a:solidFill>
+                        </a:rPr>
+                        <a:t>4.75</a:t>
+                      </a:r>
+                      <a:endParaRPr lang="en-US" altLang="zh-CN">
+                        <a:solidFill>
+                          <a:schemeClr val="tx1"/>
+                        </a:solidFill>
+                      </a:endParaRPr>
+                    </a:p>
+                  </a:txBody>
+                  <a:tcPr anchor="ctr" anchorCtr="1"/>
+                </a:tc>
+                <a:tc>
+                  <a:txBody>
+                    <a:bodyPr/>
+                    <a:p>
+                      <a:pPr algn="ctr">
+                        <a:buNone/>
+                      </a:pPr>
+                      <a:r>
+                        <a:rPr lang="en-US" altLang="zh-CN"/>
+                        <a:t>0.89</a:t>
+                      </a:r>
+                      <a:endParaRPr lang="en-US" altLang="zh-CN"/>
+                    </a:p>
+                  </a:txBody>
+                  <a:tcPr anchor="ctr" anchorCtr="1"/>
+                </a:tc>
+                <a:tc>
+                  <a:txBody>
+                    <a:bodyPr/>
+                    <a:p>
+                      <a:pPr algn="ctr">
+                        <a:buNone/>
+                      </a:pPr>
+                      <a:r>
+                        <a:rPr lang="en-US" altLang="zh-CN"/>
+                        <a:t>3.23</a:t>
+                      </a:r>
+                      <a:endParaRPr lang="en-US" altLang="zh-CN"/>
+                    </a:p>
+                  </a:txBody>
+                  <a:tcPr anchor="ctr" anchorCtr="1"/>
+                </a:tc>
+                <a:tc>
+                  <a:txBody>
+                    <a:bodyPr/>
+                    <a:p>
+                      <a:pPr algn="ctr">
+                        <a:buNone/>
+                      </a:pPr>
+                      <a:r>
+                        <a:rPr lang="en-US" altLang="zh-CN"/>
+                        <a:t>7.88</a:t>
+                      </a:r>
+                      <a:endParaRPr lang="en-US" altLang="zh-CN"/>
+                    </a:p>
+                  </a:txBody>
+                  <a:tcPr anchor="ctr" anchorCtr="1"/>
+                </a:tc>
+              </a:tr>
+              <a:tr h="476250">
+                <a:tc>
+                  <a:txBody>
+                    <a:bodyPr/>
+                    <a:p>
+                      <a:pPr algn="ctr">
+                        <a:buNone/>
+                      </a:pPr>
+                      <a:r>
+                        <a:rPr lang="en-US" altLang="zh-CN" sz="1800">
+                          <a:sym typeface="+mn-ea"/>
+                        </a:rPr>
+                        <a:t>Ensemble</a:t>
+                      </a:r>
+                      <a:r>
+                        <a:rPr lang="en-US" altLang="zh-CN" sz="1800">
+                          <a:sym typeface="+mn-ea"/>
+                        </a:rPr>
+                        <a:t>_single</a:t>
+                      </a:r>
+                      <a:endParaRPr lang="zh-CN" altLang="en-US"/>
+                    </a:p>
+                  </a:txBody>
+                  <a:tcPr anchor="ctr" anchorCtr="1"/>
+                </a:tc>
+                <a:tc>
+                  <a:txBody>
+                    <a:bodyPr/>
+                    <a:p>
+                      <a:pPr algn="ctr">
+                        <a:buNone/>
+                      </a:pPr>
+                      <a:r>
+                        <a:rPr lang="en-US" altLang="zh-CN">
+                          <a:solidFill>
+                            <a:srgbClr val="FF0000"/>
+                          </a:solidFill>
+                        </a:rPr>
+                        <a:t>3.93</a:t>
+                      </a:r>
+                      <a:endParaRPr lang="en-US" altLang="zh-CN">
+                        <a:solidFill>
+                          <a:srgbClr val="FF0000"/>
+                        </a:solidFill>
+                      </a:endParaRPr>
+                    </a:p>
+                  </a:txBody>
+                  <a:tcPr anchor="ctr" anchorCtr="1"/>
+                </a:tc>
+                <a:tc>
+                  <a:txBody>
+                    <a:bodyPr/>
+                    <a:p>
+                      <a:pPr algn="ctr">
+                        <a:buNone/>
+                      </a:pPr>
+                      <a:r>
+                        <a:rPr lang="en-US" altLang="zh-CN"/>
+                        <a:t>0.70</a:t>
+                      </a:r>
+                      <a:endParaRPr lang="en-US" altLang="zh-CN"/>
+                    </a:p>
+                  </a:txBody>
+                  <a:tcPr anchor="ctr" anchorCtr="1"/>
+                </a:tc>
+                <a:tc>
+                  <a:txBody>
+                    <a:bodyPr/>
+                    <a:p>
+                      <a:pPr algn="ctr">
+                        <a:buNone/>
+                      </a:pPr>
+                      <a:r>
+                        <a:rPr lang="en-US" altLang="zh-CN">
+                          <a:solidFill>
+                            <a:srgbClr val="FF0000"/>
+                          </a:solidFill>
+                        </a:rPr>
+                        <a:t>2.23</a:t>
+                      </a:r>
+                      <a:endParaRPr lang="en-US" altLang="zh-CN">
+                        <a:solidFill>
+                          <a:srgbClr val="FF0000"/>
+                        </a:solidFill>
+                      </a:endParaRPr>
+                    </a:p>
+                  </a:txBody>
+                  <a:tcPr anchor="ctr" anchorCtr="1"/>
+                </a:tc>
+                <a:tc>
+                  <a:txBody>
+                    <a:bodyPr/>
+                    <a:p>
+                      <a:pPr algn="ctr">
+                        <a:buNone/>
+                      </a:pPr>
+                      <a:r>
+                        <a:rPr lang="en-US" altLang="zh-CN">
+                          <a:solidFill>
+                            <a:srgbClr val="FF0000"/>
+                          </a:solidFill>
+                        </a:rPr>
+                        <a:t>5.43</a:t>
+                      </a:r>
+                      <a:endParaRPr lang="en-US" altLang="zh-CN">
+                        <a:solidFill>
+                          <a:srgbClr val="FF0000"/>
+                        </a:solidFill>
+                      </a:endParaRPr>
+                    </a:p>
+                  </a:txBody>
+                  <a:tcPr anchor="ctr" anchorCtr="1"/>
+                </a:tc>
+              </a:tr>
+              <a:tr h="476250">
+                <a:tc>
+                  <a:txBody>
+                    <a:bodyPr/>
+                    <a:p>
+                      <a:pPr algn="ctr">
+                        <a:buNone/>
+                      </a:pPr>
+                      <a:r>
+                        <a:rPr lang="en-US" altLang="zh-CN" sz="1800">
+                          <a:sym typeface="+mn-ea"/>
+                        </a:rPr>
+                        <a:t>SVR_multi_runs</a:t>
+                      </a:r>
+                      <a:endParaRPr lang="zh-CN" altLang="en-US"/>
+                    </a:p>
+                  </a:txBody>
+                  <a:tcPr anchor="ctr" anchorCtr="1"/>
+                </a:tc>
+                <a:tc>
+                  <a:txBody>
+                    <a:bodyPr/>
+                    <a:p>
+                      <a:pPr algn="ctr">
+                        <a:buNone/>
+                      </a:pPr>
+                      <a:r>
+                        <a:rPr lang="en-US" altLang="zh-CN"/>
+                        <a:t>4.31</a:t>
+                      </a:r>
+                      <a:endParaRPr lang="en-US" altLang="zh-CN"/>
+                    </a:p>
+                  </a:txBody>
+                  <a:tcPr anchor="ctr" anchorCtr="1"/>
+                </a:tc>
+                <a:tc>
+                  <a:txBody>
+                    <a:bodyPr/>
+                    <a:p>
+                      <a:pPr algn="ctr">
+                        <a:buNone/>
+                      </a:pPr>
+                      <a:r>
+                        <a:rPr lang="en-US" altLang="zh-CN">
+                          <a:solidFill>
+                            <a:schemeClr val="tx1"/>
+                          </a:solidFill>
+                        </a:rPr>
+                        <a:t>0.64</a:t>
+                      </a:r>
+                      <a:endParaRPr lang="en-US" altLang="zh-CN">
+                        <a:solidFill>
+                          <a:schemeClr val="tx1"/>
+                        </a:solidFill>
+                      </a:endParaRPr>
+                    </a:p>
+                  </a:txBody>
+                  <a:tcPr anchor="ctr" anchorCtr="1"/>
+                </a:tc>
+                <a:tc>
+                  <a:txBody>
+                    <a:bodyPr/>
+                    <a:p>
+                      <a:pPr algn="ctr">
+                        <a:buNone/>
+                      </a:pPr>
+                      <a:r>
+                        <a:rPr lang="en-US" altLang="zh-CN"/>
+                        <a:t>2.86</a:t>
+                      </a:r>
+                      <a:endParaRPr lang="en-US" altLang="zh-CN"/>
+                    </a:p>
+                  </a:txBody>
+                  <a:tcPr anchor="ctr" anchorCtr="1"/>
+                </a:tc>
+                <a:tc>
+                  <a:txBody>
+                    <a:bodyPr/>
+                    <a:p>
+                      <a:pPr algn="ctr">
+                        <a:buNone/>
+                      </a:pPr>
+                      <a:r>
+                        <a:rPr lang="en-US" altLang="zh-CN"/>
+                        <a:t>5.53</a:t>
+                      </a:r>
+                      <a:endParaRPr lang="en-US" altLang="zh-CN"/>
+                    </a:p>
+                  </a:txBody>
+                  <a:tcPr anchor="ctr" anchorCtr="1"/>
+                </a:tc>
+              </a:tr>
+              <a:tr h="476250">
+                <a:tc>
+                  <a:txBody>
+                    <a:bodyPr/>
+                    <a:p>
+                      <a:pPr algn="ctr">
+                        <a:buNone/>
+                      </a:pPr>
+                      <a:r>
+                        <a:rPr lang="en-US" altLang="zh-CN" sz="1800">
+                          <a:sym typeface="+mn-ea"/>
+                        </a:rPr>
+                        <a:t>XGBoost_</a:t>
+                      </a:r>
+                      <a:r>
+                        <a:rPr lang="en-US" altLang="zh-CN" sz="1800">
+                          <a:sym typeface="+mn-ea"/>
+                        </a:rPr>
+                        <a:t>multi_runs</a:t>
+                      </a:r>
+                      <a:endParaRPr lang="zh-CN" altLang="en-US"/>
+                    </a:p>
+                  </a:txBody>
+                  <a:tcPr anchor="ctr" anchorCtr="1"/>
+                </a:tc>
+                <a:tc>
+                  <a:txBody>
+                    <a:bodyPr/>
+                    <a:p>
+                      <a:pPr algn="ctr">
+                        <a:buNone/>
+                      </a:pPr>
+                      <a:r>
+                        <a:rPr lang="en-US" altLang="zh-CN"/>
+                        <a:t>4.14</a:t>
+                      </a:r>
+                      <a:endParaRPr lang="en-US" altLang="zh-CN"/>
+                    </a:p>
+                  </a:txBody>
+                  <a:tcPr anchor="ctr" anchorCtr="1"/>
+                </a:tc>
+                <a:tc>
+                  <a:txBody>
+                    <a:bodyPr/>
+                    <a:p>
+                      <a:pPr algn="ctr">
+                        <a:buNone/>
+                      </a:pPr>
+                      <a:r>
+                        <a:rPr lang="en-US" altLang="zh-CN">
+                          <a:solidFill>
+                            <a:schemeClr val="tx1"/>
+                          </a:solidFill>
+                        </a:rPr>
+                        <a:t>0.64</a:t>
+                      </a:r>
+                      <a:endParaRPr lang="en-US" altLang="zh-CN">
+                        <a:solidFill>
+                          <a:schemeClr val="tx1"/>
+                        </a:solidFill>
+                      </a:endParaRPr>
+                    </a:p>
+                  </a:txBody>
+                  <a:tcPr anchor="ctr" anchorCtr="1"/>
+                </a:tc>
+                <a:tc>
+                  <a:txBody>
+                    <a:bodyPr/>
+                    <a:p>
+                      <a:pPr algn="ctr">
+                        <a:buNone/>
+                      </a:pPr>
+                      <a:r>
+                        <a:rPr lang="en-US" altLang="zh-CN"/>
+                        <a:t>2.76</a:t>
+                      </a:r>
+                      <a:endParaRPr lang="en-US" altLang="zh-CN"/>
+                    </a:p>
+                  </a:txBody>
+                  <a:tcPr anchor="ctr" anchorCtr="1"/>
+                </a:tc>
+                <a:tc>
+                  <a:txBody>
+                    <a:bodyPr/>
+                    <a:p>
+                      <a:pPr algn="ctr">
+                        <a:buNone/>
+                      </a:pPr>
+                      <a:r>
+                        <a:rPr lang="en-US" altLang="zh-CN"/>
+                        <a:t>5.56</a:t>
+                      </a:r>
+                      <a:endParaRPr lang="en-US" altLang="zh-CN"/>
+                    </a:p>
+                  </a:txBody>
+                  <a:tcPr anchor="ctr" anchorCtr="1"/>
+                </a:tc>
+              </a:tr>
+              <a:tr h="476250">
+                <a:tc>
+                  <a:txBody>
+                    <a:bodyPr/>
+                    <a:p>
+                      <a:pPr algn="ctr">
+                        <a:buNone/>
+                      </a:pPr>
+                      <a:r>
+                        <a:rPr lang="en-US" altLang="zh-CN" sz="1800">
+                          <a:sym typeface="+mn-ea"/>
+                        </a:rPr>
+                        <a:t>Stacking_multi_runs</a:t>
+                      </a:r>
+                      <a:endParaRPr lang="en-US" altLang="zh-CN"/>
+                    </a:p>
+                  </a:txBody>
+                  <a:tcPr anchor="ctr" anchorCtr="1"/>
+                </a:tc>
+                <a:tc>
+                  <a:txBody>
+                    <a:bodyPr/>
+                    <a:p>
+                      <a:pPr algn="ctr">
+                        <a:buNone/>
+                      </a:pPr>
+                      <a:r>
+                        <a:rPr lang="en-US" altLang="zh-CN">
+                          <a:solidFill>
+                            <a:schemeClr val="tx1"/>
+                          </a:solidFill>
+                        </a:rPr>
+                        <a:t>3.75</a:t>
+                      </a:r>
+                      <a:endParaRPr lang="en-US" altLang="zh-CN">
+                        <a:solidFill>
+                          <a:schemeClr val="tx1"/>
+                        </a:solidFill>
+                      </a:endParaRPr>
+                    </a:p>
+                  </a:txBody>
+                  <a:tcPr anchor="ctr" anchorCtr="1"/>
+                </a:tc>
+                <a:tc>
+                  <a:txBody>
+                    <a:bodyPr/>
+                    <a:p>
+                      <a:pPr algn="ctr">
+                        <a:buNone/>
+                      </a:pPr>
+                      <a:r>
+                        <a:rPr lang="en-US" altLang="zh-CN">
+                          <a:solidFill>
+                            <a:schemeClr val="tx1"/>
+                          </a:solidFill>
+                        </a:rPr>
+                        <a:t>0.79</a:t>
+                      </a:r>
+                      <a:endParaRPr lang="en-US" altLang="zh-CN">
+                        <a:solidFill>
+                          <a:schemeClr val="tx1"/>
+                        </a:solidFill>
+                      </a:endParaRPr>
+                    </a:p>
+                  </a:txBody>
+                  <a:tcPr anchor="ctr" anchorCtr="1"/>
+                </a:tc>
+                <a:tc>
+                  <a:txBody>
+                    <a:bodyPr/>
+                    <a:p>
+                      <a:pPr algn="ctr">
+                        <a:buNone/>
+                      </a:pPr>
+                      <a:r>
+                        <a:rPr lang="en-US" altLang="zh-CN">
+                          <a:solidFill>
+                            <a:schemeClr val="tx1"/>
+                          </a:solidFill>
+                        </a:rPr>
+                        <a:t>2.51</a:t>
+                      </a:r>
+                      <a:endParaRPr lang="en-US" altLang="zh-CN">
+                        <a:solidFill>
+                          <a:schemeClr val="tx1"/>
+                        </a:solidFill>
+                      </a:endParaRPr>
+                    </a:p>
+                  </a:txBody>
+                  <a:tcPr anchor="ctr" anchorCtr="1"/>
+                </a:tc>
+                <a:tc>
+                  <a:txBody>
+                    <a:bodyPr/>
+                    <a:p>
+                      <a:pPr algn="ctr">
+                        <a:buNone/>
+                      </a:pPr>
+                      <a:r>
+                        <a:rPr lang="en-US" altLang="zh-CN">
+                          <a:solidFill>
+                            <a:schemeClr val="tx1"/>
+                          </a:solidFill>
+                        </a:rPr>
+                        <a:t>5.77</a:t>
+                      </a:r>
+                      <a:endParaRPr lang="en-US" altLang="zh-CN">
+                        <a:solidFill>
+                          <a:schemeClr val="tx1"/>
+                        </a:solidFill>
+                      </a:endParaRPr>
+                    </a:p>
+                  </a:txBody>
+                  <a:tcPr anchor="ctr" anchorCtr="1"/>
+                </a:tc>
+              </a:tr>
+              <a:tr h="476250">
+                <a:tc>
+                  <a:txBody>
+                    <a:bodyPr/>
+                    <a:p>
+                      <a:pPr algn="ctr">
+                        <a:buNone/>
+                      </a:pPr>
+                      <a:r>
+                        <a:rPr lang="en-US" altLang="zh-CN" sz="1800">
+                          <a:sym typeface="+mn-ea"/>
+                        </a:rPr>
+                        <a:t>Ensemble_multi_runs</a:t>
+                      </a:r>
+                      <a:endParaRPr lang="en-US" altLang="zh-CN"/>
+                    </a:p>
+                  </a:txBody>
+                  <a:tcPr anchor="ctr" anchorCtr="1"/>
+                </a:tc>
+                <a:tc>
+                  <a:txBody>
+                    <a:bodyPr/>
+                    <a:p>
+                      <a:pPr algn="ctr">
+                        <a:buNone/>
+                      </a:pPr>
+                      <a:r>
+                        <a:rPr lang="en-US" altLang="zh-CN">
+                          <a:solidFill>
+                            <a:srgbClr val="FF0000"/>
+                          </a:solidFill>
+                        </a:rPr>
+                        <a:t>3.69</a:t>
+                      </a:r>
+                      <a:endParaRPr lang="en-US" altLang="zh-CN">
+                        <a:solidFill>
+                          <a:srgbClr val="FF0000"/>
+                        </a:solidFill>
+                      </a:endParaRPr>
+                    </a:p>
+                  </a:txBody>
+                  <a:tcPr anchor="ctr" anchorCtr="1"/>
+                </a:tc>
+                <a:tc>
+                  <a:txBody>
+                    <a:bodyPr/>
+                    <a:p>
+                      <a:pPr algn="ctr">
+                        <a:buNone/>
+                      </a:pPr>
+                      <a:r>
+                        <a:rPr lang="en-US" altLang="zh-CN">
+                          <a:solidFill>
+                            <a:schemeClr val="tx1"/>
+                          </a:solidFill>
+                        </a:rPr>
+                        <a:t>0.67</a:t>
+                      </a:r>
+                      <a:endParaRPr lang="en-US" altLang="zh-CN">
+                        <a:solidFill>
+                          <a:schemeClr val="tx1"/>
+                        </a:solidFill>
+                      </a:endParaRPr>
+                    </a:p>
+                  </a:txBody>
+                  <a:tcPr anchor="ctr" anchorCtr="1"/>
+                </a:tc>
+                <a:tc>
+                  <a:txBody>
+                    <a:bodyPr/>
+                    <a:p>
+                      <a:pPr algn="ctr">
+                        <a:buNone/>
+                      </a:pPr>
+                      <a:r>
+                        <a:rPr lang="en-US" altLang="zh-CN">
+                          <a:solidFill>
+                            <a:srgbClr val="FF0000"/>
+                          </a:solidFill>
+                        </a:rPr>
+                        <a:t>2.46</a:t>
+                      </a:r>
+                      <a:endParaRPr lang="en-US" altLang="zh-CN">
+                        <a:solidFill>
+                          <a:srgbClr val="FF0000"/>
+                        </a:solidFill>
+                      </a:endParaRPr>
+                    </a:p>
+                  </a:txBody>
+                  <a:tcPr anchor="ctr" anchorCtr="1"/>
+                </a:tc>
+                <a:tc>
+                  <a:txBody>
+                    <a:bodyPr/>
+                    <a:p>
+                      <a:pPr algn="ctr">
+                        <a:buNone/>
+                      </a:pPr>
+                      <a:r>
+                        <a:rPr lang="en-US" altLang="zh-CN">
+                          <a:solidFill>
+                            <a:srgbClr val="FF0000"/>
+                          </a:solidFill>
+                        </a:rPr>
+                        <a:t>4.92</a:t>
+                      </a:r>
+                      <a:endParaRPr lang="en-US" altLang="zh-CN">
+                        <a:solidFill>
+                          <a:srgbClr val="FF0000"/>
+                        </a:solidFill>
+                      </a:endParaRPr>
+                    </a:p>
+                  </a:txBody>
+                  <a:tcPr anchor="ctr" anchorCtr="1"/>
+                </a:tc>
+              </a:tr>
+            </a:tbl>
+          </a:graphicData>
+        </a:graphic>
+      </p:graphicFrame>
     </p:spTree>
   </p:cSld>
   <p:clrMapOvr>
@@ -6286,7 +7169,9 @@
 
 <file path=ppt/tags/tag2.xml><?xml version="1.0" encoding="utf-8"?>
 <p:tagLst xmlns:p="http://schemas.openxmlformats.org/presentationml/2006/main">
-  <p:tag name="KSO_WM_UNIT_TABLE_BEAUTIFY" val="smartTable{5d865ecf-558b-4fe8-a9ef-bfbe3a09a7e0}"/>
+  <p:tag name="KSO_WM_UNIT_TABLE_BEAUTIFY" val="smartTable{5dd4f8f7-80b8-4fa7-8a89-99edd8132bf7}"/>
+  <p:tag name="TABLE_ENDDRAG_ORIGIN_RECT" val="816*262"/>
+  <p:tag name="TABLE_ENDDRAG_RECT" val="87*126*816*262"/>
 </p:tagLst>
 </file>
 

--- a/summary.pptx
+++ b/summary.pptx
@@ -19,6 +19,9 @@
     <p:sldId id="312" r:id="rId12"/>
     <p:sldId id="314" r:id="rId13"/>
     <p:sldId id="315" r:id="rId14"/>
+    <p:sldId id="316" r:id="rId15"/>
+    <p:sldId id="317" r:id="rId16"/>
+    <p:sldId id="318" r:id="rId17"/>
   </p:sldIdLst>
   <p:sldSz cx="12192000" cy="6858000"/>
   <p:notesSz cx="7103745" cy="10234295"/>
@@ -3549,7 +3552,7 @@
               <a:rPr lang="en-US" altLang="zh-CN" sz="2000">
                 <a:sym typeface="+mn-ea"/>
               </a:rPr>
-              <a:t>2. Dataset shape: (123, 152, 191, 161)</a:t>
+              <a:t>2. Dataset shape: (123, 153, 192, 161)</a:t>
             </a:r>
             <a:endParaRPr lang="en-US" altLang="zh-CN" sz="2000"/>
           </a:p>
@@ -3624,6 +3627,1096 @@
                 <a:schemeClr val="tx1"/>
               </a:solidFill>
             </a:endParaRPr>
+          </a:p>
+        </p:txBody>
+      </p:sp>
+    </p:spTree>
+  </p:cSld>
+  <p:clrMapOvr>
+    <a:masterClrMapping/>
+  </p:clrMapOvr>
+</p:sld>
+</file>
+
+<file path=ppt/slides/slide12.xml><?xml version="1.0" encoding="utf-8"?>
+<p:sld xmlns:a="http://schemas.openxmlformats.org/drawingml/2006/main" xmlns:r="http://schemas.openxmlformats.org/officeDocument/2006/relationships" xmlns:p="http://schemas.openxmlformats.org/presentationml/2006/main">
+  <p:cSld>
+    <p:spTree>
+      <p:nvGrpSpPr>
+        <p:cNvPr id="1" name=""/>
+        <p:cNvGrpSpPr/>
+        <p:nvPr/>
+      </p:nvGrpSpPr>
+      <p:grpSpPr/>
+      <p:sp>
+        <p:nvSpPr>
+          <p:cNvPr id="6" name="文本框 5"/>
+          <p:cNvSpPr txBox="1"/>
+          <p:nvPr/>
+        </p:nvSpPr>
+        <p:spPr>
+          <a:xfrm>
+            <a:off x="433705" y="429895"/>
+            <a:ext cx="8645525" cy="583565"/>
+          </a:xfrm>
+          <a:prstGeom prst="rect">
+            <a:avLst/>
+          </a:prstGeom>
+          <a:noFill/>
+        </p:spPr>
+        <p:txBody>
+          <a:bodyPr wrap="square" rtlCol="0">
+            <a:spAutoFit/>
+          </a:bodyPr>
+          <a:p>
+            <a:r>
+              <a:rPr lang="en-US" altLang="zh-CN" sz="3200"/>
+              <a:t>Result Summary </a:t>
+            </a:r>
+            <a:endParaRPr lang="en-US" altLang="zh-CN" sz="3200"/>
+          </a:p>
+        </p:txBody>
+      </p:sp>
+      <p:graphicFrame>
+        <p:nvGraphicFramePr>
+          <p:cNvPr id="4" name="表格 3"/>
+          <p:cNvGraphicFramePr/>
+          <p:nvPr>
+            <p:custDataLst>
+              <p:tags r:id="rId1"/>
+            </p:custDataLst>
+          </p:nvPr>
+        </p:nvGraphicFramePr>
+        <p:xfrm>
+          <a:off x="1428750" y="1203960"/>
+          <a:ext cx="8194040" cy="4450080"/>
+        </p:xfrm>
+        <a:graphic>
+          <a:graphicData uri="http://schemas.openxmlformats.org/drawingml/2006/table">
+            <a:tbl>
+              <a:tblPr firstRow="1" bandRow="1">
+                <a:tableStyleId>{5C22544A-7EE6-4342-B048-85BDC9FD1C3A}</a:tableStyleId>
+              </a:tblPr>
+              <a:tblGrid>
+                <a:gridCol w="2921635"/>
+                <a:gridCol w="1293495"/>
+                <a:gridCol w="1326515"/>
+                <a:gridCol w="1326515"/>
+                <a:gridCol w="1325880"/>
+              </a:tblGrid>
+              <a:tr h="640080">
+                <a:tc>
+                  <a:txBody>
+                    <a:bodyPr/>
+                    <a:p>
+                      <a:pPr algn="ctr">
+                        <a:buNone/>
+                      </a:pPr>
+                      <a:r>
+                        <a:rPr lang="en-US" altLang="zh-CN"/>
+                        <a:t>Mean Absolute Error</a:t>
+                      </a:r>
+                      <a:endParaRPr lang="en-US" altLang="zh-CN"/>
+                    </a:p>
+                    <a:p>
+                      <a:pPr algn="ctr">
+                        <a:buNone/>
+                      </a:pPr>
+                      <a:r>
+                        <a:rPr lang="en-US" altLang="zh-CN"/>
+                        <a:t>(20 random states)</a:t>
+                      </a:r>
+                      <a:endParaRPr lang="en-US" altLang="zh-CN"/>
+                    </a:p>
+                  </a:txBody>
+                  <a:tcPr anchor="ctr" anchorCtr="1"/>
+                </a:tc>
+                <a:tc>
+                  <a:txBody>
+                    <a:bodyPr/>
+                    <a:p>
+                      <a:pPr algn="ctr">
+                        <a:buNone/>
+                      </a:pPr>
+                      <a:r>
+                        <a:rPr lang="en-US" altLang="zh-CN"/>
+                        <a:t>Mean</a:t>
+                      </a:r>
+                      <a:endParaRPr lang="en-US" altLang="zh-CN"/>
+                    </a:p>
+                  </a:txBody>
+                  <a:tcPr anchor="ctr" anchorCtr="1"/>
+                </a:tc>
+                <a:tc>
+                  <a:txBody>
+                    <a:bodyPr/>
+                    <a:p>
+                      <a:pPr algn="ctr">
+                        <a:buNone/>
+                      </a:pPr>
+                      <a:r>
+                        <a:rPr lang="en-US" altLang="zh-CN"/>
+                        <a:t>Std</a:t>
+                      </a:r>
+                      <a:endParaRPr lang="en-US" altLang="zh-CN"/>
+                    </a:p>
+                  </a:txBody>
+                  <a:tcPr anchor="ctr" anchorCtr="1"/>
+                </a:tc>
+                <a:tc>
+                  <a:txBody>
+                    <a:bodyPr/>
+                    <a:p>
+                      <a:pPr algn="ctr">
+                        <a:buNone/>
+                      </a:pPr>
+                      <a:r>
+                        <a:rPr lang="en-US" altLang="zh-CN" sz="1800">
+                          <a:sym typeface="+mn-ea"/>
+                        </a:rPr>
+                        <a:t>Min</a:t>
+                      </a:r>
+                      <a:endParaRPr lang="en-US" altLang="zh-CN"/>
+                    </a:p>
+                  </a:txBody>
+                  <a:tcPr anchor="ctr" anchorCtr="1"/>
+                </a:tc>
+                <a:tc>
+                  <a:txBody>
+                    <a:bodyPr/>
+                    <a:p>
+                      <a:pPr algn="ctr">
+                        <a:buNone/>
+                      </a:pPr>
+                      <a:r>
+                        <a:rPr lang="en-US" altLang="zh-CN" sz="1800">
+                          <a:sym typeface="+mn-ea"/>
+                        </a:rPr>
+                        <a:t>Max</a:t>
+                      </a:r>
+                      <a:endParaRPr lang="en-US" altLang="zh-CN"/>
+                    </a:p>
+                  </a:txBody>
+                  <a:tcPr anchor="ctr" anchorCtr="1"/>
+                </a:tc>
+              </a:tr>
+              <a:tr h="476250">
+                <a:tc>
+                  <a:txBody>
+                    <a:bodyPr/>
+                    <a:p>
+                      <a:pPr algn="ctr">
+                        <a:buNone/>
+                      </a:pPr>
+                      <a:r>
+                        <a:rPr lang="en-US" altLang="zh-CN"/>
+                        <a:t>SVR_single</a:t>
+                      </a:r>
+                      <a:endParaRPr lang="en-US" altLang="zh-CN"/>
+                    </a:p>
+                  </a:txBody>
+                  <a:tcPr anchor="ctr" anchorCtr="1"/>
+                </a:tc>
+                <a:tc>
+                  <a:txBody>
+                    <a:bodyPr/>
+                    <a:p>
+                      <a:pPr algn="ctr">
+                        <a:buNone/>
+                      </a:pPr>
+                      <a:r>
+                        <a:rPr lang="en-US" altLang="zh-CN"/>
+                        <a:t>4.52</a:t>
+                      </a:r>
+                      <a:endParaRPr lang="en-US" altLang="zh-CN"/>
+                    </a:p>
+                  </a:txBody>
+                  <a:tcPr anchor="ctr" anchorCtr="1"/>
+                </a:tc>
+                <a:tc>
+                  <a:txBody>
+                    <a:bodyPr/>
+                    <a:p>
+                      <a:pPr algn="ctr">
+                        <a:buNone/>
+                      </a:pPr>
+                      <a:r>
+                        <a:rPr lang="en-US" altLang="zh-CN"/>
+                        <a:t>0.71</a:t>
+                      </a:r>
+                      <a:endParaRPr lang="en-US" altLang="zh-CN"/>
+                    </a:p>
+                  </a:txBody>
+                  <a:tcPr anchor="ctr" anchorCtr="1"/>
+                </a:tc>
+                <a:tc>
+                  <a:txBody>
+                    <a:bodyPr/>
+                    <a:p>
+                      <a:pPr algn="ctr">
+                        <a:buNone/>
+                      </a:pPr>
+                      <a:r>
+                        <a:rPr lang="en-US" altLang="zh-CN">
+                          <a:solidFill>
+                            <a:schemeClr val="tx1"/>
+                          </a:solidFill>
+                        </a:rPr>
+                        <a:t>2.33</a:t>
+                      </a:r>
+                      <a:endParaRPr lang="en-US" altLang="zh-CN">
+                        <a:solidFill>
+                          <a:schemeClr val="tx1"/>
+                        </a:solidFill>
+                      </a:endParaRPr>
+                    </a:p>
+                  </a:txBody>
+                  <a:tcPr anchor="ctr" anchorCtr="1"/>
+                </a:tc>
+                <a:tc>
+                  <a:txBody>
+                    <a:bodyPr/>
+                    <a:p>
+                      <a:pPr algn="ctr">
+                        <a:buNone/>
+                      </a:pPr>
+                      <a:r>
+                        <a:rPr lang="en-US" altLang="zh-CN"/>
+                        <a:t>5.93</a:t>
+                      </a:r>
+                      <a:endParaRPr lang="en-US" altLang="zh-CN"/>
+                    </a:p>
+                  </a:txBody>
+                  <a:tcPr anchor="ctr" anchorCtr="1"/>
+                </a:tc>
+              </a:tr>
+              <a:tr h="476250">
+                <a:tc>
+                  <a:txBody>
+                    <a:bodyPr/>
+                    <a:p>
+                      <a:pPr algn="ctr">
+                        <a:buNone/>
+                      </a:pPr>
+                      <a:r>
+                        <a:rPr lang="en-US" altLang="zh-CN" sz="1800">
+                          <a:sym typeface="+mn-ea"/>
+                        </a:rPr>
+                        <a:t>XGBoost</a:t>
+                      </a:r>
+                      <a:r>
+                        <a:rPr lang="en-US" altLang="zh-CN" sz="1800">
+                          <a:sym typeface="+mn-ea"/>
+                        </a:rPr>
+                        <a:t>_single</a:t>
+                      </a:r>
+                      <a:endParaRPr lang="zh-CN" altLang="en-US"/>
+                    </a:p>
+                  </a:txBody>
+                  <a:tcPr anchor="ctr" anchorCtr="1"/>
+                </a:tc>
+                <a:tc>
+                  <a:txBody>
+                    <a:bodyPr/>
+                    <a:p>
+                      <a:pPr algn="ctr">
+                        <a:buNone/>
+                      </a:pPr>
+                      <a:r>
+                        <a:rPr lang="en-US" altLang="zh-CN"/>
+                        <a:t>4.72</a:t>
+                      </a:r>
+                      <a:endParaRPr lang="en-US" altLang="zh-CN"/>
+                    </a:p>
+                  </a:txBody>
+                  <a:tcPr anchor="ctr" anchorCtr="1"/>
+                </a:tc>
+                <a:tc>
+                  <a:txBody>
+                    <a:bodyPr/>
+                    <a:p>
+                      <a:pPr algn="ctr">
+                        <a:buNone/>
+                      </a:pPr>
+                      <a:r>
+                        <a:rPr lang="en-US" altLang="zh-CN"/>
+                        <a:t>0.84</a:t>
+                      </a:r>
+                      <a:endParaRPr lang="en-US" altLang="zh-CN"/>
+                    </a:p>
+                  </a:txBody>
+                  <a:tcPr anchor="ctr" anchorCtr="1"/>
+                </a:tc>
+                <a:tc>
+                  <a:txBody>
+                    <a:bodyPr/>
+                    <a:p>
+                      <a:pPr algn="ctr">
+                        <a:buNone/>
+                      </a:pPr>
+                      <a:r>
+                        <a:rPr lang="en-US" altLang="zh-CN">
+                          <a:solidFill>
+                            <a:schemeClr val="tx1"/>
+                          </a:solidFill>
+                        </a:rPr>
+                        <a:t>2.68</a:t>
+                      </a:r>
+                      <a:endParaRPr lang="en-US" altLang="zh-CN">
+                        <a:solidFill>
+                          <a:schemeClr val="tx1"/>
+                        </a:solidFill>
+                      </a:endParaRPr>
+                    </a:p>
+                  </a:txBody>
+                  <a:tcPr anchor="ctr" anchorCtr="1"/>
+                </a:tc>
+                <a:tc>
+                  <a:txBody>
+                    <a:bodyPr/>
+                    <a:p>
+                      <a:pPr algn="ctr">
+                        <a:buNone/>
+                      </a:pPr>
+                      <a:r>
+                        <a:rPr lang="en-US" altLang="zh-CN"/>
+                        <a:t>6.73</a:t>
+                      </a:r>
+                      <a:endParaRPr lang="en-US" altLang="zh-CN"/>
+                    </a:p>
+                  </a:txBody>
+                  <a:tcPr anchor="ctr" anchorCtr="1"/>
+                </a:tc>
+              </a:tr>
+              <a:tr h="476250">
+                <a:tc>
+                  <a:txBody>
+                    <a:bodyPr/>
+                    <a:p>
+                      <a:pPr algn="ctr">
+                        <a:buNone/>
+                      </a:pPr>
+                      <a:r>
+                        <a:rPr lang="en-US" altLang="zh-CN" sz="1800">
+                          <a:sym typeface="+mn-ea"/>
+                        </a:rPr>
+                        <a:t>Stacking</a:t>
+                      </a:r>
+                      <a:r>
+                        <a:rPr lang="en-US" altLang="zh-CN" sz="1800">
+                          <a:sym typeface="+mn-ea"/>
+                        </a:rPr>
+                        <a:t>_single</a:t>
+                      </a:r>
+                      <a:endParaRPr lang="zh-CN" altLang="en-US"/>
+                    </a:p>
+                  </a:txBody>
+                  <a:tcPr anchor="ctr" anchorCtr="1"/>
+                </a:tc>
+                <a:tc>
+                  <a:txBody>
+                    <a:bodyPr/>
+                    <a:p>
+                      <a:pPr algn="ctr">
+                        <a:buNone/>
+                      </a:pPr>
+                      <a:r>
+                        <a:rPr lang="en-US" altLang="zh-CN">
+                          <a:solidFill>
+                            <a:schemeClr val="tx1"/>
+                          </a:solidFill>
+                        </a:rPr>
+                        <a:t>4.75</a:t>
+                      </a:r>
+                      <a:endParaRPr lang="en-US" altLang="zh-CN">
+                        <a:solidFill>
+                          <a:schemeClr val="tx1"/>
+                        </a:solidFill>
+                      </a:endParaRPr>
+                    </a:p>
+                  </a:txBody>
+                  <a:tcPr anchor="ctr" anchorCtr="1"/>
+                </a:tc>
+                <a:tc>
+                  <a:txBody>
+                    <a:bodyPr/>
+                    <a:p>
+                      <a:pPr algn="ctr">
+                        <a:buNone/>
+                      </a:pPr>
+                      <a:r>
+                        <a:rPr lang="en-US" altLang="zh-CN"/>
+                        <a:t>0.89</a:t>
+                      </a:r>
+                      <a:endParaRPr lang="en-US" altLang="zh-CN"/>
+                    </a:p>
+                  </a:txBody>
+                  <a:tcPr anchor="ctr" anchorCtr="1"/>
+                </a:tc>
+                <a:tc>
+                  <a:txBody>
+                    <a:bodyPr/>
+                    <a:p>
+                      <a:pPr algn="ctr">
+                        <a:buNone/>
+                      </a:pPr>
+                      <a:r>
+                        <a:rPr lang="en-US" altLang="zh-CN"/>
+                        <a:t>3.23</a:t>
+                      </a:r>
+                      <a:endParaRPr lang="en-US" altLang="zh-CN"/>
+                    </a:p>
+                  </a:txBody>
+                  <a:tcPr anchor="ctr" anchorCtr="1"/>
+                </a:tc>
+                <a:tc>
+                  <a:txBody>
+                    <a:bodyPr/>
+                    <a:p>
+                      <a:pPr algn="ctr">
+                        <a:buNone/>
+                      </a:pPr>
+                      <a:r>
+                        <a:rPr lang="en-US" altLang="zh-CN"/>
+                        <a:t>7.88</a:t>
+                      </a:r>
+                      <a:endParaRPr lang="en-US" altLang="zh-CN"/>
+                    </a:p>
+                  </a:txBody>
+                  <a:tcPr anchor="ctr" anchorCtr="1"/>
+                </a:tc>
+              </a:tr>
+              <a:tr h="476250">
+                <a:tc>
+                  <a:txBody>
+                    <a:bodyPr/>
+                    <a:p>
+                      <a:pPr algn="ctr">
+                        <a:buNone/>
+                      </a:pPr>
+                      <a:r>
+                        <a:rPr lang="en-US" altLang="zh-CN" sz="1800">
+                          <a:sym typeface="+mn-ea"/>
+                        </a:rPr>
+                        <a:t>Ensemble</a:t>
+                      </a:r>
+                      <a:r>
+                        <a:rPr lang="en-US" altLang="zh-CN" sz="1800">
+                          <a:sym typeface="+mn-ea"/>
+                        </a:rPr>
+                        <a:t>_single</a:t>
+                      </a:r>
+                      <a:endParaRPr lang="zh-CN" altLang="en-US"/>
+                    </a:p>
+                  </a:txBody>
+                  <a:tcPr anchor="ctr" anchorCtr="1"/>
+                </a:tc>
+                <a:tc>
+                  <a:txBody>
+                    <a:bodyPr/>
+                    <a:p>
+                      <a:pPr algn="ctr">
+                        <a:buNone/>
+                      </a:pPr>
+                      <a:r>
+                        <a:rPr lang="en-US" altLang="zh-CN">
+                          <a:solidFill>
+                            <a:srgbClr val="FF0000"/>
+                          </a:solidFill>
+                        </a:rPr>
+                        <a:t>3.93</a:t>
+                      </a:r>
+                      <a:endParaRPr lang="en-US" altLang="zh-CN">
+                        <a:solidFill>
+                          <a:srgbClr val="FF0000"/>
+                        </a:solidFill>
+                      </a:endParaRPr>
+                    </a:p>
+                  </a:txBody>
+                  <a:tcPr anchor="ctr" anchorCtr="1"/>
+                </a:tc>
+                <a:tc>
+                  <a:txBody>
+                    <a:bodyPr/>
+                    <a:p>
+                      <a:pPr algn="ctr">
+                        <a:buNone/>
+                      </a:pPr>
+                      <a:r>
+                        <a:rPr lang="en-US" altLang="zh-CN"/>
+                        <a:t>0.70</a:t>
+                      </a:r>
+                      <a:endParaRPr lang="en-US" altLang="zh-CN"/>
+                    </a:p>
+                  </a:txBody>
+                  <a:tcPr anchor="ctr" anchorCtr="1"/>
+                </a:tc>
+                <a:tc>
+                  <a:txBody>
+                    <a:bodyPr/>
+                    <a:p>
+                      <a:pPr algn="ctr">
+                        <a:buNone/>
+                      </a:pPr>
+                      <a:r>
+                        <a:rPr lang="en-US" altLang="zh-CN">
+                          <a:solidFill>
+                            <a:srgbClr val="FF0000"/>
+                          </a:solidFill>
+                        </a:rPr>
+                        <a:t>2.23</a:t>
+                      </a:r>
+                      <a:endParaRPr lang="en-US" altLang="zh-CN">
+                        <a:solidFill>
+                          <a:srgbClr val="FF0000"/>
+                        </a:solidFill>
+                      </a:endParaRPr>
+                    </a:p>
+                  </a:txBody>
+                  <a:tcPr anchor="ctr" anchorCtr="1"/>
+                </a:tc>
+                <a:tc>
+                  <a:txBody>
+                    <a:bodyPr/>
+                    <a:p>
+                      <a:pPr algn="ctr">
+                        <a:buNone/>
+                      </a:pPr>
+                      <a:r>
+                        <a:rPr lang="en-US" altLang="zh-CN">
+                          <a:solidFill>
+                            <a:srgbClr val="FF0000"/>
+                          </a:solidFill>
+                        </a:rPr>
+                        <a:t>5.43</a:t>
+                      </a:r>
+                      <a:endParaRPr lang="en-US" altLang="zh-CN">
+                        <a:solidFill>
+                          <a:srgbClr val="FF0000"/>
+                        </a:solidFill>
+                      </a:endParaRPr>
+                    </a:p>
+                  </a:txBody>
+                  <a:tcPr anchor="ctr" anchorCtr="1"/>
+                </a:tc>
+              </a:tr>
+              <a:tr h="476250">
+                <a:tc>
+                  <a:txBody>
+                    <a:bodyPr/>
+                    <a:p>
+                      <a:pPr algn="ctr">
+                        <a:buNone/>
+                      </a:pPr>
+                      <a:r>
+                        <a:rPr lang="en-US" altLang="zh-CN" sz="1800">
+                          <a:sym typeface="+mn-ea"/>
+                        </a:rPr>
+                        <a:t>SVR_multi_runs</a:t>
+                      </a:r>
+                      <a:endParaRPr lang="zh-CN" altLang="en-US"/>
+                    </a:p>
+                  </a:txBody>
+                  <a:tcPr anchor="ctr" anchorCtr="1"/>
+                </a:tc>
+                <a:tc>
+                  <a:txBody>
+                    <a:bodyPr/>
+                    <a:p>
+                      <a:pPr algn="ctr">
+                        <a:buNone/>
+                      </a:pPr>
+                      <a:r>
+                        <a:rPr lang="en-US" altLang="zh-CN"/>
+                        <a:t>4.31</a:t>
+                      </a:r>
+                      <a:endParaRPr lang="en-US" altLang="zh-CN"/>
+                    </a:p>
+                  </a:txBody>
+                  <a:tcPr anchor="ctr" anchorCtr="1"/>
+                </a:tc>
+                <a:tc>
+                  <a:txBody>
+                    <a:bodyPr/>
+                    <a:p>
+                      <a:pPr algn="ctr">
+                        <a:buNone/>
+                      </a:pPr>
+                      <a:r>
+                        <a:rPr lang="en-US" altLang="zh-CN">
+                          <a:solidFill>
+                            <a:schemeClr val="tx1"/>
+                          </a:solidFill>
+                        </a:rPr>
+                        <a:t>0.64</a:t>
+                      </a:r>
+                      <a:endParaRPr lang="en-US" altLang="zh-CN">
+                        <a:solidFill>
+                          <a:schemeClr val="tx1"/>
+                        </a:solidFill>
+                      </a:endParaRPr>
+                    </a:p>
+                  </a:txBody>
+                  <a:tcPr anchor="ctr" anchorCtr="1"/>
+                </a:tc>
+                <a:tc>
+                  <a:txBody>
+                    <a:bodyPr/>
+                    <a:p>
+                      <a:pPr algn="ctr">
+                        <a:buNone/>
+                      </a:pPr>
+                      <a:r>
+                        <a:rPr lang="en-US" altLang="zh-CN"/>
+                        <a:t>2.86</a:t>
+                      </a:r>
+                      <a:endParaRPr lang="en-US" altLang="zh-CN"/>
+                    </a:p>
+                  </a:txBody>
+                  <a:tcPr anchor="ctr" anchorCtr="1"/>
+                </a:tc>
+                <a:tc>
+                  <a:txBody>
+                    <a:bodyPr/>
+                    <a:p>
+                      <a:pPr algn="ctr">
+                        <a:buNone/>
+                      </a:pPr>
+                      <a:r>
+                        <a:rPr lang="en-US" altLang="zh-CN"/>
+                        <a:t>5.53</a:t>
+                      </a:r>
+                      <a:endParaRPr lang="en-US" altLang="zh-CN"/>
+                    </a:p>
+                  </a:txBody>
+                  <a:tcPr anchor="ctr" anchorCtr="1"/>
+                </a:tc>
+              </a:tr>
+              <a:tr h="476250">
+                <a:tc>
+                  <a:txBody>
+                    <a:bodyPr/>
+                    <a:p>
+                      <a:pPr algn="ctr">
+                        <a:buNone/>
+                      </a:pPr>
+                      <a:r>
+                        <a:rPr lang="en-US" altLang="zh-CN" sz="1800">
+                          <a:sym typeface="+mn-ea"/>
+                        </a:rPr>
+                        <a:t>XGBoost_</a:t>
+                      </a:r>
+                      <a:r>
+                        <a:rPr lang="en-US" altLang="zh-CN" sz="1800">
+                          <a:sym typeface="+mn-ea"/>
+                        </a:rPr>
+                        <a:t>multi_runs</a:t>
+                      </a:r>
+                      <a:endParaRPr lang="zh-CN" altLang="en-US"/>
+                    </a:p>
+                  </a:txBody>
+                  <a:tcPr anchor="ctr" anchorCtr="1"/>
+                </a:tc>
+                <a:tc>
+                  <a:txBody>
+                    <a:bodyPr/>
+                    <a:p>
+                      <a:pPr algn="ctr">
+                        <a:buNone/>
+                      </a:pPr>
+                      <a:r>
+                        <a:rPr lang="en-US" altLang="zh-CN"/>
+                        <a:t>4.14</a:t>
+                      </a:r>
+                      <a:endParaRPr lang="en-US" altLang="zh-CN"/>
+                    </a:p>
+                  </a:txBody>
+                  <a:tcPr anchor="ctr" anchorCtr="1"/>
+                </a:tc>
+                <a:tc>
+                  <a:txBody>
+                    <a:bodyPr/>
+                    <a:p>
+                      <a:pPr algn="ctr">
+                        <a:buNone/>
+                      </a:pPr>
+                      <a:r>
+                        <a:rPr lang="en-US" altLang="zh-CN">
+                          <a:solidFill>
+                            <a:schemeClr val="tx1"/>
+                          </a:solidFill>
+                        </a:rPr>
+                        <a:t>0.64</a:t>
+                      </a:r>
+                      <a:endParaRPr lang="en-US" altLang="zh-CN">
+                        <a:solidFill>
+                          <a:schemeClr val="tx1"/>
+                        </a:solidFill>
+                      </a:endParaRPr>
+                    </a:p>
+                  </a:txBody>
+                  <a:tcPr anchor="ctr" anchorCtr="1"/>
+                </a:tc>
+                <a:tc>
+                  <a:txBody>
+                    <a:bodyPr/>
+                    <a:p>
+                      <a:pPr algn="ctr">
+                        <a:buNone/>
+                      </a:pPr>
+                      <a:r>
+                        <a:rPr lang="en-US" altLang="zh-CN"/>
+                        <a:t>2.76</a:t>
+                      </a:r>
+                      <a:endParaRPr lang="en-US" altLang="zh-CN"/>
+                    </a:p>
+                  </a:txBody>
+                  <a:tcPr anchor="ctr" anchorCtr="1"/>
+                </a:tc>
+                <a:tc>
+                  <a:txBody>
+                    <a:bodyPr/>
+                    <a:p>
+                      <a:pPr algn="ctr">
+                        <a:buNone/>
+                      </a:pPr>
+                      <a:r>
+                        <a:rPr lang="en-US" altLang="zh-CN"/>
+                        <a:t>5.56</a:t>
+                      </a:r>
+                      <a:endParaRPr lang="en-US" altLang="zh-CN"/>
+                    </a:p>
+                  </a:txBody>
+                  <a:tcPr anchor="ctr" anchorCtr="1"/>
+                </a:tc>
+              </a:tr>
+              <a:tr h="476250">
+                <a:tc>
+                  <a:txBody>
+                    <a:bodyPr/>
+                    <a:p>
+                      <a:pPr algn="ctr">
+                        <a:buNone/>
+                      </a:pPr>
+                      <a:r>
+                        <a:rPr lang="en-US" altLang="zh-CN" sz="1800">
+                          <a:sym typeface="+mn-ea"/>
+                        </a:rPr>
+                        <a:t>Stacking_multi_runs</a:t>
+                      </a:r>
+                      <a:endParaRPr lang="en-US" altLang="zh-CN"/>
+                    </a:p>
+                  </a:txBody>
+                  <a:tcPr anchor="ctr" anchorCtr="1"/>
+                </a:tc>
+                <a:tc>
+                  <a:txBody>
+                    <a:bodyPr/>
+                    <a:p>
+                      <a:pPr algn="ctr">
+                        <a:buNone/>
+                      </a:pPr>
+                      <a:r>
+                        <a:rPr lang="en-US" altLang="zh-CN">
+                          <a:solidFill>
+                            <a:schemeClr val="tx1"/>
+                          </a:solidFill>
+                        </a:rPr>
+                        <a:t>3.75</a:t>
+                      </a:r>
+                      <a:endParaRPr lang="en-US" altLang="zh-CN">
+                        <a:solidFill>
+                          <a:schemeClr val="tx1"/>
+                        </a:solidFill>
+                      </a:endParaRPr>
+                    </a:p>
+                  </a:txBody>
+                  <a:tcPr anchor="ctr" anchorCtr="1"/>
+                </a:tc>
+                <a:tc>
+                  <a:txBody>
+                    <a:bodyPr/>
+                    <a:p>
+                      <a:pPr algn="ctr">
+                        <a:buNone/>
+                      </a:pPr>
+                      <a:r>
+                        <a:rPr lang="en-US" altLang="zh-CN">
+                          <a:solidFill>
+                            <a:schemeClr val="tx1"/>
+                          </a:solidFill>
+                        </a:rPr>
+                        <a:t>0.79</a:t>
+                      </a:r>
+                      <a:endParaRPr lang="en-US" altLang="zh-CN">
+                        <a:solidFill>
+                          <a:schemeClr val="tx1"/>
+                        </a:solidFill>
+                      </a:endParaRPr>
+                    </a:p>
+                  </a:txBody>
+                  <a:tcPr anchor="ctr" anchorCtr="1"/>
+                </a:tc>
+                <a:tc>
+                  <a:txBody>
+                    <a:bodyPr/>
+                    <a:p>
+                      <a:pPr algn="ctr">
+                        <a:buNone/>
+                      </a:pPr>
+                      <a:r>
+                        <a:rPr lang="en-US" altLang="zh-CN">
+                          <a:solidFill>
+                            <a:schemeClr val="tx1"/>
+                          </a:solidFill>
+                        </a:rPr>
+                        <a:t>2.51</a:t>
+                      </a:r>
+                      <a:endParaRPr lang="en-US" altLang="zh-CN">
+                        <a:solidFill>
+                          <a:schemeClr val="tx1"/>
+                        </a:solidFill>
+                      </a:endParaRPr>
+                    </a:p>
+                  </a:txBody>
+                  <a:tcPr anchor="ctr" anchorCtr="1"/>
+                </a:tc>
+                <a:tc>
+                  <a:txBody>
+                    <a:bodyPr/>
+                    <a:p>
+                      <a:pPr algn="ctr">
+                        <a:buNone/>
+                      </a:pPr>
+                      <a:r>
+                        <a:rPr lang="en-US" altLang="zh-CN">
+                          <a:solidFill>
+                            <a:schemeClr val="tx1"/>
+                          </a:solidFill>
+                        </a:rPr>
+                        <a:t>5.77</a:t>
+                      </a:r>
+                      <a:endParaRPr lang="en-US" altLang="zh-CN">
+                        <a:solidFill>
+                          <a:schemeClr val="tx1"/>
+                        </a:solidFill>
+                      </a:endParaRPr>
+                    </a:p>
+                  </a:txBody>
+                  <a:tcPr anchor="ctr" anchorCtr="1"/>
+                </a:tc>
+              </a:tr>
+              <a:tr h="476250">
+                <a:tc>
+                  <a:txBody>
+                    <a:bodyPr/>
+                    <a:p>
+                      <a:pPr algn="ctr">
+                        <a:buNone/>
+                      </a:pPr>
+                      <a:r>
+                        <a:rPr lang="en-US" altLang="zh-CN" sz="1800">
+                          <a:sym typeface="+mn-ea"/>
+                        </a:rPr>
+                        <a:t>Ensemble_multi_runs</a:t>
+                      </a:r>
+                      <a:endParaRPr lang="en-US" altLang="zh-CN"/>
+                    </a:p>
+                  </a:txBody>
+                  <a:tcPr anchor="ctr" anchorCtr="1"/>
+                </a:tc>
+                <a:tc>
+                  <a:txBody>
+                    <a:bodyPr/>
+                    <a:p>
+                      <a:pPr algn="ctr">
+                        <a:buNone/>
+                      </a:pPr>
+                      <a:r>
+                        <a:rPr lang="en-US" altLang="zh-CN">
+                          <a:solidFill>
+                            <a:srgbClr val="FF0000"/>
+                          </a:solidFill>
+                        </a:rPr>
+                        <a:t>3.69</a:t>
+                      </a:r>
+                      <a:endParaRPr lang="en-US" altLang="zh-CN">
+                        <a:solidFill>
+                          <a:srgbClr val="FF0000"/>
+                        </a:solidFill>
+                      </a:endParaRPr>
+                    </a:p>
+                  </a:txBody>
+                  <a:tcPr anchor="ctr" anchorCtr="1"/>
+                </a:tc>
+                <a:tc>
+                  <a:txBody>
+                    <a:bodyPr/>
+                    <a:p>
+                      <a:pPr algn="ctr">
+                        <a:buNone/>
+                      </a:pPr>
+                      <a:r>
+                        <a:rPr lang="en-US" altLang="zh-CN">
+                          <a:solidFill>
+                            <a:schemeClr val="tx1"/>
+                          </a:solidFill>
+                        </a:rPr>
+                        <a:t>0.67</a:t>
+                      </a:r>
+                      <a:endParaRPr lang="en-US" altLang="zh-CN">
+                        <a:solidFill>
+                          <a:schemeClr val="tx1"/>
+                        </a:solidFill>
+                      </a:endParaRPr>
+                    </a:p>
+                  </a:txBody>
+                  <a:tcPr anchor="ctr" anchorCtr="1"/>
+                </a:tc>
+                <a:tc>
+                  <a:txBody>
+                    <a:bodyPr/>
+                    <a:p>
+                      <a:pPr algn="ctr">
+                        <a:buNone/>
+                      </a:pPr>
+                      <a:r>
+                        <a:rPr lang="en-US" altLang="zh-CN">
+                          <a:solidFill>
+                            <a:srgbClr val="FF0000"/>
+                          </a:solidFill>
+                        </a:rPr>
+                        <a:t>2.46</a:t>
+                      </a:r>
+                      <a:endParaRPr lang="en-US" altLang="zh-CN">
+                        <a:solidFill>
+                          <a:srgbClr val="FF0000"/>
+                        </a:solidFill>
+                      </a:endParaRPr>
+                    </a:p>
+                  </a:txBody>
+                  <a:tcPr anchor="ctr" anchorCtr="1"/>
+                </a:tc>
+                <a:tc>
+                  <a:txBody>
+                    <a:bodyPr/>
+                    <a:p>
+                      <a:pPr algn="ctr">
+                        <a:buNone/>
+                      </a:pPr>
+                      <a:r>
+                        <a:rPr lang="en-US" altLang="zh-CN">
+                          <a:solidFill>
+                            <a:srgbClr val="FF0000"/>
+                          </a:solidFill>
+                        </a:rPr>
+                        <a:t>4.92</a:t>
+                      </a:r>
+                      <a:endParaRPr lang="en-US" altLang="zh-CN">
+                        <a:solidFill>
+                          <a:srgbClr val="FF0000"/>
+                        </a:solidFill>
+                      </a:endParaRPr>
+                    </a:p>
+                  </a:txBody>
+                  <a:tcPr anchor="ctr" anchorCtr="1"/>
+                </a:tc>
+              </a:tr>
+            </a:tbl>
+          </a:graphicData>
+        </a:graphic>
+      </p:graphicFrame>
+    </p:spTree>
+  </p:cSld>
+  <p:clrMapOvr>
+    <a:masterClrMapping/>
+  </p:clrMapOvr>
+</p:sld>
+</file>
+
+<file path=ppt/slides/slide13.xml><?xml version="1.0" encoding="utf-8"?>
+<p:sld xmlns:a="http://schemas.openxmlformats.org/drawingml/2006/main" xmlns:r="http://schemas.openxmlformats.org/officeDocument/2006/relationships" xmlns:p="http://schemas.openxmlformats.org/presentationml/2006/main">
+  <p:cSld>
+    <p:spTree>
+      <p:nvGrpSpPr>
+        <p:cNvPr id="1" name=""/>
+        <p:cNvGrpSpPr/>
+        <p:nvPr/>
+      </p:nvGrpSpPr>
+      <p:grpSpPr/>
+      <p:sp>
+        <p:nvSpPr>
+          <p:cNvPr id="6" name="文本框 5"/>
+          <p:cNvSpPr txBox="1"/>
+          <p:nvPr/>
+        </p:nvSpPr>
+        <p:spPr>
+          <a:xfrm>
+            <a:off x="433705" y="429895"/>
+            <a:ext cx="8645525" cy="583565"/>
+          </a:xfrm>
+          <a:prstGeom prst="rect">
+            <a:avLst/>
+          </a:prstGeom>
+          <a:noFill/>
+        </p:spPr>
+        <p:txBody>
+          <a:bodyPr wrap="square" rtlCol="0">
+            <a:spAutoFit/>
+          </a:bodyPr>
+          <a:p>
+            <a:r>
+              <a:rPr lang="en-US" altLang="zh-CN" sz="3200"/>
+              <a:t>Prediction Summary </a:t>
+            </a:r>
+            <a:endParaRPr lang="en-US" altLang="zh-CN" sz="3200"/>
+          </a:p>
+        </p:txBody>
+      </p:sp>
+    </p:spTree>
+  </p:cSld>
+  <p:clrMapOvr>
+    <a:masterClrMapping/>
+  </p:clrMapOvr>
+</p:sld>
+</file>
+
+<file path=ppt/slides/slide14.xml><?xml version="1.0" encoding="utf-8"?>
+<p:sld xmlns:a="http://schemas.openxmlformats.org/drawingml/2006/main" xmlns:r="http://schemas.openxmlformats.org/officeDocument/2006/relationships" xmlns:p="http://schemas.openxmlformats.org/presentationml/2006/main">
+  <p:cSld>
+    <p:spTree>
+      <p:nvGrpSpPr>
+        <p:cNvPr id="1" name=""/>
+        <p:cNvGrpSpPr/>
+        <p:nvPr/>
+      </p:nvGrpSpPr>
+      <p:grpSpPr/>
+      <p:sp>
+        <p:nvSpPr>
+          <p:cNvPr id="6" name="文本框 5"/>
+          <p:cNvSpPr txBox="1"/>
+          <p:nvPr/>
+        </p:nvSpPr>
+        <p:spPr>
+          <a:xfrm>
+            <a:off x="433705" y="429895"/>
+            <a:ext cx="8645525" cy="583565"/>
+          </a:xfrm>
+          <a:prstGeom prst="rect">
+            <a:avLst/>
+          </a:prstGeom>
+          <a:noFill/>
+        </p:spPr>
+        <p:txBody>
+          <a:bodyPr wrap="square" rtlCol="0">
+            <a:spAutoFit/>
+          </a:bodyPr>
+          <a:p>
+            <a:r>
+              <a:rPr lang="en-US" altLang="zh-CN" sz="3200"/>
+              <a:t>Combining T1 image and micro data </a:t>
+            </a:r>
+            <a:endParaRPr lang="en-US" altLang="zh-CN" sz="3200"/>
           </a:p>
         </p:txBody>
       </p:sp>
@@ -6213,7 +7306,7 @@
           </p:nvPr>
         </p:nvGraphicFramePr>
         <p:xfrm>
-          <a:off x="1428750" y="1214755"/>
+          <a:off x="1428750" y="1203960"/>
           <a:ext cx="8194040" cy="4286250"/>
         </p:xfrm>
         <a:graphic>
@@ -6229,7 +7322,7 @@
                 <a:gridCol w="1326515"/>
                 <a:gridCol w="1325880"/>
               </a:tblGrid>
-              <a:tr h="476250">
+              <a:tr h="640080">
                 <a:tc>
                   <a:txBody>
                     <a:bodyPr/>
@@ -7168,6 +8261,14 @@
 </file>
 
 <file path=ppt/tags/tag2.xml><?xml version="1.0" encoding="utf-8"?>
+<p:tagLst xmlns:p="http://schemas.openxmlformats.org/presentationml/2006/main">
+  <p:tag name="KSO_WM_UNIT_TABLE_BEAUTIFY" val="smartTable{5dd4f8f7-80b8-4fa7-8a89-99edd8132bf7}"/>
+  <p:tag name="TABLE_ENDDRAG_ORIGIN_RECT" val="816*262"/>
+  <p:tag name="TABLE_ENDDRAG_RECT" val="87*126*816*262"/>
+</p:tagLst>
+</file>
+
+<file path=ppt/tags/tag3.xml><?xml version="1.0" encoding="utf-8"?>
 <p:tagLst xmlns:p="http://schemas.openxmlformats.org/presentationml/2006/main">
   <p:tag name="KSO_WM_UNIT_TABLE_BEAUTIFY" val="smartTable{5dd4f8f7-80b8-4fa7-8a89-99edd8132bf7}"/>
   <p:tag name="TABLE_ENDDRAG_ORIGIN_RECT" val="816*262"/>

--- a/summary.pptx
+++ b/summary.pptx
@@ -22,6 +22,7 @@
     <p:sldId id="316" r:id="rId15"/>
     <p:sldId id="317" r:id="rId16"/>
     <p:sldId id="318" r:id="rId17"/>
+    <p:sldId id="321" r:id="rId18"/>
   </p:sldIdLst>
   <p:sldSz cx="12192000" cy="6858000"/>
   <p:notesSz cx="7103745" cy="10234295"/>
@@ -3340,84 +3341,12 @@
           <a:p>
             <a:r>
               <a:rPr lang="en-US" altLang="zh-CN" sz="3200"/>
-              <a:t>Prediction Summary </a:t>
+              <a:t>Prediction Plots</a:t>
             </a:r>
             <a:endParaRPr lang="en-US" altLang="zh-CN" sz="3200"/>
           </a:p>
         </p:txBody>
       </p:sp>
-      <p:pic>
-        <p:nvPicPr>
-          <p:cNvPr id="7" name="图片 6" descr="scatter_test_performance"/>
-          <p:cNvPicPr>
-            <a:picLocks noChangeAspect="1"/>
-          </p:cNvPicPr>
-          <p:nvPr/>
-        </p:nvPicPr>
-        <p:blipFill>
-          <a:blip r:embed="rId1"/>
-          <a:stretch>
-            <a:fillRect/>
-          </a:stretch>
-        </p:blipFill>
-        <p:spPr>
-          <a:xfrm>
-            <a:off x="368300" y="1156970"/>
-            <a:ext cx="3929380" cy="3535680"/>
-          </a:xfrm>
-          <a:prstGeom prst="rect">
-            <a:avLst/>
-          </a:prstGeom>
-        </p:spPr>
-      </p:pic>
-      <p:pic>
-        <p:nvPicPr>
-          <p:cNvPr id="8" name="图片 7" descr="ensemble_scatter_test_performance_5"/>
-          <p:cNvPicPr>
-            <a:picLocks noChangeAspect="1"/>
-          </p:cNvPicPr>
-          <p:nvPr/>
-        </p:nvPicPr>
-        <p:blipFill>
-          <a:blip r:embed="rId2"/>
-          <a:stretch>
-            <a:fillRect/>
-          </a:stretch>
-        </p:blipFill>
-        <p:spPr>
-          <a:xfrm>
-            <a:off x="4297680" y="1156970"/>
-            <a:ext cx="3966845" cy="3535680"/>
-          </a:xfrm>
-          <a:prstGeom prst="rect">
-            <a:avLst/>
-          </a:prstGeom>
-        </p:spPr>
-      </p:pic>
-      <p:pic>
-        <p:nvPicPr>
-          <p:cNvPr id="9" name="图片 8" descr="ensemble_scatter_test_performance_12"/>
-          <p:cNvPicPr>
-            <a:picLocks noChangeAspect="1"/>
-          </p:cNvPicPr>
-          <p:nvPr/>
-        </p:nvPicPr>
-        <p:blipFill>
-          <a:blip r:embed="rId3"/>
-          <a:stretch>
-            <a:fillRect/>
-          </a:stretch>
-        </p:blipFill>
-        <p:spPr>
-          <a:xfrm>
-            <a:off x="8264525" y="1147445"/>
-            <a:ext cx="3482975" cy="3554095"/>
-          </a:xfrm>
-          <a:prstGeom prst="rect">
-            <a:avLst/>
-          </a:prstGeom>
-        </p:spPr>
-      </p:pic>
       <p:sp>
         <p:nvSpPr>
           <p:cNvPr id="10" name="文本框 9"/>
@@ -3441,7 +3370,7 @@
           <a:p>
             <a:r>
               <a:rPr lang="zh-CN" altLang="en-US">
-                <a:hlinkClick r:id="rId4" tooltip="" action="ppaction://hlinkfile"/>
+                <a:hlinkClick r:id="rId1" action="ppaction://hlinkfile"/>
               </a:rPr>
               <a:t>https://docs.google.com/document/d/11vDyRdQbgV6F9NzTO3vFWuZgWCkflZoJfW_MsFqTmY4/edit</a:t>
             </a:r>
@@ -3449,6 +3378,78 @@
           </a:p>
         </p:txBody>
       </p:sp>
+      <p:pic>
+        <p:nvPicPr>
+          <p:cNvPr id="2" name="图片 1" descr="scatter_test_performance"/>
+          <p:cNvPicPr>
+            <a:picLocks noChangeAspect="1"/>
+          </p:cNvPicPr>
+          <p:nvPr/>
+        </p:nvPicPr>
+        <p:blipFill>
+          <a:blip r:embed="rId2"/>
+          <a:stretch>
+            <a:fillRect/>
+          </a:stretch>
+        </p:blipFill>
+        <p:spPr>
+          <a:xfrm>
+            <a:off x="270510" y="1194435"/>
+            <a:ext cx="3876675" cy="3956050"/>
+          </a:xfrm>
+          <a:prstGeom prst="rect">
+            <a:avLst/>
+          </a:prstGeom>
+        </p:spPr>
+      </p:pic>
+      <p:pic>
+        <p:nvPicPr>
+          <p:cNvPr id="3" name="图片 2" descr="scatter_test_performance"/>
+          <p:cNvPicPr>
+            <a:picLocks noChangeAspect="1"/>
+          </p:cNvPicPr>
+          <p:nvPr/>
+        </p:nvPicPr>
+        <p:blipFill>
+          <a:blip r:embed="rId3"/>
+          <a:stretch>
+            <a:fillRect/>
+          </a:stretch>
+        </p:blipFill>
+        <p:spPr>
+          <a:xfrm>
+            <a:off x="4221480" y="1190625"/>
+            <a:ext cx="3877310" cy="3956685"/>
+          </a:xfrm>
+          <a:prstGeom prst="rect">
+            <a:avLst/>
+          </a:prstGeom>
+        </p:spPr>
+      </p:pic>
+      <p:pic>
+        <p:nvPicPr>
+          <p:cNvPr id="4" name="图片 3" descr="ensemble_scatter_test_performance_16"/>
+          <p:cNvPicPr>
+            <a:picLocks noChangeAspect="1"/>
+          </p:cNvPicPr>
+          <p:nvPr/>
+        </p:nvPicPr>
+        <p:blipFill>
+          <a:blip r:embed="rId4"/>
+          <a:stretch>
+            <a:fillRect/>
+          </a:stretch>
+        </p:blipFill>
+        <p:spPr>
+          <a:xfrm>
+            <a:off x="8133080" y="1190625"/>
+            <a:ext cx="3876675" cy="3956050"/>
+          </a:xfrm>
+          <a:prstGeom prst="rect">
+            <a:avLst/>
+          </a:prstGeom>
+        </p:spPr>
+      </p:pic>
     </p:spTree>
   </p:cSld>
   <p:clrMapOvr>
@@ -3566,7 +3567,7 @@
                   <a:schemeClr val="tx1"/>
                 </a:solidFill>
               </a:rPr>
-              <a:t>3. DenseNet, ResNet, Fully-convolutional Net are trained. Model averaging is applied. </a:t>
+              <a:t>3. DenseNet and ResNet are trained. Model averaging is applied. </a:t>
             </a:r>
             <a:endParaRPr lang="en-US" altLang="zh-CN" sz="2000">
               <a:solidFill>
@@ -3688,7 +3689,7 @@
           </p:nvPr>
         </p:nvGraphicFramePr>
         <p:xfrm>
-          <a:off x="1428750" y="1203960"/>
+          <a:off x="1438275" y="1434465"/>
           <a:ext cx="8194040" cy="4450080"/>
         </p:xfrm>
         <a:graphic>
@@ -3810,7 +3811,7 @@
                       </a:pPr>
                       <a:r>
                         <a:rPr lang="en-US" altLang="zh-CN"/>
-                        <a:t>SVR_single</a:t>
+                        <a:t>DenseNet_single</a:t>
                       </a:r>
                       <a:endParaRPr lang="en-US" altLang="zh-CN"/>
                     </a:p>
@@ -3826,7 +3827,7 @@
                       </a:pPr>
                       <a:r>
                         <a:rPr lang="en-US" altLang="zh-CN"/>
-                        <a:t>4.52</a:t>
+                        <a:t>3.68</a:t>
                       </a:r>
                       <a:endParaRPr lang="en-US" altLang="zh-CN"/>
                     </a:p>
@@ -3842,7 +3843,7 @@
                       </a:pPr>
                       <a:r>
                         <a:rPr lang="en-US" altLang="zh-CN"/>
-                        <a:t>0.71</a:t>
+                        <a:t>0.89</a:t>
                       </a:r>
                       <a:endParaRPr lang="en-US" altLang="zh-CN"/>
                     </a:p>
@@ -3862,7 +3863,7 @@
                             <a:schemeClr val="tx1"/>
                           </a:solidFill>
                         </a:rPr>
-                        <a:t>2.33</a:t>
+                        <a:t>2.15</a:t>
                       </a:r>
                       <a:endParaRPr lang="en-US" altLang="zh-CN">
                         <a:solidFill>
@@ -3882,7 +3883,7 @@
                       </a:pPr>
                       <a:r>
                         <a:rPr lang="en-US" altLang="zh-CN"/>
-                        <a:t>5.93</a:t>
+                        <a:t>6.01</a:t>
                       </a:r>
                       <a:endParaRPr lang="en-US" altLang="zh-CN"/>
                     </a:p>
@@ -3902,13 +3903,7 @@
                         <a:rPr lang="en-US" altLang="zh-CN" sz="1800">
                           <a:sym typeface="+mn-ea"/>
                         </a:rPr>
-                        <a:t>XGBoost</a:t>
-                      </a:r>
-                      <a:r>
-                        <a:rPr lang="en-US" altLang="zh-CN" sz="1800">
-                          <a:sym typeface="+mn-ea"/>
-                        </a:rPr>
-                        <a:t>_single</a:t>
+                        <a:t>ResNet_single</a:t>
                       </a:r>
                       <a:endParaRPr lang="zh-CN" altLang="en-US"/>
                     </a:p>
@@ -3924,7 +3919,7 @@
                       </a:pPr>
                       <a:r>
                         <a:rPr lang="en-US" altLang="zh-CN"/>
-                        <a:t>4.72</a:t>
+                        <a:t>4.01</a:t>
                       </a:r>
                       <a:endParaRPr lang="en-US" altLang="zh-CN"/>
                     </a:p>
@@ -3940,7 +3935,7 @@
                       </a:pPr>
                       <a:r>
                         <a:rPr lang="en-US" altLang="zh-CN"/>
-                        <a:t>0.84</a:t>
+                        <a:t>0.87</a:t>
                       </a:r>
                       <a:endParaRPr lang="en-US" altLang="zh-CN"/>
                     </a:p>
@@ -3960,7 +3955,7 @@
                             <a:schemeClr val="tx1"/>
                           </a:solidFill>
                         </a:rPr>
-                        <a:t>2.68</a:t>
+                        <a:t>2.7</a:t>
                       </a:r>
                       <a:endParaRPr lang="en-US" altLang="zh-CN">
                         <a:solidFill>
@@ -3980,7 +3975,7 @@
                       </a:pPr>
                       <a:r>
                         <a:rPr lang="en-US" altLang="zh-CN"/>
-                        <a:t>6.73</a:t>
+                        <a:t>6.37</a:t>
                       </a:r>
                       <a:endParaRPr lang="en-US" altLang="zh-CN"/>
                     </a:p>
@@ -4000,7 +3995,7 @@
                         <a:rPr lang="en-US" altLang="zh-CN" sz="1800">
                           <a:sym typeface="+mn-ea"/>
                         </a:rPr>
-                        <a:t>Stacking</a:t>
+                        <a:t>Ensemble</a:t>
                       </a:r>
                       <a:r>
                         <a:rPr lang="en-US" altLang="zh-CN" sz="1800">
@@ -4009,6 +4004,46 @@
                         <a:t>_single</a:t>
                       </a:r>
                       <a:endParaRPr lang="zh-CN" altLang="en-US"/>
+                    </a:p>
+                  </a:txBody>
+                  <a:tcPr anchor="ctr" anchorCtr="1"/>
+                </a:tc>
+                <a:tc>
+                  <a:txBody>
+                    <a:bodyPr/>
+                    <a:p>
+                      <a:pPr algn="ctr">
+                        <a:buNone/>
+                      </a:pPr>
+                      <a:r>
+                        <a:rPr lang="en-US" altLang="zh-CN">
+                          <a:solidFill>
+                            <a:srgbClr val="FF0000"/>
+                          </a:solidFill>
+                        </a:rPr>
+                        <a:t>3.55</a:t>
+                      </a:r>
+                      <a:endParaRPr lang="en-US" altLang="zh-CN">
+                        <a:solidFill>
+                          <a:srgbClr val="FF0000"/>
+                        </a:solidFill>
+                      </a:endParaRPr>
+                    </a:p>
+                  </a:txBody>
+                  <a:tcPr anchor="ctr" anchorCtr="1"/>
+                </a:tc>
+                <a:tc>
+                  <a:txBody>
+                    <a:bodyPr/>
+                    <a:p>
+                      <a:pPr algn="ctr">
+                        <a:buNone/>
+                      </a:pPr>
+                      <a:r>
+                        <a:rPr lang="en-US" altLang="zh-CN"/>
+                        <a:t>0.80</a:t>
+                      </a:r>
+                      <a:endParaRPr lang="en-US" altLang="zh-CN"/>
                     </a:p>
                   </a:txBody>
                   <a:tcPr anchor="ctr" anchorCtr="1"/>
@@ -4026,7 +4061,7 @@
                             <a:schemeClr val="tx1"/>
                           </a:solidFill>
                         </a:rPr>
-                        <a:t>4.75</a:t>
+                        <a:t>2.28</a:t>
                       </a:r>
                       <a:endParaRPr lang="en-US" altLang="zh-CN">
                         <a:solidFill>
@@ -4045,42 +4080,18 @@
                         <a:buNone/>
                       </a:pPr>
                       <a:r>
-                        <a:rPr lang="en-US" altLang="zh-CN"/>
-                        <a:t>0.89</a:t>
-                      </a:r>
-                      <a:endParaRPr lang="en-US" altLang="zh-CN"/>
-                    </a:p>
-                  </a:txBody>
-                  <a:tcPr anchor="ctr" anchorCtr="1"/>
-                </a:tc>
-                <a:tc>
-                  <a:txBody>
-                    <a:bodyPr/>
-                    <a:p>
-                      <a:pPr algn="ctr">
-                        <a:buNone/>
-                      </a:pPr>
-                      <a:r>
-                        <a:rPr lang="en-US" altLang="zh-CN"/>
-                        <a:t>3.23</a:t>
-                      </a:r>
-                      <a:endParaRPr lang="en-US" altLang="zh-CN"/>
-                    </a:p>
-                  </a:txBody>
-                  <a:tcPr anchor="ctr" anchorCtr="1"/>
-                </a:tc>
-                <a:tc>
-                  <a:txBody>
-                    <a:bodyPr/>
-                    <a:p>
-                      <a:pPr algn="ctr">
-                        <a:buNone/>
-                      </a:pPr>
-                      <a:r>
-                        <a:rPr lang="en-US" altLang="zh-CN"/>
-                        <a:t>7.88</a:t>
-                      </a:r>
-                      <a:endParaRPr lang="en-US" altLang="zh-CN"/>
+                        <a:rPr lang="en-US" altLang="zh-CN">
+                          <a:solidFill>
+                            <a:schemeClr val="tx1"/>
+                          </a:solidFill>
+                        </a:rPr>
+                        <a:t>5.53</a:t>
+                      </a:r>
+                      <a:endParaRPr lang="en-US" altLang="zh-CN">
+                        <a:solidFill>
+                          <a:schemeClr val="tx1"/>
+                        </a:solidFill>
+                      </a:endParaRPr>
                     </a:p>
                   </a:txBody>
                   <a:tcPr anchor="ctr" anchorCtr="1"/>
@@ -4098,15 +4109,199 @@
                         <a:rPr lang="en-US" altLang="zh-CN" sz="1800">
                           <a:sym typeface="+mn-ea"/>
                         </a:rPr>
-                        <a:t>Ensemble</a:t>
-                      </a:r>
+                        <a:t>DenseNet_multi_runs</a:t>
+                      </a:r>
+                      <a:endParaRPr lang="zh-CN" altLang="en-US"/>
+                    </a:p>
+                  </a:txBody>
+                  <a:tcPr anchor="ctr" anchorCtr="1"/>
+                </a:tc>
+                <a:tc>
+                  <a:txBody>
+                    <a:bodyPr/>
+                    <a:p>
+                      <a:pPr algn="ctr">
+                        <a:buNone/>
+                      </a:pPr>
+                      <a:r>
+                        <a:rPr lang="en-US" altLang="zh-CN"/>
+                        <a:t>3.45</a:t>
+                      </a:r>
+                      <a:endParaRPr lang="en-US" altLang="zh-CN"/>
+                    </a:p>
+                  </a:txBody>
+                  <a:tcPr anchor="ctr" anchorCtr="1"/>
+                </a:tc>
+                <a:tc>
+                  <a:txBody>
+                    <a:bodyPr/>
+                    <a:p>
+                      <a:pPr algn="ctr">
+                        <a:buNone/>
+                      </a:pPr>
+                      <a:r>
+                        <a:rPr lang="en-US" altLang="zh-CN">
+                          <a:solidFill>
+                            <a:schemeClr val="tx1"/>
+                          </a:solidFill>
+                        </a:rPr>
+                        <a:t>0.93</a:t>
+                      </a:r>
+                      <a:endParaRPr lang="en-US" altLang="zh-CN">
+                        <a:solidFill>
+                          <a:schemeClr val="tx1"/>
+                        </a:solidFill>
+                      </a:endParaRPr>
+                    </a:p>
+                  </a:txBody>
+                  <a:tcPr anchor="ctr" anchorCtr="1"/>
+                </a:tc>
+                <a:tc>
+                  <a:txBody>
+                    <a:bodyPr/>
+                    <a:p>
+                      <a:pPr algn="ctr">
+                        <a:buNone/>
+                      </a:pPr>
+                      <a:r>
+                        <a:rPr lang="en-US" altLang="zh-CN"/>
+                        <a:t>2.02</a:t>
+                      </a:r>
+                      <a:endParaRPr lang="en-US" altLang="zh-CN"/>
+                    </a:p>
+                  </a:txBody>
+                  <a:tcPr anchor="ctr" anchorCtr="1"/>
+                </a:tc>
+                <a:tc>
+                  <a:txBody>
+                    <a:bodyPr/>
+                    <a:p>
+                      <a:pPr algn="ctr">
+                        <a:buNone/>
+                      </a:pPr>
+                      <a:r>
+                        <a:rPr lang="en-US" altLang="zh-CN"/>
+                        <a:t>5.51</a:t>
+                      </a:r>
+                      <a:endParaRPr lang="en-US" altLang="zh-CN"/>
+                    </a:p>
+                  </a:txBody>
+                  <a:tcPr anchor="ctr" anchorCtr="1"/>
+                </a:tc>
+              </a:tr>
+              <a:tr h="476250">
+                <a:tc>
+                  <a:txBody>
+                    <a:bodyPr/>
+                    <a:p>
+                      <a:pPr algn="ctr">
+                        <a:buNone/>
+                      </a:pPr>
                       <a:r>
                         <a:rPr lang="en-US" altLang="zh-CN" sz="1800">
                           <a:sym typeface="+mn-ea"/>
                         </a:rPr>
-                        <a:t>_single</a:t>
+                        <a:t>ResNet_</a:t>
+                      </a:r>
+                      <a:r>
+                        <a:rPr lang="en-US" altLang="zh-CN" sz="1800">
+                          <a:sym typeface="+mn-ea"/>
+                        </a:rPr>
+                        <a:t>multi_runs</a:t>
                       </a:r>
                       <a:endParaRPr lang="zh-CN" altLang="en-US"/>
+                    </a:p>
+                  </a:txBody>
+                  <a:tcPr anchor="ctr" anchorCtr="1"/>
+                </a:tc>
+                <a:tc>
+                  <a:txBody>
+                    <a:bodyPr/>
+                    <a:p>
+                      <a:pPr algn="ctr">
+                        <a:buNone/>
+                      </a:pPr>
+                      <a:r>
+                        <a:rPr lang="en-US" altLang="zh-CN"/>
+                        <a:t>3.71</a:t>
+                      </a:r>
+                      <a:endParaRPr lang="en-US" altLang="zh-CN"/>
+                    </a:p>
+                  </a:txBody>
+                  <a:tcPr anchor="ctr" anchorCtr="1"/>
+                </a:tc>
+                <a:tc>
+                  <a:txBody>
+                    <a:bodyPr/>
+                    <a:p>
+                      <a:pPr algn="ctr">
+                        <a:buNone/>
+                      </a:pPr>
+                      <a:r>
+                        <a:rPr lang="en-US" altLang="zh-CN">
+                          <a:solidFill>
+                            <a:schemeClr val="tx1"/>
+                          </a:solidFill>
+                        </a:rPr>
+                        <a:t>0.72</a:t>
+                      </a:r>
+                      <a:endParaRPr lang="en-US" altLang="zh-CN">
+                        <a:solidFill>
+                          <a:schemeClr val="tx1"/>
+                        </a:solidFill>
+                      </a:endParaRPr>
+                    </a:p>
+                  </a:txBody>
+                  <a:tcPr anchor="ctr" anchorCtr="1"/>
+                </a:tc>
+                <a:tc>
+                  <a:txBody>
+                    <a:bodyPr/>
+                    <a:p>
+                      <a:pPr algn="ctr">
+                        <a:buNone/>
+                      </a:pPr>
+                      <a:r>
+                        <a:rPr lang="en-US" altLang="zh-CN"/>
+                        <a:t>2.51</a:t>
+                      </a:r>
+                      <a:endParaRPr lang="en-US" altLang="zh-CN"/>
+                    </a:p>
+                  </a:txBody>
+                  <a:tcPr anchor="ctr" anchorCtr="1"/>
+                </a:tc>
+                <a:tc>
+                  <a:txBody>
+                    <a:bodyPr/>
+                    <a:p>
+                      <a:pPr algn="ctr">
+                        <a:buNone/>
+                      </a:pPr>
+                      <a:r>
+                        <a:rPr lang="en-US" altLang="zh-CN"/>
+                        <a:t>5.15</a:t>
+                      </a:r>
+                      <a:endParaRPr lang="en-US" altLang="zh-CN"/>
+                    </a:p>
+                  </a:txBody>
+                  <a:tcPr anchor="ctr" anchorCtr="1"/>
+                </a:tc>
+              </a:tr>
+              <a:tr h="476250">
+                <a:tc>
+                  <a:txBody>
+                    <a:bodyPr/>
+                    <a:p>
+                      <a:pPr algn="ctr">
+                        <a:buNone/>
+                      </a:pPr>
+                      <a:r>
+                        <a:rPr lang="en-US" altLang="zh-CN" sz="1800">
+                          <a:sym typeface="+mn-ea"/>
+                        </a:rPr>
+                        <a:t>Ensemble_multi_runs</a:t>
+                      </a:r>
+                      <a:endParaRPr lang="en-US" altLang="zh-CN"/>
                     </a:p>
                   </a:txBody>
                   <a:tcPr anchor="ctr" anchorCtr="1"/>
@@ -4124,7 +4319,7 @@
                             <a:srgbClr val="FF0000"/>
                           </a:solidFill>
                         </a:rPr>
-                        <a:t>3.93</a:t>
+                        <a:t>3.34</a:t>
                       </a:r>
                       <a:endParaRPr lang="en-US" altLang="zh-CN">
                         <a:solidFill>
@@ -4143,112 +4338,12 @@
                         <a:buNone/>
                       </a:pPr>
                       <a:r>
-                        <a:rPr lang="en-US" altLang="zh-CN"/>
-                        <a:t>0.70</a:t>
-                      </a:r>
-                      <a:endParaRPr lang="en-US" altLang="zh-CN"/>
-                    </a:p>
-                  </a:txBody>
-                  <a:tcPr anchor="ctr" anchorCtr="1"/>
-                </a:tc>
-                <a:tc>
-                  <a:txBody>
-                    <a:bodyPr/>
-                    <a:p>
-                      <a:pPr algn="ctr">
-                        <a:buNone/>
-                      </a:pPr>
-                      <a:r>
-                        <a:rPr lang="en-US" altLang="zh-CN">
-                          <a:solidFill>
-                            <a:srgbClr val="FF0000"/>
-                          </a:solidFill>
-                        </a:rPr>
-                        <a:t>2.23</a:t>
-                      </a:r>
-                      <a:endParaRPr lang="en-US" altLang="zh-CN">
-                        <a:solidFill>
-                          <a:srgbClr val="FF0000"/>
-                        </a:solidFill>
-                      </a:endParaRPr>
-                    </a:p>
-                  </a:txBody>
-                  <a:tcPr anchor="ctr" anchorCtr="1"/>
-                </a:tc>
-                <a:tc>
-                  <a:txBody>
-                    <a:bodyPr/>
-                    <a:p>
-                      <a:pPr algn="ctr">
-                        <a:buNone/>
-                      </a:pPr>
-                      <a:r>
-                        <a:rPr lang="en-US" altLang="zh-CN">
-                          <a:solidFill>
-                            <a:srgbClr val="FF0000"/>
-                          </a:solidFill>
-                        </a:rPr>
-                        <a:t>5.43</a:t>
-                      </a:r>
-                      <a:endParaRPr lang="en-US" altLang="zh-CN">
-                        <a:solidFill>
-                          <a:srgbClr val="FF0000"/>
-                        </a:solidFill>
-                      </a:endParaRPr>
-                    </a:p>
-                  </a:txBody>
-                  <a:tcPr anchor="ctr" anchorCtr="1"/>
-                </a:tc>
-              </a:tr>
-              <a:tr h="476250">
-                <a:tc>
-                  <a:txBody>
-                    <a:bodyPr/>
-                    <a:p>
-                      <a:pPr algn="ctr">
-                        <a:buNone/>
-                      </a:pPr>
-                      <a:r>
-                        <a:rPr lang="en-US" altLang="zh-CN" sz="1800">
-                          <a:sym typeface="+mn-ea"/>
-                        </a:rPr>
-                        <a:t>SVR_multi_runs</a:t>
-                      </a:r>
-                      <a:endParaRPr lang="zh-CN" altLang="en-US"/>
-                    </a:p>
-                  </a:txBody>
-                  <a:tcPr anchor="ctr" anchorCtr="1"/>
-                </a:tc>
-                <a:tc>
-                  <a:txBody>
-                    <a:bodyPr/>
-                    <a:p>
-                      <a:pPr algn="ctr">
-                        <a:buNone/>
-                      </a:pPr>
-                      <a:r>
-                        <a:rPr lang="en-US" altLang="zh-CN"/>
-                        <a:t>4.31</a:t>
-                      </a:r>
-                      <a:endParaRPr lang="en-US" altLang="zh-CN"/>
-                    </a:p>
-                  </a:txBody>
-                  <a:tcPr anchor="ctr" anchorCtr="1"/>
-                </a:tc>
-                <a:tc>
-                  <a:txBody>
-                    <a:bodyPr/>
-                    <a:p>
-                      <a:pPr algn="ctr">
-                        <a:buNone/>
-                      </a:pPr>
-                      <a:r>
                         <a:rPr lang="en-US" altLang="zh-CN">
                           <a:solidFill>
                             <a:schemeClr val="tx1"/>
                           </a:solidFill>
                         </a:rPr>
-                        <a:t>0.64</a:t>
+                        <a:t>0.75</a:t>
                       </a:r>
                       <a:endParaRPr lang="en-US" altLang="zh-CN">
                         <a:solidFill>
@@ -4267,86 +4362,12 @@
                         <a:buNone/>
                       </a:pPr>
                       <a:r>
-                        <a:rPr lang="en-US" altLang="zh-CN"/>
-                        <a:t>2.86</a:t>
-                      </a:r>
-                      <a:endParaRPr lang="en-US" altLang="zh-CN"/>
-                    </a:p>
-                  </a:txBody>
-                  <a:tcPr anchor="ctr" anchorCtr="1"/>
-                </a:tc>
-                <a:tc>
-                  <a:txBody>
-                    <a:bodyPr/>
-                    <a:p>
-                      <a:pPr algn="ctr">
-                        <a:buNone/>
-                      </a:pPr>
-                      <a:r>
-                        <a:rPr lang="en-US" altLang="zh-CN"/>
-                        <a:t>5.53</a:t>
-                      </a:r>
-                      <a:endParaRPr lang="en-US" altLang="zh-CN"/>
-                    </a:p>
-                  </a:txBody>
-                  <a:tcPr anchor="ctr" anchorCtr="1"/>
-                </a:tc>
-              </a:tr>
-              <a:tr h="476250">
-                <a:tc>
-                  <a:txBody>
-                    <a:bodyPr/>
-                    <a:p>
-                      <a:pPr algn="ctr">
-                        <a:buNone/>
-                      </a:pPr>
-                      <a:r>
-                        <a:rPr lang="en-US" altLang="zh-CN" sz="1800">
-                          <a:sym typeface="+mn-ea"/>
-                        </a:rPr>
-                        <a:t>XGBoost_</a:t>
-                      </a:r>
-                      <a:r>
-                        <a:rPr lang="en-US" altLang="zh-CN" sz="1800">
-                          <a:sym typeface="+mn-ea"/>
-                        </a:rPr>
-                        <a:t>multi_runs</a:t>
-                      </a:r>
-                      <a:endParaRPr lang="zh-CN" altLang="en-US"/>
-                    </a:p>
-                  </a:txBody>
-                  <a:tcPr anchor="ctr" anchorCtr="1"/>
-                </a:tc>
-                <a:tc>
-                  <a:txBody>
-                    <a:bodyPr/>
-                    <a:p>
-                      <a:pPr algn="ctr">
-                        <a:buNone/>
-                      </a:pPr>
-                      <a:r>
-                        <a:rPr lang="en-US" altLang="zh-CN"/>
-                        <a:t>4.14</a:t>
-                      </a:r>
-                      <a:endParaRPr lang="en-US" altLang="zh-CN"/>
-                    </a:p>
-                  </a:txBody>
-                  <a:tcPr anchor="ctr" anchorCtr="1"/>
-                </a:tc>
-                <a:tc>
-                  <a:txBody>
-                    <a:bodyPr/>
-                    <a:p>
-                      <a:pPr algn="ctr">
-                        <a:buNone/>
-                      </a:pPr>
-                      <a:r>
                         <a:rPr lang="en-US" altLang="zh-CN">
                           <a:solidFill>
                             <a:schemeClr val="tx1"/>
                           </a:solidFill>
                         </a:rPr>
-                        <a:t>0.64</a:t>
+                        <a:t>2.12</a:t>
                       </a:r>
                       <a:endParaRPr lang="en-US" altLang="zh-CN">
                         <a:solidFill>
@@ -4365,256 +4386,16 @@
                         <a:buNone/>
                       </a:pPr>
                       <a:r>
-                        <a:rPr lang="en-US" altLang="zh-CN"/>
-                        <a:t>2.76</a:t>
-                      </a:r>
-                      <a:endParaRPr lang="en-US" altLang="zh-CN"/>
-                    </a:p>
-                  </a:txBody>
-                  <a:tcPr anchor="ctr" anchorCtr="1"/>
-                </a:tc>
-                <a:tc>
-                  <a:txBody>
-                    <a:bodyPr/>
-                    <a:p>
-                      <a:pPr algn="ctr">
-                        <a:buNone/>
-                      </a:pPr>
-                      <a:r>
-                        <a:rPr lang="en-US" altLang="zh-CN"/>
-                        <a:t>5.56</a:t>
-                      </a:r>
-                      <a:endParaRPr lang="en-US" altLang="zh-CN"/>
-                    </a:p>
-                  </a:txBody>
-                  <a:tcPr anchor="ctr" anchorCtr="1"/>
-                </a:tc>
-              </a:tr>
-              <a:tr h="476250">
-                <a:tc>
-                  <a:txBody>
-                    <a:bodyPr/>
-                    <a:p>
-                      <a:pPr algn="ctr">
-                        <a:buNone/>
-                      </a:pPr>
-                      <a:r>
-                        <a:rPr lang="en-US" altLang="zh-CN" sz="1800">
-                          <a:sym typeface="+mn-ea"/>
-                        </a:rPr>
-                        <a:t>Stacking_multi_runs</a:t>
-                      </a:r>
-                      <a:endParaRPr lang="en-US" altLang="zh-CN"/>
-                    </a:p>
-                  </a:txBody>
-                  <a:tcPr anchor="ctr" anchorCtr="1"/>
-                </a:tc>
-                <a:tc>
-                  <a:txBody>
-                    <a:bodyPr/>
-                    <a:p>
-                      <a:pPr algn="ctr">
-                        <a:buNone/>
-                      </a:pPr>
-                      <a:r>
                         <a:rPr lang="en-US" altLang="zh-CN">
                           <a:solidFill>
                             <a:schemeClr val="tx1"/>
                           </a:solidFill>
                         </a:rPr>
-                        <a:t>3.75</a:t>
+                        <a:t>4.79</a:t>
                       </a:r>
                       <a:endParaRPr lang="en-US" altLang="zh-CN">
                         <a:solidFill>
                           <a:schemeClr val="tx1"/>
-                        </a:solidFill>
-                      </a:endParaRPr>
-                    </a:p>
-                  </a:txBody>
-                  <a:tcPr anchor="ctr" anchorCtr="1"/>
-                </a:tc>
-                <a:tc>
-                  <a:txBody>
-                    <a:bodyPr/>
-                    <a:p>
-                      <a:pPr algn="ctr">
-                        <a:buNone/>
-                      </a:pPr>
-                      <a:r>
-                        <a:rPr lang="en-US" altLang="zh-CN">
-                          <a:solidFill>
-                            <a:schemeClr val="tx1"/>
-                          </a:solidFill>
-                        </a:rPr>
-                        <a:t>0.79</a:t>
-                      </a:r>
-                      <a:endParaRPr lang="en-US" altLang="zh-CN">
-                        <a:solidFill>
-                          <a:schemeClr val="tx1"/>
-                        </a:solidFill>
-                      </a:endParaRPr>
-                    </a:p>
-                  </a:txBody>
-                  <a:tcPr anchor="ctr" anchorCtr="1"/>
-                </a:tc>
-                <a:tc>
-                  <a:txBody>
-                    <a:bodyPr/>
-                    <a:p>
-                      <a:pPr algn="ctr">
-                        <a:buNone/>
-                      </a:pPr>
-                      <a:r>
-                        <a:rPr lang="en-US" altLang="zh-CN">
-                          <a:solidFill>
-                            <a:schemeClr val="tx1"/>
-                          </a:solidFill>
-                        </a:rPr>
-                        <a:t>2.51</a:t>
-                      </a:r>
-                      <a:endParaRPr lang="en-US" altLang="zh-CN">
-                        <a:solidFill>
-                          <a:schemeClr val="tx1"/>
-                        </a:solidFill>
-                      </a:endParaRPr>
-                    </a:p>
-                  </a:txBody>
-                  <a:tcPr anchor="ctr" anchorCtr="1"/>
-                </a:tc>
-                <a:tc>
-                  <a:txBody>
-                    <a:bodyPr/>
-                    <a:p>
-                      <a:pPr algn="ctr">
-                        <a:buNone/>
-                      </a:pPr>
-                      <a:r>
-                        <a:rPr lang="en-US" altLang="zh-CN">
-                          <a:solidFill>
-                            <a:schemeClr val="tx1"/>
-                          </a:solidFill>
-                        </a:rPr>
-                        <a:t>5.77</a:t>
-                      </a:r>
-                      <a:endParaRPr lang="en-US" altLang="zh-CN">
-                        <a:solidFill>
-                          <a:schemeClr val="tx1"/>
-                        </a:solidFill>
-                      </a:endParaRPr>
-                    </a:p>
-                  </a:txBody>
-                  <a:tcPr anchor="ctr" anchorCtr="1"/>
-                </a:tc>
-              </a:tr>
-              <a:tr h="476250">
-                <a:tc>
-                  <a:txBody>
-                    <a:bodyPr/>
-                    <a:p>
-                      <a:pPr algn="ctr">
-                        <a:buNone/>
-                      </a:pPr>
-                      <a:r>
-                        <a:rPr lang="en-US" altLang="zh-CN" sz="1800">
-                          <a:sym typeface="+mn-ea"/>
-                        </a:rPr>
-                        <a:t>Ensemble_multi_runs</a:t>
-                      </a:r>
-                      <a:endParaRPr lang="en-US" altLang="zh-CN"/>
-                    </a:p>
-                  </a:txBody>
-                  <a:tcPr anchor="ctr" anchorCtr="1"/>
-                </a:tc>
-                <a:tc>
-                  <a:txBody>
-                    <a:bodyPr/>
-                    <a:p>
-                      <a:pPr algn="ctr">
-                        <a:buNone/>
-                      </a:pPr>
-                      <a:r>
-                        <a:rPr lang="en-US" altLang="zh-CN">
-                          <a:solidFill>
-                            <a:srgbClr val="FF0000"/>
-                          </a:solidFill>
-                        </a:rPr>
-                        <a:t>3.69</a:t>
-                      </a:r>
-                      <a:endParaRPr lang="en-US" altLang="zh-CN">
-                        <a:solidFill>
-                          <a:srgbClr val="FF0000"/>
-                        </a:solidFill>
-                      </a:endParaRPr>
-                    </a:p>
-                  </a:txBody>
-                  <a:tcPr anchor="ctr" anchorCtr="1"/>
-                </a:tc>
-                <a:tc>
-                  <a:txBody>
-                    <a:bodyPr/>
-                    <a:p>
-                      <a:pPr algn="ctr">
-                        <a:buNone/>
-                      </a:pPr>
-                      <a:r>
-                        <a:rPr lang="en-US" altLang="zh-CN">
-                          <a:solidFill>
-                            <a:schemeClr val="tx1"/>
-                          </a:solidFill>
-                        </a:rPr>
-                        <a:t>0.67</a:t>
-                      </a:r>
-                      <a:endParaRPr lang="en-US" altLang="zh-CN">
-                        <a:solidFill>
-                          <a:schemeClr val="tx1"/>
-                        </a:solidFill>
-                      </a:endParaRPr>
-                    </a:p>
-                  </a:txBody>
-                  <a:tcPr anchor="ctr" anchorCtr="1"/>
-                </a:tc>
-                <a:tc>
-                  <a:txBody>
-                    <a:bodyPr/>
-                    <a:p>
-                      <a:pPr algn="ctr">
-                        <a:buNone/>
-                      </a:pPr>
-                      <a:r>
-                        <a:rPr lang="en-US" altLang="zh-CN">
-                          <a:solidFill>
-                            <a:srgbClr val="FF0000"/>
-                          </a:solidFill>
-                        </a:rPr>
-                        <a:t>2.46</a:t>
-                      </a:r>
-                      <a:endParaRPr lang="en-US" altLang="zh-CN">
-                        <a:solidFill>
-                          <a:srgbClr val="FF0000"/>
-                        </a:solidFill>
-                      </a:endParaRPr>
-                    </a:p>
-                  </a:txBody>
-                  <a:tcPr anchor="ctr" anchorCtr="1"/>
-                </a:tc>
-                <a:tc>
-                  <a:txBody>
-                    <a:bodyPr/>
-                    <a:p>
-                      <a:pPr algn="ctr">
-                        <a:buNone/>
-                      </a:pPr>
-                      <a:r>
-                        <a:rPr lang="en-US" altLang="zh-CN">
-                          <a:solidFill>
-                            <a:srgbClr val="FF0000"/>
-                          </a:solidFill>
-                        </a:rPr>
-                        <a:t>4.92</a:t>
-                      </a:r>
-                      <a:endParaRPr lang="en-US" altLang="zh-CN">
-                        <a:solidFill>
-                          <a:srgbClr val="FF0000"/>
                         </a:solidFill>
                       </a:endParaRPr>
                     </a:p>
@@ -4667,12 +4448,84 @@
           <a:p>
             <a:r>
               <a:rPr lang="en-US" altLang="zh-CN" sz="3200"/>
-              <a:t>Prediction Summary </a:t>
+              <a:t>Prediction Plots</a:t>
             </a:r>
             <a:endParaRPr lang="en-US" altLang="zh-CN" sz="3200"/>
           </a:p>
         </p:txBody>
       </p:sp>
+      <p:pic>
+        <p:nvPicPr>
+          <p:cNvPr id="2" name="图片 1" descr="scatter_test_performance_3_1"/>
+          <p:cNvPicPr>
+            <a:picLocks noChangeAspect="1"/>
+          </p:cNvPicPr>
+          <p:nvPr/>
+        </p:nvPicPr>
+        <p:blipFill>
+          <a:blip r:embed="rId1"/>
+          <a:stretch>
+            <a:fillRect/>
+          </a:stretch>
+        </p:blipFill>
+        <p:spPr>
+          <a:xfrm>
+            <a:off x="308610" y="1354455"/>
+            <a:ext cx="3896995" cy="3976370"/>
+          </a:xfrm>
+          <a:prstGeom prst="rect">
+            <a:avLst/>
+          </a:prstGeom>
+        </p:spPr>
+      </p:pic>
+      <p:pic>
+        <p:nvPicPr>
+          <p:cNvPr id="3" name="图片 2" descr="scatter_test_performance_16_0"/>
+          <p:cNvPicPr>
+            <a:picLocks noChangeAspect="1"/>
+          </p:cNvPicPr>
+          <p:nvPr/>
+        </p:nvPicPr>
+        <p:blipFill>
+          <a:blip r:embed="rId2"/>
+          <a:stretch>
+            <a:fillRect/>
+          </a:stretch>
+        </p:blipFill>
+        <p:spPr>
+          <a:xfrm>
+            <a:off x="4205605" y="1354455"/>
+            <a:ext cx="3896360" cy="3976370"/>
+          </a:xfrm>
+          <a:prstGeom prst="rect">
+            <a:avLst/>
+          </a:prstGeom>
+        </p:spPr>
+      </p:pic>
+      <p:pic>
+        <p:nvPicPr>
+          <p:cNvPr id="4" name="图片 3" descr="scatter_test_performance_5_multi"/>
+          <p:cNvPicPr>
+            <a:picLocks noChangeAspect="1"/>
+          </p:cNvPicPr>
+          <p:nvPr/>
+        </p:nvPicPr>
+        <p:blipFill>
+          <a:blip r:embed="rId3"/>
+          <a:stretch>
+            <a:fillRect/>
+          </a:stretch>
+        </p:blipFill>
+        <p:spPr>
+          <a:xfrm>
+            <a:off x="8101965" y="1354455"/>
+            <a:ext cx="3896360" cy="3976370"/>
+          </a:xfrm>
+          <a:prstGeom prst="rect">
+            <a:avLst/>
+          </a:prstGeom>
+        </p:spPr>
+      </p:pic>
     </p:spTree>
   </p:cSld>
   <p:clrMapOvr>
@@ -4720,6 +4573,580 @@
           </a:p>
         </p:txBody>
       </p:sp>
+      <p:graphicFrame>
+        <p:nvGraphicFramePr>
+          <p:cNvPr id="4" name="表格 3"/>
+          <p:cNvGraphicFramePr/>
+          <p:nvPr>
+            <p:custDataLst>
+              <p:tags r:id="rId1"/>
+            </p:custDataLst>
+          </p:nvPr>
+        </p:nvGraphicFramePr>
+        <p:xfrm>
+          <a:off x="1447800" y="2385060"/>
+          <a:ext cx="8194040" cy="2088515"/>
+        </p:xfrm>
+        <a:graphic>
+          <a:graphicData uri="http://schemas.openxmlformats.org/drawingml/2006/table">
+            <a:tbl>
+              <a:tblPr firstRow="1" bandRow="1">
+                <a:tableStyleId>{5C22544A-7EE6-4342-B048-85BDC9FD1C3A}</a:tableStyleId>
+              </a:tblPr>
+              <a:tblGrid>
+                <a:gridCol w="2921635"/>
+                <a:gridCol w="1293495"/>
+                <a:gridCol w="1326515"/>
+                <a:gridCol w="1326515"/>
+                <a:gridCol w="1325880"/>
+              </a:tblGrid>
+              <a:tr h="659765">
+                <a:tc>
+                  <a:txBody>
+                    <a:bodyPr/>
+                    <a:p>
+                      <a:pPr algn="ctr">
+                        <a:buNone/>
+                      </a:pPr>
+                      <a:r>
+                        <a:rPr lang="en-US" altLang="zh-CN"/>
+                        <a:t>Mean Absolute Error</a:t>
+                      </a:r>
+                      <a:endParaRPr lang="en-US" altLang="zh-CN"/>
+                    </a:p>
+                    <a:p>
+                      <a:pPr algn="ctr">
+                        <a:buNone/>
+                      </a:pPr>
+                      <a:r>
+                        <a:rPr lang="en-US" altLang="zh-CN"/>
+                        <a:t>(20 random states)</a:t>
+                      </a:r>
+                      <a:endParaRPr lang="en-US" altLang="zh-CN"/>
+                    </a:p>
+                  </a:txBody>
+                  <a:tcPr anchor="ctr" anchorCtr="1"/>
+                </a:tc>
+                <a:tc>
+                  <a:txBody>
+                    <a:bodyPr/>
+                    <a:p>
+                      <a:pPr algn="ctr">
+                        <a:buNone/>
+                      </a:pPr>
+                      <a:r>
+                        <a:rPr lang="en-US" altLang="zh-CN"/>
+                        <a:t>Mean</a:t>
+                      </a:r>
+                      <a:endParaRPr lang="en-US" altLang="zh-CN"/>
+                    </a:p>
+                  </a:txBody>
+                  <a:tcPr anchor="ctr" anchorCtr="1"/>
+                </a:tc>
+                <a:tc>
+                  <a:txBody>
+                    <a:bodyPr/>
+                    <a:p>
+                      <a:pPr algn="ctr">
+                        <a:buNone/>
+                      </a:pPr>
+                      <a:r>
+                        <a:rPr lang="en-US" altLang="zh-CN"/>
+                        <a:t>Std</a:t>
+                      </a:r>
+                      <a:endParaRPr lang="en-US" altLang="zh-CN"/>
+                    </a:p>
+                  </a:txBody>
+                  <a:tcPr anchor="ctr" anchorCtr="1"/>
+                </a:tc>
+                <a:tc>
+                  <a:txBody>
+                    <a:bodyPr/>
+                    <a:p>
+                      <a:pPr algn="ctr">
+                        <a:buNone/>
+                      </a:pPr>
+                      <a:r>
+                        <a:rPr lang="en-US" altLang="zh-CN" sz="1800">
+                          <a:sym typeface="+mn-ea"/>
+                        </a:rPr>
+                        <a:t>Min</a:t>
+                      </a:r>
+                      <a:endParaRPr lang="en-US" altLang="zh-CN"/>
+                    </a:p>
+                  </a:txBody>
+                  <a:tcPr anchor="ctr" anchorCtr="1"/>
+                </a:tc>
+                <a:tc>
+                  <a:txBody>
+                    <a:bodyPr/>
+                    <a:p>
+                      <a:pPr algn="ctr">
+                        <a:buNone/>
+                      </a:pPr>
+                      <a:r>
+                        <a:rPr lang="en-US" altLang="zh-CN" sz="1800">
+                          <a:sym typeface="+mn-ea"/>
+                        </a:rPr>
+                        <a:t>Max</a:t>
+                      </a:r>
+                      <a:endParaRPr lang="en-US" altLang="zh-CN"/>
+                    </a:p>
+                  </a:txBody>
+                  <a:tcPr anchor="ctr" anchorCtr="1"/>
+                </a:tc>
+              </a:tr>
+              <a:tr h="476250">
+                <a:tc>
+                  <a:txBody>
+                    <a:bodyPr/>
+                    <a:p>
+                      <a:pPr algn="ctr">
+                        <a:buNone/>
+                      </a:pPr>
+                      <a:r>
+                        <a:rPr lang="en-US" altLang="zh-CN"/>
+                        <a:t>Tract Data ensemble</a:t>
+                      </a:r>
+                      <a:endParaRPr lang="en-US" altLang="zh-CN"/>
+                    </a:p>
+                  </a:txBody>
+                  <a:tcPr anchor="ctr" anchorCtr="1"/>
+                </a:tc>
+                <a:tc>
+                  <a:txBody>
+                    <a:bodyPr/>
+                    <a:p>
+                      <a:pPr algn="ctr">
+                        <a:buNone/>
+                      </a:pPr>
+                      <a:r>
+                        <a:rPr lang="en-US" altLang="zh-CN">
+                          <a:solidFill>
+                            <a:schemeClr val="tx1"/>
+                          </a:solidFill>
+                        </a:rPr>
+                        <a:t>3.10</a:t>
+                      </a:r>
+                      <a:endParaRPr lang="en-US" altLang="zh-CN">
+                        <a:solidFill>
+                          <a:schemeClr val="tx1"/>
+                        </a:solidFill>
+                      </a:endParaRPr>
+                    </a:p>
+                  </a:txBody>
+                  <a:tcPr anchor="ctr" anchorCtr="1"/>
+                </a:tc>
+                <a:tc>
+                  <a:txBody>
+                    <a:bodyPr/>
+                    <a:p>
+                      <a:pPr algn="ctr">
+                        <a:buNone/>
+                      </a:pPr>
+                      <a:r>
+                        <a:rPr lang="en-US" altLang="zh-CN">
+                          <a:solidFill>
+                            <a:schemeClr val="tx1"/>
+                          </a:solidFill>
+                        </a:rPr>
+                        <a:t>0.50</a:t>
+                      </a:r>
+                      <a:endParaRPr lang="en-US" altLang="zh-CN">
+                        <a:solidFill>
+                          <a:schemeClr val="tx1"/>
+                        </a:solidFill>
+                      </a:endParaRPr>
+                    </a:p>
+                  </a:txBody>
+                  <a:tcPr anchor="ctr" anchorCtr="1"/>
+                </a:tc>
+                <a:tc>
+                  <a:txBody>
+                    <a:bodyPr/>
+                    <a:p>
+                      <a:pPr algn="ctr">
+                        <a:buNone/>
+                      </a:pPr>
+                      <a:r>
+                        <a:rPr lang="en-US" altLang="zh-CN">
+                          <a:solidFill>
+                            <a:schemeClr val="tx1"/>
+                          </a:solidFill>
+                        </a:rPr>
+                        <a:t>2.04</a:t>
+                      </a:r>
+                      <a:endParaRPr lang="en-US" altLang="zh-CN">
+                        <a:solidFill>
+                          <a:schemeClr val="tx1"/>
+                        </a:solidFill>
+                      </a:endParaRPr>
+                    </a:p>
+                  </a:txBody>
+                  <a:tcPr anchor="ctr" anchorCtr="1"/>
+                </a:tc>
+                <a:tc>
+                  <a:txBody>
+                    <a:bodyPr/>
+                    <a:p>
+                      <a:pPr algn="ctr">
+                        <a:buNone/>
+                      </a:pPr>
+                      <a:r>
+                        <a:rPr lang="en-US" altLang="zh-CN">
+                          <a:solidFill>
+                            <a:schemeClr val="tx1"/>
+                          </a:solidFill>
+                        </a:rPr>
+                        <a:t>4.13</a:t>
+                      </a:r>
+                      <a:endParaRPr lang="en-US" altLang="zh-CN">
+                        <a:solidFill>
+                          <a:schemeClr val="tx1"/>
+                        </a:solidFill>
+                      </a:endParaRPr>
+                    </a:p>
+                  </a:txBody>
+                  <a:tcPr anchor="ctr" anchorCtr="1"/>
+                </a:tc>
+              </a:tr>
+              <a:tr h="476250">
+                <a:tc>
+                  <a:txBody>
+                    <a:bodyPr/>
+                    <a:p>
+                      <a:pPr algn="ctr">
+                        <a:buNone/>
+                      </a:pPr>
+                      <a:r>
+                        <a:rPr lang="en-US" altLang="zh-CN" sz="1800">
+                          <a:sym typeface="+mn-ea"/>
+                        </a:rPr>
+                        <a:t>Image Data ensemble</a:t>
+                      </a:r>
+                      <a:endParaRPr lang="zh-CN" altLang="en-US"/>
+                    </a:p>
+                  </a:txBody>
+                  <a:tcPr anchor="ctr" anchorCtr="1"/>
+                </a:tc>
+                <a:tc>
+                  <a:txBody>
+                    <a:bodyPr/>
+                    <a:p>
+                      <a:pPr algn="ctr">
+                        <a:buNone/>
+                      </a:pPr>
+                      <a:r>
+                        <a:rPr lang="en-US" altLang="zh-CN"/>
+                        <a:t>3.34</a:t>
+                      </a:r>
+                      <a:endParaRPr lang="en-US" altLang="zh-CN"/>
+                    </a:p>
+                  </a:txBody>
+                  <a:tcPr anchor="ctr" anchorCtr="1"/>
+                </a:tc>
+                <a:tc>
+                  <a:txBody>
+                    <a:bodyPr/>
+                    <a:p>
+                      <a:pPr algn="ctr">
+                        <a:buNone/>
+                      </a:pPr>
+                      <a:r>
+                        <a:rPr lang="en-US" altLang="zh-CN">
+                          <a:solidFill>
+                            <a:schemeClr val="tx1"/>
+                          </a:solidFill>
+                        </a:rPr>
+                        <a:t>0.75</a:t>
+                      </a:r>
+                      <a:endParaRPr lang="en-US" altLang="zh-CN">
+                        <a:solidFill>
+                          <a:schemeClr val="tx1"/>
+                        </a:solidFill>
+                      </a:endParaRPr>
+                    </a:p>
+                  </a:txBody>
+                  <a:tcPr anchor="ctr" anchorCtr="1"/>
+                </a:tc>
+                <a:tc>
+                  <a:txBody>
+                    <a:bodyPr/>
+                    <a:p>
+                      <a:pPr algn="ctr">
+                        <a:buNone/>
+                      </a:pPr>
+                      <a:r>
+                        <a:rPr lang="en-US" altLang="zh-CN">
+                          <a:solidFill>
+                            <a:schemeClr val="tx1"/>
+                          </a:solidFill>
+                        </a:rPr>
+                        <a:t>2.12</a:t>
+                      </a:r>
+                      <a:endParaRPr lang="en-US" altLang="zh-CN">
+                        <a:solidFill>
+                          <a:schemeClr val="tx1"/>
+                        </a:solidFill>
+                      </a:endParaRPr>
+                    </a:p>
+                  </a:txBody>
+                  <a:tcPr anchor="ctr" anchorCtr="1"/>
+                </a:tc>
+                <a:tc>
+                  <a:txBody>
+                    <a:bodyPr/>
+                    <a:p>
+                      <a:pPr algn="ctr">
+                        <a:buNone/>
+                      </a:pPr>
+                      <a:r>
+                        <a:rPr lang="en-US" altLang="zh-CN">
+                          <a:solidFill>
+                            <a:schemeClr val="tx1"/>
+                          </a:solidFill>
+                        </a:rPr>
+                        <a:t>4.79</a:t>
+                      </a:r>
+                      <a:endParaRPr lang="en-US" altLang="zh-CN">
+                        <a:solidFill>
+                          <a:schemeClr val="tx1"/>
+                        </a:solidFill>
+                      </a:endParaRPr>
+                    </a:p>
+                  </a:txBody>
+                  <a:tcPr anchor="ctr" anchorCtr="1"/>
+                </a:tc>
+              </a:tr>
+              <a:tr h="476250">
+                <a:tc>
+                  <a:txBody>
+                    <a:bodyPr/>
+                    <a:p>
+                      <a:pPr algn="ctr">
+                        <a:buNone/>
+                      </a:pPr>
+                      <a:r>
+                        <a:rPr lang="en-US" altLang="zh-CN"/>
+                        <a:t>Total Data ensemble</a:t>
+                      </a:r>
+                      <a:endParaRPr lang="en-US" altLang="zh-CN"/>
+                    </a:p>
+                  </a:txBody>
+                  <a:tcPr anchor="ctr" anchorCtr="1"/>
+                </a:tc>
+                <a:tc>
+                  <a:txBody>
+                    <a:bodyPr/>
+                    <a:p>
+                      <a:pPr algn="ctr">
+                        <a:buNone/>
+                      </a:pPr>
+                      <a:r>
+                        <a:rPr lang="en-US" altLang="zh-CN">
+                          <a:solidFill>
+                            <a:srgbClr val="FF0000"/>
+                          </a:solidFill>
+                        </a:rPr>
+                        <a:t>3.00</a:t>
+                      </a:r>
+                      <a:endParaRPr lang="en-US" altLang="zh-CN">
+                        <a:solidFill>
+                          <a:srgbClr val="FF0000"/>
+                        </a:solidFill>
+                      </a:endParaRPr>
+                    </a:p>
+                  </a:txBody>
+                  <a:tcPr anchor="ctr" anchorCtr="1"/>
+                </a:tc>
+                <a:tc>
+                  <a:txBody>
+                    <a:bodyPr/>
+                    <a:p>
+                      <a:pPr algn="ctr">
+                        <a:buNone/>
+                      </a:pPr>
+                      <a:r>
+                        <a:rPr lang="en-US" altLang="zh-CN"/>
+                        <a:t>0.49</a:t>
+                      </a:r>
+                      <a:endParaRPr lang="en-US" altLang="zh-CN"/>
+                    </a:p>
+                  </a:txBody>
+                  <a:tcPr anchor="ctr" anchorCtr="1"/>
+                </a:tc>
+                <a:tc>
+                  <a:txBody>
+                    <a:bodyPr/>
+                    <a:p>
+                      <a:pPr algn="ctr">
+                        <a:buNone/>
+                      </a:pPr>
+                      <a:r>
+                        <a:rPr lang="en-US" altLang="zh-CN">
+                          <a:solidFill>
+                            <a:schemeClr val="tx1"/>
+                          </a:solidFill>
+                        </a:rPr>
+                        <a:t>2.08</a:t>
+                      </a:r>
+                      <a:endParaRPr lang="en-US" altLang="zh-CN">
+                        <a:solidFill>
+                          <a:schemeClr val="tx1"/>
+                        </a:solidFill>
+                      </a:endParaRPr>
+                    </a:p>
+                  </a:txBody>
+                  <a:tcPr anchor="ctr" anchorCtr="1"/>
+                </a:tc>
+                <a:tc>
+                  <a:txBody>
+                    <a:bodyPr/>
+                    <a:p>
+                      <a:pPr algn="ctr">
+                        <a:buNone/>
+                      </a:pPr>
+                      <a:r>
+                        <a:rPr lang="en-US" altLang="zh-CN">
+                          <a:solidFill>
+                            <a:schemeClr val="tx1"/>
+                          </a:solidFill>
+                        </a:rPr>
+                        <a:t>3.87</a:t>
+                      </a:r>
+                      <a:endParaRPr lang="en-US" altLang="zh-CN">
+                        <a:solidFill>
+                          <a:schemeClr val="tx1"/>
+                        </a:solidFill>
+                      </a:endParaRPr>
+                    </a:p>
+                  </a:txBody>
+                  <a:tcPr anchor="ctr" anchorCtr="1"/>
+                </a:tc>
+              </a:tr>
+            </a:tbl>
+          </a:graphicData>
+        </a:graphic>
+      </p:graphicFrame>
+    </p:spTree>
+  </p:cSld>
+  <p:clrMapOvr>
+    <a:masterClrMapping/>
+  </p:clrMapOvr>
+</p:sld>
+</file>
+
+<file path=ppt/slides/slide15.xml><?xml version="1.0" encoding="utf-8"?>
+<p:sld xmlns:a="http://schemas.openxmlformats.org/drawingml/2006/main" xmlns:r="http://schemas.openxmlformats.org/officeDocument/2006/relationships" xmlns:p="http://schemas.openxmlformats.org/presentationml/2006/main">
+  <p:cSld>
+    <p:spTree>
+      <p:nvGrpSpPr>
+        <p:cNvPr id="1" name=""/>
+        <p:cNvGrpSpPr/>
+        <p:nvPr/>
+      </p:nvGrpSpPr>
+      <p:grpSpPr/>
+      <p:sp>
+        <p:nvSpPr>
+          <p:cNvPr id="6" name="文本框 5"/>
+          <p:cNvSpPr txBox="1"/>
+          <p:nvPr/>
+        </p:nvSpPr>
+        <p:spPr>
+          <a:xfrm>
+            <a:off x="433705" y="429895"/>
+            <a:ext cx="8645525" cy="583565"/>
+          </a:xfrm>
+          <a:prstGeom prst="rect">
+            <a:avLst/>
+          </a:prstGeom>
+          <a:noFill/>
+        </p:spPr>
+        <p:txBody>
+          <a:bodyPr wrap="square" rtlCol="0">
+            <a:spAutoFit/>
+          </a:bodyPr>
+          <a:p>
+            <a:r>
+              <a:rPr lang="en-US" altLang="zh-CN" sz="3200"/>
+              <a:t>Prediction Plots</a:t>
+            </a:r>
+            <a:endParaRPr lang="en-US" altLang="zh-CN" sz="3200"/>
+          </a:p>
+        </p:txBody>
+      </p:sp>
+      <p:pic>
+        <p:nvPicPr>
+          <p:cNvPr id="4" name="图片 3" descr="scatter_test_performance_3"/>
+          <p:cNvPicPr>
+            <a:picLocks noChangeAspect="1"/>
+          </p:cNvPicPr>
+          <p:nvPr/>
+        </p:nvPicPr>
+        <p:blipFill>
+          <a:blip r:embed="rId1"/>
+          <a:stretch>
+            <a:fillRect/>
+          </a:stretch>
+        </p:blipFill>
+        <p:spPr>
+          <a:xfrm>
+            <a:off x="304800" y="1573530"/>
+            <a:ext cx="3792220" cy="3869690"/>
+          </a:xfrm>
+          <a:prstGeom prst="rect">
+            <a:avLst/>
+          </a:prstGeom>
+        </p:spPr>
+      </p:pic>
+      <p:pic>
+        <p:nvPicPr>
+          <p:cNvPr id="5" name="图片 4" descr="scatter_test_performance_15"/>
+          <p:cNvPicPr>
+            <a:picLocks noChangeAspect="1"/>
+          </p:cNvPicPr>
+          <p:nvPr/>
+        </p:nvPicPr>
+        <p:blipFill>
+          <a:blip r:embed="rId2"/>
+          <a:stretch>
+            <a:fillRect/>
+          </a:stretch>
+        </p:blipFill>
+        <p:spPr>
+          <a:xfrm>
+            <a:off x="4199890" y="1573530"/>
+            <a:ext cx="3792220" cy="3869690"/>
+          </a:xfrm>
+          <a:prstGeom prst="rect">
+            <a:avLst/>
+          </a:prstGeom>
+        </p:spPr>
+      </p:pic>
+      <p:pic>
+        <p:nvPicPr>
+          <p:cNvPr id="7" name="图片 6" descr="scatter_test_performance_27"/>
+          <p:cNvPicPr>
+            <a:picLocks noChangeAspect="1"/>
+          </p:cNvPicPr>
+          <p:nvPr/>
+        </p:nvPicPr>
+        <p:blipFill>
+          <a:blip r:embed="rId3"/>
+          <a:stretch>
+            <a:fillRect/>
+          </a:stretch>
+        </p:blipFill>
+        <p:spPr>
+          <a:xfrm>
+            <a:off x="8094980" y="1573530"/>
+            <a:ext cx="3792220" cy="3869055"/>
+          </a:xfrm>
+          <a:prstGeom prst="rect">
+            <a:avLst/>
+          </a:prstGeom>
+        </p:spPr>
+      </p:pic>
     </p:spTree>
   </p:cSld>
   <p:clrMapOvr>
@@ -7274,7 +7701,7 @@
         </p:nvSpPr>
         <p:spPr>
           <a:xfrm>
-            <a:off x="433705" y="429895"/>
+            <a:off x="433705" y="439420"/>
             <a:ext cx="8645525" cy="583565"/>
           </a:xfrm>
           <a:prstGeom prst="rect">
@@ -7295,9 +7722,38 @@
           </a:p>
         </p:txBody>
       </p:sp>
+      <p:sp>
+        <p:nvSpPr>
+          <p:cNvPr id="2" name="文本框 1"/>
+          <p:cNvSpPr txBox="1"/>
+          <p:nvPr/>
+        </p:nvSpPr>
+        <p:spPr>
+          <a:xfrm>
+            <a:off x="4826000" y="2967990"/>
+            <a:ext cx="2540000" cy="922020"/>
+          </a:xfrm>
+          <a:prstGeom prst="rect">
+            <a:avLst/>
+          </a:prstGeom>
+          <a:noFill/>
+        </p:spPr>
+        <p:txBody>
+          <a:bodyPr wrap="square" rtlCol="0" anchor="t">
+            <a:spAutoFit/>
+          </a:bodyPr>
+          <a:p>
+            <a:r>
+              <a:rPr lang="zh-CN" altLang="en-US"/>
+              <a:t>logger.info(f'Std MAE: {np.std(res_dict_total[models[i]])}')</a:t>
+            </a:r>
+            <a:endParaRPr lang="zh-CN" altLang="en-US"/>
+          </a:p>
+        </p:txBody>
+      </p:sp>
       <p:graphicFrame>
         <p:nvGraphicFramePr>
-          <p:cNvPr id="4" name="表格 3"/>
+          <p:cNvPr id="3" name="表格 2"/>
           <p:cNvGraphicFramePr/>
           <p:nvPr>
             <p:custDataLst>
@@ -7307,7 +7763,7 @@
         </p:nvGraphicFramePr>
         <p:xfrm>
           <a:off x="1428750" y="1203960"/>
-          <a:ext cx="8194040" cy="4286250"/>
+          <a:ext cx="8194040" cy="4450080"/>
         </p:xfrm>
         <a:graphic>
           <a:graphicData uri="http://schemas.openxmlformats.org/drawingml/2006/table">
@@ -7444,7 +7900,7 @@
                       </a:pPr>
                       <a:r>
                         <a:rPr lang="en-US" altLang="zh-CN"/>
-                        <a:t>4.52</a:t>
+                        <a:t>3.61</a:t>
                       </a:r>
                       <a:endParaRPr lang="en-US" altLang="zh-CN"/>
                     </a:p>
@@ -7460,7 +7916,7 @@
                       </a:pPr>
                       <a:r>
                         <a:rPr lang="en-US" altLang="zh-CN"/>
-                        <a:t>0.71</a:t>
+                        <a:t>0.62</a:t>
                       </a:r>
                       <a:endParaRPr lang="en-US" altLang="zh-CN"/>
                     </a:p>
@@ -7480,7 +7936,7 @@
                             <a:schemeClr val="tx1"/>
                           </a:solidFill>
                         </a:rPr>
-                        <a:t>2.33</a:t>
+                        <a:t>2.42</a:t>
                       </a:r>
                       <a:endParaRPr lang="en-US" altLang="zh-CN">
                         <a:solidFill>
@@ -7500,7 +7956,7 @@
                       </a:pPr>
                       <a:r>
                         <a:rPr lang="en-US" altLang="zh-CN"/>
-                        <a:t>5.93</a:t>
+                        <a:t>5.02</a:t>
                       </a:r>
                       <a:endParaRPr lang="en-US" altLang="zh-CN"/>
                     </a:p>
@@ -7542,7 +7998,7 @@
                       </a:pPr>
                       <a:r>
                         <a:rPr lang="en-US" altLang="zh-CN"/>
-                        <a:t>4.72</a:t>
+                        <a:t>3.88</a:t>
                       </a:r>
                       <a:endParaRPr lang="en-US" altLang="zh-CN"/>
                     </a:p>
@@ -7558,7 +8014,7 @@
                       </a:pPr>
                       <a:r>
                         <a:rPr lang="en-US" altLang="zh-CN"/>
-                        <a:t>0.84</a:t>
+                        <a:t>0.67</a:t>
                       </a:r>
                       <a:endParaRPr lang="en-US" altLang="zh-CN"/>
                     </a:p>
@@ -7578,7 +8034,7 @@
                             <a:schemeClr val="tx1"/>
                           </a:solidFill>
                         </a:rPr>
-                        <a:t>2.68</a:t>
+                        <a:t>2.71</a:t>
                       </a:r>
                       <a:endParaRPr lang="en-US" altLang="zh-CN">
                         <a:solidFill>
@@ -7598,7 +8054,7 @@
                       </a:pPr>
                       <a:r>
                         <a:rPr lang="en-US" altLang="zh-CN"/>
-                        <a:t>6.73</a:t>
+                        <a:t>5.74</a:t>
                       </a:r>
                       <a:endParaRPr lang="en-US" altLang="zh-CN"/>
                     </a:p>
@@ -7644,7 +8100,7 @@
                             <a:schemeClr val="tx1"/>
                           </a:solidFill>
                         </a:rPr>
-                        <a:t>4.75</a:t>
+                        <a:t>3.85</a:t>
                       </a:r>
                       <a:endParaRPr lang="en-US" altLang="zh-CN">
                         <a:solidFill>
@@ -7664,7 +8120,7 @@
                       </a:pPr>
                       <a:r>
                         <a:rPr lang="en-US" altLang="zh-CN"/>
-                        <a:t>0.89</a:t>
+                        <a:t>0.77</a:t>
                       </a:r>
                       <a:endParaRPr lang="en-US" altLang="zh-CN"/>
                     </a:p>
@@ -7680,7 +8136,7 @@
                       </a:pPr>
                       <a:r>
                         <a:rPr lang="en-US" altLang="zh-CN"/>
-                        <a:t>3.23</a:t>
+                        <a:t>2.53</a:t>
                       </a:r>
                       <a:endParaRPr lang="en-US" altLang="zh-CN"/>
                     </a:p>
@@ -7696,7 +8152,7 @@
                       </a:pPr>
                       <a:r>
                         <a:rPr lang="en-US" altLang="zh-CN"/>
-                        <a:t>7.88</a:t>
+                        <a:t>6.23</a:t>
                       </a:r>
                       <a:endParaRPr lang="en-US" altLang="zh-CN"/>
                     </a:p>
@@ -7742,7 +8198,7 @@
                             <a:srgbClr val="FF0000"/>
                           </a:solidFill>
                         </a:rPr>
-                        <a:t>3.93</a:t>
+                        <a:t>3.23</a:t>
                       </a:r>
                       <a:endParaRPr lang="en-US" altLang="zh-CN">
                         <a:solidFill>
@@ -7762,7 +8218,381 @@
                       </a:pPr>
                       <a:r>
                         <a:rPr lang="en-US" altLang="zh-CN"/>
-                        <a:t>0.70</a:t>
+                        <a:t>0.58</a:t>
+                      </a:r>
+                      <a:endParaRPr lang="en-US" altLang="zh-CN"/>
+                    </a:p>
+                  </a:txBody>
+                  <a:tcPr anchor="ctr" anchorCtr="1"/>
+                </a:tc>
+                <a:tc>
+                  <a:txBody>
+                    <a:bodyPr/>
+                    <a:p>
+                      <a:pPr algn="ctr">
+                        <a:buNone/>
+                      </a:pPr>
+                      <a:r>
+                        <a:rPr lang="en-US" altLang="zh-CN">
+                          <a:solidFill>
+                            <a:schemeClr val="tx1"/>
+                          </a:solidFill>
+                        </a:rPr>
+                        <a:t>2.00</a:t>
+                      </a:r>
+                      <a:endParaRPr lang="en-US" altLang="zh-CN">
+                        <a:solidFill>
+                          <a:schemeClr val="tx1"/>
+                        </a:solidFill>
+                      </a:endParaRPr>
+                    </a:p>
+                  </a:txBody>
+                  <a:tcPr anchor="ctr" anchorCtr="1"/>
+                </a:tc>
+                <a:tc>
+                  <a:txBody>
+                    <a:bodyPr/>
+                    <a:p>
+                      <a:pPr algn="ctr">
+                        <a:buNone/>
+                      </a:pPr>
+                      <a:r>
+                        <a:rPr lang="en-US" altLang="zh-CN">
+                          <a:solidFill>
+                            <a:schemeClr val="tx1"/>
+                          </a:solidFill>
+                        </a:rPr>
+                        <a:t>4.63</a:t>
+                      </a:r>
+                      <a:endParaRPr lang="en-US" altLang="zh-CN">
+                        <a:solidFill>
+                          <a:schemeClr val="tx1"/>
+                        </a:solidFill>
+                      </a:endParaRPr>
+                    </a:p>
+                  </a:txBody>
+                  <a:tcPr anchor="ctr" anchorCtr="1"/>
+                </a:tc>
+              </a:tr>
+              <a:tr h="476250">
+                <a:tc>
+                  <a:txBody>
+                    <a:bodyPr/>
+                    <a:p>
+                      <a:pPr algn="ctr">
+                        <a:buNone/>
+                      </a:pPr>
+                      <a:r>
+                        <a:rPr lang="en-US" altLang="zh-CN" sz="1800">
+                          <a:sym typeface="+mn-ea"/>
+                        </a:rPr>
+                        <a:t>SVR_multi_runs</a:t>
+                      </a:r>
+                      <a:endParaRPr lang="zh-CN" altLang="en-US"/>
+                    </a:p>
+                  </a:txBody>
+                  <a:tcPr anchor="ctr" anchorCtr="1"/>
+                </a:tc>
+                <a:tc>
+                  <a:txBody>
+                    <a:bodyPr/>
+                    <a:p>
+                      <a:pPr algn="ctr">
+                        <a:buNone/>
+                      </a:pPr>
+                      <a:r>
+                        <a:rPr lang="en-US" altLang="zh-CN"/>
+                        <a:t>3.47</a:t>
+                      </a:r>
+                      <a:endParaRPr lang="en-US" altLang="zh-CN"/>
+                    </a:p>
+                  </a:txBody>
+                  <a:tcPr anchor="ctr" anchorCtr="1"/>
+                </a:tc>
+                <a:tc>
+                  <a:txBody>
+                    <a:bodyPr/>
+                    <a:p>
+                      <a:pPr algn="ctr">
+                        <a:buNone/>
+                      </a:pPr>
+                      <a:r>
+                        <a:rPr lang="en-US" altLang="zh-CN">
+                          <a:solidFill>
+                            <a:schemeClr val="tx1"/>
+                          </a:solidFill>
+                        </a:rPr>
+                        <a:t>0.52</a:t>
+                      </a:r>
+                      <a:endParaRPr lang="en-US" altLang="zh-CN">
+                        <a:solidFill>
+                          <a:schemeClr val="tx1"/>
+                        </a:solidFill>
+                      </a:endParaRPr>
+                    </a:p>
+                  </a:txBody>
+                  <a:tcPr anchor="ctr" anchorCtr="1"/>
+                </a:tc>
+                <a:tc>
+                  <a:txBody>
+                    <a:bodyPr/>
+                    <a:p>
+                      <a:pPr algn="ctr">
+                        <a:buNone/>
+                      </a:pPr>
+                      <a:r>
+                        <a:rPr lang="en-US" altLang="zh-CN"/>
+                        <a:t>2.47</a:t>
+                      </a:r>
+                      <a:endParaRPr lang="en-US" altLang="zh-CN"/>
+                    </a:p>
+                  </a:txBody>
+                  <a:tcPr anchor="ctr" anchorCtr="1"/>
+                </a:tc>
+                <a:tc>
+                  <a:txBody>
+                    <a:bodyPr/>
+                    <a:p>
+                      <a:pPr algn="ctr">
+                        <a:buNone/>
+                      </a:pPr>
+                      <a:r>
+                        <a:rPr lang="en-US" altLang="zh-CN"/>
+                        <a:t>4.46</a:t>
+                      </a:r>
+                      <a:endParaRPr lang="en-US" altLang="zh-CN"/>
+                    </a:p>
+                  </a:txBody>
+                  <a:tcPr anchor="ctr" anchorCtr="1"/>
+                </a:tc>
+              </a:tr>
+              <a:tr h="476250">
+                <a:tc>
+                  <a:txBody>
+                    <a:bodyPr/>
+                    <a:p>
+                      <a:pPr algn="ctr">
+                        <a:buNone/>
+                      </a:pPr>
+                      <a:r>
+                        <a:rPr lang="en-US" altLang="zh-CN" sz="1800">
+                          <a:sym typeface="+mn-ea"/>
+                        </a:rPr>
+                        <a:t>XGBoost_</a:t>
+                      </a:r>
+                      <a:r>
+                        <a:rPr lang="en-US" altLang="zh-CN" sz="1800">
+                          <a:sym typeface="+mn-ea"/>
+                        </a:rPr>
+                        <a:t>multi_runs</a:t>
+                      </a:r>
+                      <a:endParaRPr lang="zh-CN" altLang="en-US"/>
+                    </a:p>
+                  </a:txBody>
+                  <a:tcPr anchor="ctr" anchorCtr="1"/>
+                </a:tc>
+                <a:tc>
+                  <a:txBody>
+                    <a:bodyPr/>
+                    <a:p>
+                      <a:pPr algn="ctr">
+                        <a:buNone/>
+                      </a:pPr>
+                      <a:r>
+                        <a:rPr lang="en-US" altLang="zh-CN"/>
+                        <a:t>3.42</a:t>
+                      </a:r>
+                      <a:endParaRPr lang="en-US" altLang="zh-CN"/>
+                    </a:p>
+                  </a:txBody>
+                  <a:tcPr anchor="ctr" anchorCtr="1"/>
+                </a:tc>
+                <a:tc>
+                  <a:txBody>
+                    <a:bodyPr/>
+                    <a:p>
+                      <a:pPr algn="ctr">
+                        <a:buNone/>
+                      </a:pPr>
+                      <a:r>
+                        <a:rPr lang="en-US" altLang="zh-CN">
+                          <a:solidFill>
+                            <a:schemeClr val="tx1"/>
+                          </a:solidFill>
+                        </a:rPr>
+                        <a:t>0.49</a:t>
+                      </a:r>
+                      <a:endParaRPr lang="en-US" altLang="zh-CN">
+                        <a:solidFill>
+                          <a:schemeClr val="tx1"/>
+                        </a:solidFill>
+                      </a:endParaRPr>
+                    </a:p>
+                  </a:txBody>
+                  <a:tcPr anchor="ctr" anchorCtr="1"/>
+                </a:tc>
+                <a:tc>
+                  <a:txBody>
+                    <a:bodyPr/>
+                    <a:p>
+                      <a:pPr algn="ctr">
+                        <a:buNone/>
+                      </a:pPr>
+                      <a:r>
+                        <a:rPr lang="en-US" altLang="zh-CN"/>
+                        <a:t>2.54</a:t>
+                      </a:r>
+                      <a:endParaRPr lang="en-US" altLang="zh-CN"/>
+                    </a:p>
+                  </a:txBody>
+                  <a:tcPr anchor="ctr" anchorCtr="1"/>
+                </a:tc>
+                <a:tc>
+                  <a:txBody>
+                    <a:bodyPr/>
+                    <a:p>
+                      <a:pPr algn="ctr">
+                        <a:buNone/>
+                      </a:pPr>
+                      <a:r>
+                        <a:rPr lang="en-US" altLang="zh-CN"/>
+                        <a:t>4.71</a:t>
+                      </a:r>
+                      <a:endParaRPr lang="en-US" altLang="zh-CN"/>
+                    </a:p>
+                  </a:txBody>
+                  <a:tcPr anchor="ctr" anchorCtr="1"/>
+                </a:tc>
+              </a:tr>
+              <a:tr h="476250">
+                <a:tc>
+                  <a:txBody>
+                    <a:bodyPr/>
+                    <a:p>
+                      <a:pPr algn="ctr">
+                        <a:buNone/>
+                      </a:pPr>
+                      <a:r>
+                        <a:rPr lang="en-US" altLang="zh-CN" sz="1800">
+                          <a:sym typeface="+mn-ea"/>
+                        </a:rPr>
+                        <a:t>Stacking_multi_runs</a:t>
+                      </a:r>
+                      <a:endParaRPr lang="en-US" altLang="zh-CN"/>
+                    </a:p>
+                  </a:txBody>
+                  <a:tcPr anchor="ctr" anchorCtr="1"/>
+                </a:tc>
+                <a:tc>
+                  <a:txBody>
+                    <a:bodyPr/>
+                    <a:p>
+                      <a:pPr algn="ctr">
+                        <a:buNone/>
+                      </a:pPr>
+                      <a:r>
+                        <a:rPr lang="en-US" altLang="zh-CN">
+                          <a:solidFill>
+                            <a:schemeClr val="tx1"/>
+                          </a:solidFill>
+                        </a:rPr>
+                        <a:t>3.20</a:t>
+                      </a:r>
+                      <a:endParaRPr lang="en-US" altLang="zh-CN">
+                        <a:solidFill>
+                          <a:schemeClr val="tx1"/>
+                        </a:solidFill>
+                      </a:endParaRPr>
+                    </a:p>
+                  </a:txBody>
+                  <a:tcPr anchor="ctr" anchorCtr="1"/>
+                </a:tc>
+                <a:tc>
+                  <a:txBody>
+                    <a:bodyPr/>
+                    <a:p>
+                      <a:pPr algn="ctr">
+                        <a:buNone/>
+                      </a:pPr>
+                      <a:r>
+                        <a:rPr lang="en-US" altLang="zh-CN">
+                          <a:solidFill>
+                            <a:schemeClr val="tx1"/>
+                          </a:solidFill>
+                        </a:rPr>
+                        <a:t>0.73</a:t>
+                      </a:r>
+                      <a:endParaRPr lang="en-US" altLang="zh-CN">
+                        <a:solidFill>
+                          <a:schemeClr val="tx1"/>
+                        </a:solidFill>
+                      </a:endParaRPr>
+                    </a:p>
+                  </a:txBody>
+                  <a:tcPr anchor="ctr" anchorCtr="1"/>
+                </a:tc>
+                <a:tc>
+                  <a:txBody>
+                    <a:bodyPr/>
+                    <a:p>
+                      <a:pPr algn="ctr">
+                        <a:buNone/>
+                      </a:pPr>
+                      <a:r>
+                        <a:rPr lang="en-US" altLang="zh-CN">
+                          <a:solidFill>
+                            <a:schemeClr val="tx1"/>
+                          </a:solidFill>
+                        </a:rPr>
+                        <a:t>2.46</a:t>
+                      </a:r>
+                      <a:endParaRPr lang="en-US" altLang="zh-CN">
+                        <a:solidFill>
+                          <a:schemeClr val="tx1"/>
+                        </a:solidFill>
+                      </a:endParaRPr>
+                    </a:p>
+                  </a:txBody>
+                  <a:tcPr anchor="ctr" anchorCtr="1"/>
+                </a:tc>
+                <a:tc>
+                  <a:txBody>
+                    <a:bodyPr/>
+                    <a:p>
+                      <a:pPr algn="ctr">
+                        <a:buNone/>
+                      </a:pPr>
+                      <a:r>
+                        <a:rPr lang="en-US" altLang="zh-CN">
+                          <a:solidFill>
+                            <a:schemeClr val="tx1"/>
+                          </a:solidFill>
+                        </a:rPr>
+                        <a:t>5.68</a:t>
+                      </a:r>
+                      <a:endParaRPr lang="en-US" altLang="zh-CN">
+                        <a:solidFill>
+                          <a:schemeClr val="tx1"/>
+                        </a:solidFill>
+                      </a:endParaRPr>
+                    </a:p>
+                  </a:txBody>
+                  <a:tcPr anchor="ctr" anchorCtr="1"/>
+                </a:tc>
+              </a:tr>
+              <a:tr h="476250">
+                <a:tc>
+                  <a:txBody>
+                    <a:bodyPr/>
+                    <a:p>
+                      <a:pPr algn="ctr">
+                        <a:buNone/>
+                      </a:pPr>
+                      <a:r>
+                        <a:rPr lang="en-US" altLang="zh-CN" sz="1800">
+                          <a:sym typeface="+mn-ea"/>
+                        </a:rPr>
+                        <a:t>Ensemble_multi_runs</a:t>
                       </a:r>
                       <a:endParaRPr lang="en-US" altLang="zh-CN"/>
                     </a:p>
@@ -7782,7 +8612,7 @@
                             <a:srgbClr val="FF0000"/>
                           </a:solidFill>
                         </a:rPr>
-                        <a:t>2.23</a:t>
+                        <a:t>3.10</a:t>
                       </a:r>
                       <a:endParaRPr lang="en-US" altLang="zh-CN">
                         <a:solidFill>
@@ -7803,10 +8633,34 @@
                       <a:r>
                         <a:rPr lang="en-US" altLang="zh-CN">
                           <a:solidFill>
+                            <a:schemeClr val="tx1"/>
+                          </a:solidFill>
+                        </a:rPr>
+                        <a:t>0.50</a:t>
+                      </a:r>
+                      <a:endParaRPr lang="en-US" altLang="zh-CN">
+                        <a:solidFill>
+                          <a:schemeClr val="tx1"/>
+                        </a:solidFill>
+                      </a:endParaRPr>
+                    </a:p>
+                  </a:txBody>
+                  <a:tcPr anchor="ctr" anchorCtr="1"/>
+                </a:tc>
+                <a:tc>
+                  <a:txBody>
+                    <a:bodyPr/>
+                    <a:p>
+                      <a:pPr algn="ctr">
+                        <a:buNone/>
+                      </a:pPr>
+                      <a:r>
+                        <a:rPr lang="en-US" altLang="zh-CN">
+                          <a:solidFill>
                             <a:srgbClr val="FF0000"/>
                           </a:solidFill>
                         </a:rPr>
-                        <a:t>5.43</a:t>
+                        <a:t>2.04</a:t>
                       </a:r>
                       <a:endParaRPr lang="en-US" altLang="zh-CN">
                         <a:solidFill>
@@ -7817,332 +8671,6 @@
                   </a:txBody>
                   <a:tcPr anchor="ctr" anchorCtr="1"/>
                 </a:tc>
-              </a:tr>
-              <a:tr h="476250">
-                <a:tc>
-                  <a:txBody>
-                    <a:bodyPr/>
-                    <a:p>
-                      <a:pPr algn="ctr">
-                        <a:buNone/>
-                      </a:pPr>
-                      <a:r>
-                        <a:rPr lang="en-US" altLang="zh-CN" sz="1800">
-                          <a:sym typeface="+mn-ea"/>
-                        </a:rPr>
-                        <a:t>SVR_multi_runs</a:t>
-                      </a:r>
-                      <a:endParaRPr lang="zh-CN" altLang="en-US"/>
-                    </a:p>
-                  </a:txBody>
-                  <a:tcPr anchor="ctr" anchorCtr="1"/>
-                </a:tc>
-                <a:tc>
-                  <a:txBody>
-                    <a:bodyPr/>
-                    <a:p>
-                      <a:pPr algn="ctr">
-                        <a:buNone/>
-                      </a:pPr>
-                      <a:r>
-                        <a:rPr lang="en-US" altLang="zh-CN"/>
-                        <a:t>4.31</a:t>
-                      </a:r>
-                      <a:endParaRPr lang="en-US" altLang="zh-CN"/>
-                    </a:p>
-                  </a:txBody>
-                  <a:tcPr anchor="ctr" anchorCtr="1"/>
-                </a:tc>
-                <a:tc>
-                  <a:txBody>
-                    <a:bodyPr/>
-                    <a:p>
-                      <a:pPr algn="ctr">
-                        <a:buNone/>
-                      </a:pPr>
-                      <a:r>
-                        <a:rPr lang="en-US" altLang="zh-CN">
-                          <a:solidFill>
-                            <a:schemeClr val="tx1"/>
-                          </a:solidFill>
-                        </a:rPr>
-                        <a:t>0.64</a:t>
-                      </a:r>
-                      <a:endParaRPr lang="en-US" altLang="zh-CN">
-                        <a:solidFill>
-                          <a:schemeClr val="tx1"/>
-                        </a:solidFill>
-                      </a:endParaRPr>
-                    </a:p>
-                  </a:txBody>
-                  <a:tcPr anchor="ctr" anchorCtr="1"/>
-                </a:tc>
-                <a:tc>
-                  <a:txBody>
-                    <a:bodyPr/>
-                    <a:p>
-                      <a:pPr algn="ctr">
-                        <a:buNone/>
-                      </a:pPr>
-                      <a:r>
-                        <a:rPr lang="en-US" altLang="zh-CN"/>
-                        <a:t>2.86</a:t>
-                      </a:r>
-                      <a:endParaRPr lang="en-US" altLang="zh-CN"/>
-                    </a:p>
-                  </a:txBody>
-                  <a:tcPr anchor="ctr" anchorCtr="1"/>
-                </a:tc>
-                <a:tc>
-                  <a:txBody>
-                    <a:bodyPr/>
-                    <a:p>
-                      <a:pPr algn="ctr">
-                        <a:buNone/>
-                      </a:pPr>
-                      <a:r>
-                        <a:rPr lang="en-US" altLang="zh-CN"/>
-                        <a:t>5.53</a:t>
-                      </a:r>
-                      <a:endParaRPr lang="en-US" altLang="zh-CN"/>
-                    </a:p>
-                  </a:txBody>
-                  <a:tcPr anchor="ctr" anchorCtr="1"/>
-                </a:tc>
-              </a:tr>
-              <a:tr h="476250">
-                <a:tc>
-                  <a:txBody>
-                    <a:bodyPr/>
-                    <a:p>
-                      <a:pPr algn="ctr">
-                        <a:buNone/>
-                      </a:pPr>
-                      <a:r>
-                        <a:rPr lang="en-US" altLang="zh-CN" sz="1800">
-                          <a:sym typeface="+mn-ea"/>
-                        </a:rPr>
-                        <a:t>XGBoost_</a:t>
-                      </a:r>
-                      <a:r>
-                        <a:rPr lang="en-US" altLang="zh-CN" sz="1800">
-                          <a:sym typeface="+mn-ea"/>
-                        </a:rPr>
-                        <a:t>multi_runs</a:t>
-                      </a:r>
-                      <a:endParaRPr lang="zh-CN" altLang="en-US"/>
-                    </a:p>
-                  </a:txBody>
-                  <a:tcPr anchor="ctr" anchorCtr="1"/>
-                </a:tc>
-                <a:tc>
-                  <a:txBody>
-                    <a:bodyPr/>
-                    <a:p>
-                      <a:pPr algn="ctr">
-                        <a:buNone/>
-                      </a:pPr>
-                      <a:r>
-                        <a:rPr lang="en-US" altLang="zh-CN"/>
-                        <a:t>4.14</a:t>
-                      </a:r>
-                      <a:endParaRPr lang="en-US" altLang="zh-CN"/>
-                    </a:p>
-                  </a:txBody>
-                  <a:tcPr anchor="ctr" anchorCtr="1"/>
-                </a:tc>
-                <a:tc>
-                  <a:txBody>
-                    <a:bodyPr/>
-                    <a:p>
-                      <a:pPr algn="ctr">
-                        <a:buNone/>
-                      </a:pPr>
-                      <a:r>
-                        <a:rPr lang="en-US" altLang="zh-CN">
-                          <a:solidFill>
-                            <a:schemeClr val="tx1"/>
-                          </a:solidFill>
-                        </a:rPr>
-                        <a:t>0.64</a:t>
-                      </a:r>
-                      <a:endParaRPr lang="en-US" altLang="zh-CN">
-                        <a:solidFill>
-                          <a:schemeClr val="tx1"/>
-                        </a:solidFill>
-                      </a:endParaRPr>
-                    </a:p>
-                  </a:txBody>
-                  <a:tcPr anchor="ctr" anchorCtr="1"/>
-                </a:tc>
-                <a:tc>
-                  <a:txBody>
-                    <a:bodyPr/>
-                    <a:p>
-                      <a:pPr algn="ctr">
-                        <a:buNone/>
-                      </a:pPr>
-                      <a:r>
-                        <a:rPr lang="en-US" altLang="zh-CN"/>
-                        <a:t>2.76</a:t>
-                      </a:r>
-                      <a:endParaRPr lang="en-US" altLang="zh-CN"/>
-                    </a:p>
-                  </a:txBody>
-                  <a:tcPr anchor="ctr" anchorCtr="1"/>
-                </a:tc>
-                <a:tc>
-                  <a:txBody>
-                    <a:bodyPr/>
-                    <a:p>
-                      <a:pPr algn="ctr">
-                        <a:buNone/>
-                      </a:pPr>
-                      <a:r>
-                        <a:rPr lang="en-US" altLang="zh-CN"/>
-                        <a:t>5.56</a:t>
-                      </a:r>
-                      <a:endParaRPr lang="en-US" altLang="zh-CN"/>
-                    </a:p>
-                  </a:txBody>
-                  <a:tcPr anchor="ctr" anchorCtr="1"/>
-                </a:tc>
-              </a:tr>
-              <a:tr h="476250">
-                <a:tc>
-                  <a:txBody>
-                    <a:bodyPr/>
-                    <a:p>
-                      <a:pPr algn="ctr">
-                        <a:buNone/>
-                      </a:pPr>
-                      <a:r>
-                        <a:rPr lang="en-US" altLang="zh-CN" sz="1800">
-                          <a:sym typeface="+mn-ea"/>
-                        </a:rPr>
-                        <a:t>Stacking_multi_runs</a:t>
-                      </a:r>
-                      <a:endParaRPr lang="en-US" altLang="zh-CN"/>
-                    </a:p>
-                  </a:txBody>
-                  <a:tcPr anchor="ctr" anchorCtr="1"/>
-                </a:tc>
-                <a:tc>
-                  <a:txBody>
-                    <a:bodyPr/>
-                    <a:p>
-                      <a:pPr algn="ctr">
-                        <a:buNone/>
-                      </a:pPr>
-                      <a:r>
-                        <a:rPr lang="en-US" altLang="zh-CN">
-                          <a:solidFill>
-                            <a:schemeClr val="tx1"/>
-                          </a:solidFill>
-                        </a:rPr>
-                        <a:t>3.75</a:t>
-                      </a:r>
-                      <a:endParaRPr lang="en-US" altLang="zh-CN">
-                        <a:solidFill>
-                          <a:schemeClr val="tx1"/>
-                        </a:solidFill>
-                      </a:endParaRPr>
-                    </a:p>
-                  </a:txBody>
-                  <a:tcPr anchor="ctr" anchorCtr="1"/>
-                </a:tc>
-                <a:tc>
-                  <a:txBody>
-                    <a:bodyPr/>
-                    <a:p>
-                      <a:pPr algn="ctr">
-                        <a:buNone/>
-                      </a:pPr>
-                      <a:r>
-                        <a:rPr lang="en-US" altLang="zh-CN">
-                          <a:solidFill>
-                            <a:schemeClr val="tx1"/>
-                          </a:solidFill>
-                        </a:rPr>
-                        <a:t>0.79</a:t>
-                      </a:r>
-                      <a:endParaRPr lang="en-US" altLang="zh-CN">
-                        <a:solidFill>
-                          <a:schemeClr val="tx1"/>
-                        </a:solidFill>
-                      </a:endParaRPr>
-                    </a:p>
-                  </a:txBody>
-                  <a:tcPr anchor="ctr" anchorCtr="1"/>
-                </a:tc>
-                <a:tc>
-                  <a:txBody>
-                    <a:bodyPr/>
-                    <a:p>
-                      <a:pPr algn="ctr">
-                        <a:buNone/>
-                      </a:pPr>
-                      <a:r>
-                        <a:rPr lang="en-US" altLang="zh-CN">
-                          <a:solidFill>
-                            <a:schemeClr val="tx1"/>
-                          </a:solidFill>
-                        </a:rPr>
-                        <a:t>2.51</a:t>
-                      </a:r>
-                      <a:endParaRPr lang="en-US" altLang="zh-CN">
-                        <a:solidFill>
-                          <a:schemeClr val="tx1"/>
-                        </a:solidFill>
-                      </a:endParaRPr>
-                    </a:p>
-                  </a:txBody>
-                  <a:tcPr anchor="ctr" anchorCtr="1"/>
-                </a:tc>
-                <a:tc>
-                  <a:txBody>
-                    <a:bodyPr/>
-                    <a:p>
-                      <a:pPr algn="ctr">
-                        <a:buNone/>
-                      </a:pPr>
-                      <a:r>
-                        <a:rPr lang="en-US" altLang="zh-CN">
-                          <a:solidFill>
-                            <a:schemeClr val="tx1"/>
-                          </a:solidFill>
-                        </a:rPr>
-                        <a:t>5.77</a:t>
-                      </a:r>
-                      <a:endParaRPr lang="en-US" altLang="zh-CN">
-                        <a:solidFill>
-                          <a:schemeClr val="tx1"/>
-                        </a:solidFill>
-                      </a:endParaRPr>
-                    </a:p>
-                  </a:txBody>
-                  <a:tcPr anchor="ctr" anchorCtr="1"/>
-                </a:tc>
-              </a:tr>
-              <a:tr h="476250">
-                <a:tc>
-                  <a:txBody>
-                    <a:bodyPr/>
-                    <a:p>
-                      <a:pPr algn="ctr">
-                        <a:buNone/>
-                      </a:pPr>
-                      <a:r>
-                        <a:rPr lang="en-US" altLang="zh-CN" sz="1800">
-                          <a:sym typeface="+mn-ea"/>
-                        </a:rPr>
-                        <a:t>Ensemble_multi_runs</a:t>
-                      </a:r>
-                      <a:endParaRPr lang="en-US" altLang="zh-CN"/>
-                    </a:p>
-                  </a:txBody>
-                  <a:tcPr anchor="ctr" anchorCtr="1"/>
-                </a:tc>
                 <a:tc>
                   <a:txBody>
                     <a:bodyPr/>
@@ -8156,79 +8684,7 @@
                             <a:srgbClr val="FF0000"/>
                           </a:solidFill>
                         </a:rPr>
-                        <a:t>3.69</a:t>
-                      </a:r>
-                      <a:endParaRPr lang="en-US" altLang="zh-CN">
-                        <a:solidFill>
-                          <a:srgbClr val="FF0000"/>
-                        </a:solidFill>
-                      </a:endParaRPr>
-                    </a:p>
-                  </a:txBody>
-                  <a:tcPr anchor="ctr" anchorCtr="1"/>
-                </a:tc>
-                <a:tc>
-                  <a:txBody>
-                    <a:bodyPr/>
-                    <a:p>
-                      <a:pPr algn="ctr">
-                        <a:buNone/>
-                      </a:pPr>
-                      <a:r>
-                        <a:rPr lang="en-US" altLang="zh-CN">
-                          <a:solidFill>
-                            <a:schemeClr val="tx1"/>
-                          </a:solidFill>
-                        </a:rPr>
-                        <a:t>0.67</a:t>
-                      </a:r>
-                      <a:endParaRPr lang="en-US" altLang="zh-CN">
-                        <a:solidFill>
-                          <a:schemeClr val="tx1"/>
-                        </a:solidFill>
-                      </a:endParaRPr>
-                    </a:p>
-                  </a:txBody>
-                  <a:tcPr anchor="ctr" anchorCtr="1"/>
-                </a:tc>
-                <a:tc>
-                  <a:txBody>
-                    <a:bodyPr/>
-                    <a:p>
-                      <a:pPr algn="ctr">
-                        <a:buNone/>
-                      </a:pPr>
-                      <a:r>
-                        <a:rPr lang="en-US" altLang="zh-CN">
-                          <a:solidFill>
-                            <a:srgbClr val="FF0000"/>
-                          </a:solidFill>
-                        </a:rPr>
-                        <a:t>2.46</a:t>
-                      </a:r>
-                      <a:endParaRPr lang="en-US" altLang="zh-CN">
-                        <a:solidFill>
-                          <a:srgbClr val="FF0000"/>
-                        </a:solidFill>
-                      </a:endParaRPr>
-                    </a:p>
-                  </a:txBody>
-                  <a:tcPr anchor="ctr" anchorCtr="1"/>
-                </a:tc>
-                <a:tc>
-                  <a:txBody>
-                    <a:bodyPr/>
-                    <a:p>
-                      <a:pPr algn="ctr">
-                        <a:buNone/>
-                      </a:pPr>
-                      <a:r>
-                        <a:rPr lang="en-US" altLang="zh-CN">
-                          <a:solidFill>
-                            <a:srgbClr val="FF0000"/>
-                          </a:solidFill>
-                        </a:rPr>
-                        <a:t>4.92</a:t>
+                        <a:t>4.13</a:t>
                       </a:r>
                       <a:endParaRPr lang="en-US" altLang="zh-CN">
                         <a:solidFill>
@@ -8269,6 +8725,14 @@
 </file>
 
 <file path=ppt/tags/tag3.xml><?xml version="1.0" encoding="utf-8"?>
+<p:tagLst xmlns:p="http://schemas.openxmlformats.org/presentationml/2006/main">
+  <p:tag name="KSO_WM_UNIT_TABLE_BEAUTIFY" val="smartTable{5dd4f8f7-80b8-4fa7-8a89-99edd8132bf7}"/>
+  <p:tag name="TABLE_ENDDRAG_ORIGIN_RECT" val="816*262"/>
+  <p:tag name="TABLE_ENDDRAG_RECT" val="87*126*816*262"/>
+</p:tagLst>
+</file>
+
+<file path=ppt/tags/tag4.xml><?xml version="1.0" encoding="utf-8"?>
 <p:tagLst xmlns:p="http://schemas.openxmlformats.org/presentationml/2006/main">
   <p:tag name="KSO_WM_UNIT_TABLE_BEAUTIFY" val="smartTable{5dd4f8f7-80b8-4fa7-8a89-99edd8132bf7}"/>
   <p:tag name="TABLE_ENDDRAG_ORIGIN_RECT" val="816*262"/>
